--- a/CPE Electives (1 - 3)/01. Lectures Notebook/000. Presentations & Text Books/01. Presentation Slides/31. Assocation Rule Mining - FP-Growth.pptx
+++ b/CPE Electives (1 - 3)/01. Lectures Notebook/000. Presentations & Text Books/01. Presentation Slides/31. Assocation Rule Mining - FP-Growth.pptx
@@ -5,10 +5,10 @@
     <p:sldMasterId id="2147483684" r:id="rId1"/>
   </p:sldMasterIdLst>
   <p:notesMasterIdLst>
-    <p:notesMasterId r:id="rId35"/>
+    <p:notesMasterId r:id="rId36"/>
   </p:notesMasterIdLst>
   <p:handoutMasterIdLst>
-    <p:handoutMasterId r:id="rId36"/>
+    <p:handoutMasterId r:id="rId37"/>
   </p:handoutMasterIdLst>
   <p:sldIdLst>
     <p:sldId id="258" r:id="rId2"/>
@@ -25,25 +25,26 @@
     <p:sldId id="371" r:id="rId13"/>
     <p:sldId id="372" r:id="rId14"/>
     <p:sldId id="374" r:id="rId15"/>
-    <p:sldId id="375" r:id="rId16"/>
-    <p:sldId id="376" r:id="rId17"/>
-    <p:sldId id="378" r:id="rId18"/>
-    <p:sldId id="377" r:id="rId19"/>
-    <p:sldId id="379" r:id="rId20"/>
-    <p:sldId id="380" r:id="rId21"/>
-    <p:sldId id="425" r:id="rId22"/>
-    <p:sldId id="382" r:id="rId23"/>
-    <p:sldId id="383" r:id="rId24"/>
-    <p:sldId id="431" r:id="rId25"/>
-    <p:sldId id="426" r:id="rId26"/>
-    <p:sldId id="432" r:id="rId27"/>
-    <p:sldId id="427" r:id="rId28"/>
-    <p:sldId id="433" r:id="rId29"/>
-    <p:sldId id="428" r:id="rId30"/>
-    <p:sldId id="434" r:id="rId31"/>
-    <p:sldId id="429" r:id="rId32"/>
-    <p:sldId id="435" r:id="rId33"/>
-    <p:sldId id="314" r:id="rId34"/>
+    <p:sldId id="436" r:id="rId16"/>
+    <p:sldId id="375" r:id="rId17"/>
+    <p:sldId id="376" r:id="rId18"/>
+    <p:sldId id="378" r:id="rId19"/>
+    <p:sldId id="377" r:id="rId20"/>
+    <p:sldId id="379" r:id="rId21"/>
+    <p:sldId id="380" r:id="rId22"/>
+    <p:sldId id="425" r:id="rId23"/>
+    <p:sldId id="382" r:id="rId24"/>
+    <p:sldId id="383" r:id="rId25"/>
+    <p:sldId id="431" r:id="rId26"/>
+    <p:sldId id="426" r:id="rId27"/>
+    <p:sldId id="432" r:id="rId28"/>
+    <p:sldId id="427" r:id="rId29"/>
+    <p:sldId id="433" r:id="rId30"/>
+    <p:sldId id="428" r:id="rId31"/>
+    <p:sldId id="434" r:id="rId32"/>
+    <p:sldId id="429" r:id="rId33"/>
+    <p:sldId id="435" r:id="rId34"/>
+    <p:sldId id="314" r:id="rId35"/>
   </p:sldIdLst>
   <p:sldSz cx="12192000" cy="6858000"/>
   <p:notesSz cx="6858000" cy="9144000"/>
@@ -257,7 +258,7 @@
           <a:p>
             <a:fld id="{3B6B94FD-5702-4F25-9A4D-07294FF3292C}" type="datetimeFigureOut">
               <a:rPr lang="en-PH" smtClean="0"/>
-              <a:t>20 Nov 2024</a:t>
+              <a:t>3 Sep 2025</a:t>
             </a:fld>
             <a:endParaRPr lang="en-PH"/>
           </a:p>
@@ -422,7 +423,7 @@
           <a:p>
             <a:fld id="{8365AC51-C568-4371-A28D-D14CF2BCF8BA}" type="datetimeFigureOut">
               <a:rPr lang="en-US" smtClean="0"/>
-              <a:t>11/20/2024</a:t>
+              <a:t>9/3/2025</a:t>
             </a:fld>
             <a:endParaRPr lang="en-US"/>
           </a:p>
@@ -5051,6 +5052,244 @@
         </p:nvSpPr>
         <p:spPr>
           <a:xfrm>
+            <a:off x="669520" y="1007202"/>
+            <a:ext cx="10558668" cy="4678204"/>
+          </a:xfrm>
+          <a:prstGeom prst="rect">
+            <a:avLst/>
+          </a:prstGeom>
+          <a:noFill/>
+        </p:spPr>
+        <p:txBody>
+          <a:bodyPr wrap="square" rtlCol="0">
+            <a:spAutoFit/>
+          </a:bodyPr>
+          <a:lstStyle/>
+          <a:p>
+            <a:r>
+              <a:rPr lang="en-US" sz="4000" b="1" dirty="0"/>
+              <a:t>Real-Life Examples (Same with </a:t>
+            </a:r>
+            <a:r>
+              <a:rPr lang="en-US" sz="4000" b="1" dirty="0" err="1"/>
+              <a:t>Apriori</a:t>
+            </a:r>
+            <a:r>
+              <a:rPr lang="en-US" sz="4000" b="1" dirty="0"/>
+              <a:t>)</a:t>
+            </a:r>
+          </a:p>
+          <a:p>
+            <a:endParaRPr lang="en-US" sz="1400" b="1" dirty="0"/>
+          </a:p>
+          <a:p>
+            <a:endParaRPr lang="en-US" sz="1400" b="1" dirty="0"/>
+          </a:p>
+          <a:p>
+            <a:r>
+              <a:rPr lang="en-US" b="1" dirty="0"/>
+              <a:t>Retail/Convenience stores:</a:t>
+            </a:r>
+            <a:r>
+              <a:rPr lang="en-US" dirty="0"/>
+              <a:t> “If a basket has </a:t>
+            </a:r>
+            <a:r>
+              <a:rPr lang="en-US" i="1" dirty="0"/>
+              <a:t>diapers</a:t>
+            </a:r>
+            <a:r>
+              <a:rPr lang="en-US" dirty="0"/>
+              <a:t>, beer is 25% more likely than baseline.” → bundle/placement.</a:t>
+            </a:r>
+          </a:p>
+          <a:p>
+            <a:endParaRPr lang="en-US" b="1" dirty="0"/>
+          </a:p>
+          <a:p>
+            <a:r>
+              <a:rPr lang="en-US" b="1" dirty="0"/>
+              <a:t>E-commerce:</a:t>
+            </a:r>
+            <a:r>
+              <a:rPr lang="en-US" dirty="0"/>
+              <a:t> “Users who buy </a:t>
+            </a:r>
+            <a:r>
+              <a:rPr lang="en-US" i="1" dirty="0"/>
+              <a:t>phone cases</a:t>
+            </a:r>
+            <a:r>
+              <a:rPr lang="en-US" dirty="0"/>
+              <a:t> also buy </a:t>
+            </a:r>
+            <a:r>
+              <a:rPr lang="en-US" i="1" dirty="0"/>
+              <a:t>screen protectors</a:t>
+            </a:r>
+            <a:r>
+              <a:rPr lang="en-US" dirty="0"/>
+              <a:t>.” → cross-sell suggestions.</a:t>
+            </a:r>
+          </a:p>
+          <a:p>
+            <a:endParaRPr lang="en-US" b="1" dirty="0"/>
+          </a:p>
+          <a:p>
+            <a:r>
+              <a:rPr lang="en-US" b="1" dirty="0"/>
+              <a:t>Education (course design):</a:t>
+            </a:r>
+            <a:r>
+              <a:rPr lang="en-US" dirty="0"/>
+              <a:t> “Students taking </a:t>
+            </a:r>
+            <a:r>
+              <a:rPr lang="en-US" i="1" dirty="0"/>
+              <a:t>Calc II</a:t>
+            </a:r>
+            <a:r>
+              <a:rPr lang="en-US" dirty="0"/>
+              <a:t> and </a:t>
+            </a:r>
+            <a:r>
+              <a:rPr lang="en-US" i="1" dirty="0"/>
+              <a:t>Physics I</a:t>
+            </a:r>
+            <a:r>
+              <a:rPr lang="en-US" dirty="0"/>
+              <a:t> also take </a:t>
+            </a:r>
+            <a:r>
+              <a:rPr lang="en-US" i="1" dirty="0"/>
+              <a:t>Programming I</a:t>
+            </a:r>
+            <a:r>
+              <a:rPr lang="en-US" dirty="0"/>
+              <a:t>.” → schedule optimization, advising.</a:t>
+            </a:r>
+          </a:p>
+          <a:p>
+            <a:endParaRPr lang="en-US" b="1" dirty="0"/>
+          </a:p>
+          <a:p>
+            <a:r>
+              <a:rPr lang="en-US" b="1" dirty="0"/>
+              <a:t>Healthcare:</a:t>
+            </a:r>
+            <a:r>
+              <a:rPr lang="en-US" dirty="0"/>
+              <a:t> “Patients with </a:t>
+            </a:r>
+            <a:r>
+              <a:rPr lang="en-US" i="1" dirty="0"/>
+              <a:t>hypertension</a:t>
+            </a:r>
+            <a:r>
+              <a:rPr lang="en-US" dirty="0"/>
+              <a:t> and </a:t>
+            </a:r>
+            <a:r>
+              <a:rPr lang="en-US" i="1" dirty="0"/>
+              <a:t>diabetes</a:t>
+            </a:r>
+            <a:r>
+              <a:rPr lang="en-US" dirty="0"/>
+              <a:t> often receive </a:t>
+            </a:r>
+            <a:r>
+              <a:rPr lang="en-US" i="1" dirty="0"/>
+              <a:t>ACE inhibitors</a:t>
+            </a:r>
+            <a:r>
+              <a:rPr lang="en-US" dirty="0"/>
+              <a:t>.” → order sets, care pathways.</a:t>
+            </a:r>
+          </a:p>
+          <a:p>
+            <a:endParaRPr lang="en-US" b="1" dirty="0"/>
+          </a:p>
+          <a:p>
+            <a:r>
+              <a:rPr lang="en-US" b="1" dirty="0"/>
+              <a:t>Media playlists:</a:t>
+            </a:r>
+            <a:r>
+              <a:rPr lang="en-US" dirty="0"/>
+              <a:t> “Listeners of </a:t>
+            </a:r>
+            <a:r>
+              <a:rPr lang="en-US" i="1" dirty="0"/>
+              <a:t>Artist A</a:t>
+            </a:r>
+            <a:r>
+              <a:rPr lang="en-US" dirty="0"/>
+              <a:t> and </a:t>
+            </a:r>
+            <a:r>
+              <a:rPr lang="en-US" i="1" dirty="0"/>
+              <a:t>Genre B</a:t>
+            </a:r>
+            <a:r>
+              <a:rPr lang="en-US" dirty="0"/>
+              <a:t> also stream </a:t>
+            </a:r>
+            <a:r>
+              <a:rPr lang="en-US" i="1" dirty="0"/>
+              <a:t>Artist C</a:t>
+            </a:r>
+            <a:r>
+              <a:rPr lang="en-US" dirty="0"/>
+              <a:t>.” → recommendations.</a:t>
+            </a:r>
+            <a:endParaRPr lang="en-US" b="1" dirty="0"/>
+          </a:p>
+          <a:p>
+            <a:pPr marL="342900" indent="-342900">
+              <a:buAutoNum type="alphaLcPeriod"/>
+            </a:pPr>
+            <a:endParaRPr lang="en-US" sz="1400" dirty="0"/>
+          </a:p>
+        </p:txBody>
+      </p:sp>
+    </p:spTree>
+    <p:extLst>
+      <p:ext uri="{BB962C8B-B14F-4D97-AF65-F5344CB8AC3E}">
+        <p14:creationId xmlns:p14="http://schemas.microsoft.com/office/powerpoint/2010/main" val="399481831"/>
+      </p:ext>
+    </p:extLst>
+  </p:cSld>
+  <p:clrMapOvr>
+    <a:masterClrMapping/>
+  </p:clrMapOvr>
+</p:sld>
+</file>
+
+<file path=ppt/slides/slide16.xml><?xml version="1.0" encoding="utf-8"?>
+<p:sld xmlns:a="http://schemas.openxmlformats.org/drawingml/2006/main" xmlns:r="http://schemas.openxmlformats.org/officeDocument/2006/relationships" xmlns:p="http://schemas.openxmlformats.org/presentationml/2006/main">
+  <p:cSld>
+    <p:spTree>
+      <p:nvGrpSpPr>
+        <p:cNvPr id="1" name=""/>
+        <p:cNvGrpSpPr/>
+        <p:nvPr/>
+      </p:nvGrpSpPr>
+      <p:grpSpPr>
+        <a:xfrm>
+          <a:off x="0" y="0"/>
+          <a:ext cx="0" cy="0"/>
+          <a:chOff x="0" y="0"/>
+          <a:chExt cx="0" cy="0"/>
+        </a:xfrm>
+      </p:grpSpPr>
+      <p:sp>
+        <p:nvSpPr>
+          <p:cNvPr id="4" name="TextBox 3"/>
+          <p:cNvSpPr txBox="1"/>
+          <p:nvPr/>
+        </p:nvSpPr>
+        <p:spPr>
+          <a:xfrm>
             <a:off x="669520" y="838525"/>
             <a:ext cx="10558668" cy="707886"/>
           </a:xfrm>
@@ -5516,7 +5755,7 @@
 </p:sld>
 </file>
 
-<file path=ppt/slides/slide16.xml><?xml version="1.0" encoding="utf-8"?>
+<file path=ppt/slides/slide17.xml><?xml version="1.0" encoding="utf-8"?>
 <p:sld xmlns:a="http://schemas.openxmlformats.org/drawingml/2006/main" xmlns:r="http://schemas.openxmlformats.org/officeDocument/2006/relationships" xmlns:p="http://schemas.openxmlformats.org/presentationml/2006/main">
   <p:cSld>
     <p:spTree>
@@ -5987,529 +6226,6 @@
 </p:sld>
 </file>
 
-<file path=ppt/slides/slide17.xml><?xml version="1.0" encoding="utf-8"?>
-<p:sld xmlns:a="http://schemas.openxmlformats.org/drawingml/2006/main" xmlns:r="http://schemas.openxmlformats.org/officeDocument/2006/relationships" xmlns:p="http://schemas.openxmlformats.org/presentationml/2006/main">
-  <p:cSld>
-    <p:spTree>
-      <p:nvGrpSpPr>
-        <p:cNvPr id="1" name=""/>
-        <p:cNvGrpSpPr/>
-        <p:nvPr/>
-      </p:nvGrpSpPr>
-      <p:grpSpPr>
-        <a:xfrm>
-          <a:off x="0" y="0"/>
-          <a:ext cx="0" cy="0"/>
-          <a:chOff x="0" y="0"/>
-          <a:chExt cx="0" cy="0"/>
-        </a:xfrm>
-      </p:grpSpPr>
-      <p:sp>
-        <p:nvSpPr>
-          <p:cNvPr id="4" name="TextBox 3"/>
-          <p:cNvSpPr txBox="1"/>
-          <p:nvPr/>
-        </p:nvSpPr>
-        <p:spPr>
-          <a:xfrm>
-            <a:off x="669520" y="838525"/>
-            <a:ext cx="10558668" cy="707886"/>
-          </a:xfrm>
-          <a:prstGeom prst="rect">
-            <a:avLst/>
-          </a:prstGeom>
-          <a:noFill/>
-        </p:spPr>
-        <p:txBody>
-          <a:bodyPr wrap="square" rtlCol="0">
-            <a:spAutoFit/>
-          </a:bodyPr>
-          <a:lstStyle/>
-          <a:p>
-            <a:r>
-              <a:rPr lang="en-US" sz="4000" b="1" dirty="0"/>
-              <a:t>3. Insert Transactions into the FP-Tree</a:t>
-            </a:r>
-          </a:p>
-        </p:txBody>
-      </p:sp>
-      <p:sp>
-        <p:nvSpPr>
-          <p:cNvPr id="27" name="TextBox 26">
-            <a:extLst>
-              <a:ext uri="{FF2B5EF4-FFF2-40B4-BE49-F238E27FC236}">
-                <a16:creationId xmlns:a16="http://schemas.microsoft.com/office/drawing/2014/main" id="{250E3094-EF97-4726-A444-FDFC8EAD4410}"/>
-              </a:ext>
-            </a:extLst>
-          </p:cNvPr>
-          <p:cNvSpPr txBox="1"/>
-          <p:nvPr/>
-        </p:nvSpPr>
-        <p:spPr>
-          <a:xfrm>
-            <a:off x="669520" y="1599679"/>
-            <a:ext cx="5600651" cy="1354217"/>
-          </a:xfrm>
-          <a:prstGeom prst="rect">
-            <a:avLst/>
-          </a:prstGeom>
-          <a:noFill/>
-        </p:spPr>
-        <p:txBody>
-          <a:bodyPr wrap="square" rtlCol="0">
-            <a:spAutoFit/>
-          </a:bodyPr>
-          <a:lstStyle/>
-          <a:p>
-            <a:r>
-              <a:rPr lang="en-US" sz="2400" dirty="0"/>
-              <a:t>Transaction T1</a:t>
-            </a:r>
-            <a:r>
-              <a:rPr lang="en-US" sz="2400" b="1" dirty="0"/>
-              <a:t>: </a:t>
-            </a:r>
-            <a:r>
-              <a:rPr lang="en-US" sz="2400" dirty="0"/>
-              <a:t>({</a:t>
-            </a:r>
-            <a:r>
-              <a:rPr lang="en-US" sz="2400" dirty="0">
-                <a:solidFill>
-                  <a:srgbClr val="FF0000"/>
-                </a:solidFill>
-              </a:rPr>
-              <a:t>B, A, E, D</a:t>
-            </a:r>
-            <a:r>
-              <a:rPr lang="en-US" sz="2400" dirty="0"/>
-              <a:t>})</a:t>
-            </a:r>
-          </a:p>
-          <a:p>
-            <a:endParaRPr lang="en-US" sz="1000" dirty="0"/>
-          </a:p>
-          <a:p>
-            <a:r>
-              <a:rPr lang="en-US" sz="2400" dirty="0"/>
-              <a:t>Insert path </a:t>
-            </a:r>
-            <a:r>
-              <a:rPr lang="en-US" sz="2400" dirty="0">
-                <a:solidFill>
-                  <a:srgbClr val="FF0000"/>
-                </a:solidFill>
-              </a:rPr>
-              <a:t>B </a:t>
-            </a:r>
-            <a:r>
-              <a:rPr lang="en-US" sz="2400" dirty="0">
-                <a:solidFill>
-                  <a:srgbClr val="FF0000"/>
-                </a:solidFill>
-                <a:sym typeface="Wingdings" panose="05000000000000000000" pitchFamily="2" charset="2"/>
-              </a:rPr>
-              <a:t> A  E  D</a:t>
-            </a:r>
-          </a:p>
-          <a:p>
-            <a:r>
-              <a:rPr lang="en-US" sz="2400" dirty="0">
-                <a:sym typeface="Wingdings" panose="05000000000000000000" pitchFamily="2" charset="2"/>
-              </a:rPr>
-              <a:t>Set counters: B: 1, A: 1, E: 1, D: 1</a:t>
-            </a:r>
-            <a:endParaRPr lang="en-US" sz="2400" dirty="0"/>
-          </a:p>
-        </p:txBody>
-      </p:sp>
-      <p:sp>
-        <p:nvSpPr>
-          <p:cNvPr id="2" name="Oval 1">
-            <a:extLst>
-              <a:ext uri="{FF2B5EF4-FFF2-40B4-BE49-F238E27FC236}">
-                <a16:creationId xmlns:a16="http://schemas.microsoft.com/office/drawing/2014/main" id="{6790BD35-3A48-4FA4-A1DD-25EAA7D259C1}"/>
-              </a:ext>
-            </a:extLst>
-          </p:cNvPr>
-          <p:cNvSpPr/>
-          <p:nvPr/>
-        </p:nvSpPr>
-        <p:spPr>
-          <a:xfrm>
-            <a:off x="7698212" y="1898452"/>
-            <a:ext cx="741647" cy="741647"/>
-          </a:xfrm>
-          <a:prstGeom prst="ellipse">
-            <a:avLst/>
-          </a:prstGeom>
-          <a:noFill/>
-          <a:ln>
-            <a:solidFill>
-              <a:srgbClr val="FF0000"/>
-            </a:solidFill>
-          </a:ln>
-        </p:spPr>
-        <p:style>
-          <a:lnRef idx="2">
-            <a:schemeClr val="accent1">
-              <a:shade val="50000"/>
-            </a:schemeClr>
-          </a:lnRef>
-          <a:fillRef idx="1">
-            <a:schemeClr val="accent1"/>
-          </a:fillRef>
-          <a:effectRef idx="0">
-            <a:schemeClr val="accent1"/>
-          </a:effectRef>
-          <a:fontRef idx="minor">
-            <a:schemeClr val="lt1"/>
-          </a:fontRef>
-        </p:style>
-        <p:txBody>
-          <a:bodyPr rtlCol="0" anchor="ctr"/>
-          <a:lstStyle/>
-          <a:p>
-            <a:pPr algn="ctr"/>
-            <a:r>
-              <a:rPr lang="en-US" sz="1600" dirty="0">
-                <a:solidFill>
-                  <a:schemeClr val="tx1"/>
-                </a:solidFill>
-              </a:rPr>
-              <a:t>B: 1</a:t>
-            </a:r>
-            <a:endParaRPr lang="en-PH" sz="1600" dirty="0">
-              <a:solidFill>
-                <a:schemeClr val="tx1"/>
-              </a:solidFill>
-            </a:endParaRPr>
-          </a:p>
-        </p:txBody>
-      </p:sp>
-      <p:sp>
-        <p:nvSpPr>
-          <p:cNvPr id="8" name="Oval 7">
-            <a:extLst>
-              <a:ext uri="{FF2B5EF4-FFF2-40B4-BE49-F238E27FC236}">
-                <a16:creationId xmlns:a16="http://schemas.microsoft.com/office/drawing/2014/main" id="{FF465D5F-EE40-4CF1-B973-7087C70611E4}"/>
-              </a:ext>
-            </a:extLst>
-          </p:cNvPr>
-          <p:cNvSpPr/>
-          <p:nvPr/>
-        </p:nvSpPr>
-        <p:spPr>
-          <a:xfrm>
-            <a:off x="6869587" y="2676377"/>
-            <a:ext cx="730518" cy="730518"/>
-          </a:xfrm>
-          <a:prstGeom prst="ellipse">
-            <a:avLst/>
-          </a:prstGeom>
-          <a:noFill/>
-          <a:ln>
-            <a:solidFill>
-              <a:srgbClr val="FF0000"/>
-            </a:solidFill>
-          </a:ln>
-        </p:spPr>
-        <p:style>
-          <a:lnRef idx="2">
-            <a:schemeClr val="accent1">
-              <a:shade val="50000"/>
-            </a:schemeClr>
-          </a:lnRef>
-          <a:fillRef idx="1">
-            <a:schemeClr val="accent1"/>
-          </a:fillRef>
-          <a:effectRef idx="0">
-            <a:schemeClr val="accent1"/>
-          </a:effectRef>
-          <a:fontRef idx="minor">
-            <a:schemeClr val="lt1"/>
-          </a:fontRef>
-        </p:style>
-        <p:txBody>
-          <a:bodyPr rtlCol="0" anchor="ctr"/>
-          <a:lstStyle/>
-          <a:p>
-            <a:pPr algn="ctr"/>
-            <a:r>
-              <a:rPr lang="en-US" sz="1600" dirty="0">
-                <a:solidFill>
-                  <a:schemeClr val="tx1"/>
-                </a:solidFill>
-              </a:rPr>
-              <a:t>A: 1</a:t>
-            </a:r>
-            <a:endParaRPr lang="en-PH" sz="1600" dirty="0">
-              <a:solidFill>
-                <a:schemeClr val="tx1"/>
-              </a:solidFill>
-            </a:endParaRPr>
-          </a:p>
-        </p:txBody>
-      </p:sp>
-      <p:sp>
-        <p:nvSpPr>
-          <p:cNvPr id="9" name="Oval 8">
-            <a:extLst>
-              <a:ext uri="{FF2B5EF4-FFF2-40B4-BE49-F238E27FC236}">
-                <a16:creationId xmlns:a16="http://schemas.microsoft.com/office/drawing/2014/main" id="{39C548D5-2D23-4238-82DF-921D2E3334F9}"/>
-              </a:ext>
-            </a:extLst>
-          </p:cNvPr>
-          <p:cNvSpPr/>
-          <p:nvPr/>
-        </p:nvSpPr>
-        <p:spPr>
-          <a:xfrm>
-            <a:off x="6269620" y="3680381"/>
-            <a:ext cx="741648" cy="741648"/>
-          </a:xfrm>
-          <a:prstGeom prst="ellipse">
-            <a:avLst/>
-          </a:prstGeom>
-          <a:noFill/>
-          <a:ln>
-            <a:solidFill>
-              <a:srgbClr val="FF0000"/>
-            </a:solidFill>
-          </a:ln>
-        </p:spPr>
-        <p:style>
-          <a:lnRef idx="2">
-            <a:schemeClr val="accent1">
-              <a:shade val="50000"/>
-            </a:schemeClr>
-          </a:lnRef>
-          <a:fillRef idx="1">
-            <a:schemeClr val="accent1"/>
-          </a:fillRef>
-          <a:effectRef idx="0">
-            <a:schemeClr val="accent1"/>
-          </a:effectRef>
-          <a:fontRef idx="minor">
-            <a:schemeClr val="lt1"/>
-          </a:fontRef>
-        </p:style>
-        <p:txBody>
-          <a:bodyPr rtlCol="0" anchor="ctr"/>
-          <a:lstStyle/>
-          <a:p>
-            <a:pPr algn="ctr"/>
-            <a:r>
-              <a:rPr lang="en-US" sz="1600" dirty="0">
-                <a:solidFill>
-                  <a:schemeClr val="tx1"/>
-                </a:solidFill>
-              </a:rPr>
-              <a:t>E: 1</a:t>
-            </a:r>
-            <a:endParaRPr lang="en-PH" sz="1600" dirty="0">
-              <a:solidFill>
-                <a:schemeClr val="tx1"/>
-              </a:solidFill>
-            </a:endParaRPr>
-          </a:p>
-        </p:txBody>
-      </p:sp>
-      <p:sp>
-        <p:nvSpPr>
-          <p:cNvPr id="10" name="Oval 9">
-            <a:extLst>
-              <a:ext uri="{FF2B5EF4-FFF2-40B4-BE49-F238E27FC236}">
-                <a16:creationId xmlns:a16="http://schemas.microsoft.com/office/drawing/2014/main" id="{D370CE05-94D0-4DB6-BE29-980F92475FAA}"/>
-              </a:ext>
-            </a:extLst>
-          </p:cNvPr>
-          <p:cNvSpPr/>
-          <p:nvPr/>
-        </p:nvSpPr>
-        <p:spPr>
-          <a:xfrm>
-            <a:off x="5573505" y="4538710"/>
-            <a:ext cx="741648" cy="741648"/>
-          </a:xfrm>
-          <a:prstGeom prst="ellipse">
-            <a:avLst/>
-          </a:prstGeom>
-          <a:noFill/>
-          <a:ln>
-            <a:solidFill>
-              <a:srgbClr val="FF0000"/>
-            </a:solidFill>
-          </a:ln>
-        </p:spPr>
-        <p:style>
-          <a:lnRef idx="2">
-            <a:schemeClr val="accent1">
-              <a:shade val="50000"/>
-            </a:schemeClr>
-          </a:lnRef>
-          <a:fillRef idx="1">
-            <a:schemeClr val="accent1"/>
-          </a:fillRef>
-          <a:effectRef idx="0">
-            <a:schemeClr val="accent1"/>
-          </a:effectRef>
-          <a:fontRef idx="minor">
-            <a:schemeClr val="lt1"/>
-          </a:fontRef>
-        </p:style>
-        <p:txBody>
-          <a:bodyPr rtlCol="0" anchor="ctr"/>
-          <a:lstStyle/>
-          <a:p>
-            <a:pPr algn="ctr"/>
-            <a:r>
-              <a:rPr lang="en-US" sz="1600" dirty="0">
-                <a:solidFill>
-                  <a:schemeClr val="tx1"/>
-                </a:solidFill>
-              </a:rPr>
-              <a:t>D: 1</a:t>
-            </a:r>
-            <a:endParaRPr lang="en-PH" sz="1600" dirty="0">
-              <a:solidFill>
-                <a:schemeClr val="tx1"/>
-              </a:solidFill>
-            </a:endParaRPr>
-          </a:p>
-        </p:txBody>
-      </p:sp>
-      <p:cxnSp>
-        <p:nvCxnSpPr>
-          <p:cNvPr id="7" name="Straight Connector 6">
-            <a:extLst>
-              <a:ext uri="{FF2B5EF4-FFF2-40B4-BE49-F238E27FC236}">
-                <a16:creationId xmlns:a16="http://schemas.microsoft.com/office/drawing/2014/main" id="{D5CBC4E2-B7D8-4BA4-91B1-1439F1E66A5D}"/>
-              </a:ext>
-            </a:extLst>
-          </p:cNvPr>
-          <p:cNvCxnSpPr>
-            <a:stCxn id="2" idx="3"/>
-            <a:endCxn id="8" idx="7"/>
-          </p:cNvCxnSpPr>
-          <p:nvPr/>
-        </p:nvCxnSpPr>
-        <p:spPr>
-          <a:xfrm flipH="1">
-            <a:off x="7493123" y="2531487"/>
-            <a:ext cx="313701" cy="251872"/>
-          </a:xfrm>
-          <a:prstGeom prst="line">
-            <a:avLst/>
-          </a:prstGeom>
-        </p:spPr>
-        <p:style>
-          <a:lnRef idx="1">
-            <a:schemeClr val="dk1"/>
-          </a:lnRef>
-          <a:fillRef idx="0">
-            <a:schemeClr val="dk1"/>
-          </a:fillRef>
-          <a:effectRef idx="0">
-            <a:schemeClr val="dk1"/>
-          </a:effectRef>
-          <a:fontRef idx="minor">
-            <a:schemeClr val="tx1"/>
-          </a:fontRef>
-        </p:style>
-      </p:cxnSp>
-      <p:cxnSp>
-        <p:nvCxnSpPr>
-          <p:cNvPr id="12" name="Straight Connector 11">
-            <a:extLst>
-              <a:ext uri="{FF2B5EF4-FFF2-40B4-BE49-F238E27FC236}">
-                <a16:creationId xmlns:a16="http://schemas.microsoft.com/office/drawing/2014/main" id="{3671F84C-43EB-4E83-B34F-C5EA539A58EC}"/>
-              </a:ext>
-            </a:extLst>
-          </p:cNvPr>
-          <p:cNvCxnSpPr>
-            <a:cxnSpLocks/>
-            <a:endCxn id="8" idx="3"/>
-          </p:cNvCxnSpPr>
-          <p:nvPr/>
-        </p:nvCxnSpPr>
-        <p:spPr>
-          <a:xfrm flipV="1">
-            <a:off x="6763880" y="3299913"/>
-            <a:ext cx="212689" cy="380468"/>
-          </a:xfrm>
-          <a:prstGeom prst="line">
-            <a:avLst/>
-          </a:prstGeom>
-        </p:spPr>
-        <p:style>
-          <a:lnRef idx="1">
-            <a:schemeClr val="dk1"/>
-          </a:lnRef>
-          <a:fillRef idx="0">
-            <a:schemeClr val="dk1"/>
-          </a:fillRef>
-          <a:effectRef idx="0">
-            <a:schemeClr val="dk1"/>
-          </a:effectRef>
-          <a:fontRef idx="minor">
-            <a:schemeClr val="tx1"/>
-          </a:fontRef>
-        </p:style>
-      </p:cxnSp>
-      <p:cxnSp>
-        <p:nvCxnSpPr>
-          <p:cNvPr id="17" name="Straight Connector 16">
-            <a:extLst>
-              <a:ext uri="{FF2B5EF4-FFF2-40B4-BE49-F238E27FC236}">
-                <a16:creationId xmlns:a16="http://schemas.microsoft.com/office/drawing/2014/main" id="{61E9DF07-49B0-4931-B28A-3220297F1ADF}"/>
-              </a:ext>
-            </a:extLst>
-          </p:cNvPr>
-          <p:cNvCxnSpPr>
-            <a:cxnSpLocks/>
-            <a:stCxn id="10" idx="7"/>
-            <a:endCxn id="9" idx="3"/>
-          </p:cNvCxnSpPr>
-          <p:nvPr/>
-        </p:nvCxnSpPr>
-        <p:spPr>
-          <a:xfrm flipV="1">
-            <a:off x="6206541" y="4313417"/>
-            <a:ext cx="171691" cy="333905"/>
-          </a:xfrm>
-          <a:prstGeom prst="line">
-            <a:avLst/>
-          </a:prstGeom>
-        </p:spPr>
-        <p:style>
-          <a:lnRef idx="1">
-            <a:schemeClr val="dk1"/>
-          </a:lnRef>
-          <a:fillRef idx="0">
-            <a:schemeClr val="dk1"/>
-          </a:fillRef>
-          <a:effectRef idx="0">
-            <a:schemeClr val="dk1"/>
-          </a:effectRef>
-          <a:fontRef idx="minor">
-            <a:schemeClr val="tx1"/>
-          </a:fontRef>
-        </p:style>
-      </p:cxnSp>
-    </p:spTree>
-    <p:extLst>
-      <p:ext uri="{BB962C8B-B14F-4D97-AF65-F5344CB8AC3E}">
-        <p14:creationId xmlns:p14="http://schemas.microsoft.com/office/powerpoint/2010/main" val="825562872"/>
-      </p:ext>
-    </p:extLst>
-  </p:cSld>
-  <p:clrMapOvr>
-    <a:masterClrMapping/>
-  </p:clrMapOvr>
-</p:sld>
-</file>
-
 <file path=ppt/slides/slide18.xml><?xml version="1.0" encoding="utf-8"?>
 <p:sld xmlns:a="http://schemas.openxmlformats.org/drawingml/2006/main" xmlns:r="http://schemas.openxmlformats.org/officeDocument/2006/relationships" xmlns:p="http://schemas.openxmlformats.org/presentationml/2006/main">
   <p:cSld>
@@ -6570,8 +6286,8 @@
         </p:nvSpPr>
         <p:spPr>
           <a:xfrm>
-            <a:off x="683177" y="1601565"/>
-            <a:ext cx="6252756" cy="1723549"/>
+            <a:off x="669520" y="1599679"/>
+            <a:ext cx="5600651" cy="1354217"/>
           </a:xfrm>
           <a:prstGeom prst="rect">
             <a:avLst/>
@@ -6586,7 +6302,7 @@
           <a:p>
             <a:r>
               <a:rPr lang="en-US" sz="2400" dirty="0"/>
-              <a:t>Transaction T2</a:t>
+              <a:t>Transaction T1</a:t>
             </a:r>
             <a:r>
               <a:rPr lang="en-US" sz="2400" b="1" dirty="0"/>
@@ -6602,7 +6318,7 @@
                   <a:srgbClr val="FF0000"/>
                 </a:solidFill>
               </a:rPr>
-              <a:t>B, C, E</a:t>
+              <a:t>B, A, E, D</a:t>
             </a:r>
             <a:r>
               <a:rPr lang="en-US" sz="2400" dirty="0"/>
@@ -6615,93 +6331,40 @@
           <a:p>
             <a:r>
               <a:rPr lang="en-US" sz="2400" dirty="0"/>
-              <a:t>Insert path B </a:t>
-            </a:r>
+              <a:t>Insert path </a:t>
+            </a:r>
+            <a:r>
+              <a:rPr lang="en-US" sz="2400" dirty="0">
+                <a:solidFill>
+                  <a:srgbClr val="FF0000"/>
+                </a:solidFill>
+              </a:rPr>
+              <a:t>B </a:t>
+            </a:r>
+            <a:r>
+              <a:rPr lang="en-US" sz="2400" dirty="0">
+                <a:solidFill>
+                  <a:srgbClr val="FF0000"/>
+                </a:solidFill>
+                <a:sym typeface="Wingdings" panose="05000000000000000000" pitchFamily="2" charset="2"/>
+              </a:rPr>
+              <a:t> A  E  D</a:t>
+            </a:r>
+          </a:p>
+          <a:p>
             <a:r>
               <a:rPr lang="en-US" sz="2400" dirty="0">
                 <a:sym typeface="Wingdings" panose="05000000000000000000" pitchFamily="2" charset="2"/>
               </a:rPr>
-              <a:t> C  E</a:t>
-            </a:r>
-          </a:p>
-          <a:p>
-            <a:r>
-              <a:rPr lang="en-US" sz="2400" dirty="0">
-                <a:sym typeface="Wingdings" panose="05000000000000000000" pitchFamily="2" charset="2"/>
-              </a:rPr>
-              <a:t>B exists already, so increment </a:t>
-            </a:r>
-            <a:r>
-              <a:rPr lang="en-US" sz="2400" dirty="0">
-                <a:solidFill>
-                  <a:srgbClr val="FF0000"/>
-                </a:solidFill>
-                <a:sym typeface="Wingdings" panose="05000000000000000000" pitchFamily="2" charset="2"/>
-              </a:rPr>
-              <a:t>B to 2</a:t>
-            </a:r>
-          </a:p>
-          <a:p>
-            <a:r>
-              <a:rPr lang="en-US" sz="2400" dirty="0">
-                <a:solidFill>
-                  <a:srgbClr val="FF0000"/>
-                </a:solidFill>
-                <a:sym typeface="Wingdings" panose="05000000000000000000" pitchFamily="2" charset="2"/>
-              </a:rPr>
-              <a:t>C </a:t>
-            </a:r>
-            <a:r>
-              <a:rPr lang="en-US" sz="2400" dirty="0">
-                <a:sym typeface="Wingdings" panose="05000000000000000000" pitchFamily="2" charset="2"/>
-              </a:rPr>
-              <a:t>and </a:t>
-            </a:r>
-            <a:r>
-              <a:rPr lang="en-US" sz="2400" dirty="0">
-                <a:solidFill>
-                  <a:srgbClr val="FF0000"/>
-                </a:solidFill>
-                <a:sym typeface="Wingdings" panose="05000000000000000000" pitchFamily="2" charset="2"/>
-              </a:rPr>
-              <a:t>E</a:t>
-            </a:r>
-            <a:r>
-              <a:rPr lang="en-US" sz="2400" dirty="0">
-                <a:sym typeface="Wingdings" panose="05000000000000000000" pitchFamily="2" charset="2"/>
-              </a:rPr>
-              <a:t> are new in this branch, add </a:t>
-            </a:r>
-            <a:r>
-              <a:rPr lang="en-US" sz="2400" dirty="0">
-                <a:solidFill>
-                  <a:srgbClr val="FF0000"/>
-                </a:solidFill>
-                <a:sym typeface="Wingdings" panose="05000000000000000000" pitchFamily="2" charset="2"/>
-              </a:rPr>
-              <a:t>C: 1 </a:t>
-            </a:r>
-            <a:r>
-              <a:rPr lang="en-US" sz="2400" dirty="0">
-                <a:sym typeface="Wingdings" panose="05000000000000000000" pitchFamily="2" charset="2"/>
-              </a:rPr>
-              <a:t>and </a:t>
-            </a:r>
-            <a:r>
-              <a:rPr lang="en-US" sz="2400" dirty="0">
-                <a:solidFill>
-                  <a:srgbClr val="FF0000"/>
-                </a:solidFill>
-                <a:sym typeface="Wingdings" panose="05000000000000000000" pitchFamily="2" charset="2"/>
-              </a:rPr>
-              <a:t>E: 1</a:t>
-            </a:r>
-          </a:p>
-        </p:txBody>
-      </p:sp>
-      <p:sp>
-        <p:nvSpPr>
-          <p:cNvPr id="31" name="Oval 30">
+              <a:t>Set counters: B: 1, A: 1, E: 1, D: 1</a:t>
+            </a:r>
+            <a:endParaRPr lang="en-US" sz="2400" dirty="0"/>
+          </a:p>
+        </p:txBody>
+      </p:sp>
+      <p:sp>
+        <p:nvSpPr>
+          <p:cNvPr id="2" name="Oval 1">
             <a:extLst>
               <a:ext uri="{FF2B5EF4-FFF2-40B4-BE49-F238E27FC236}">
                 <a16:creationId xmlns:a16="http://schemas.microsoft.com/office/drawing/2014/main" id="{6790BD35-3A48-4FA4-A1DD-25EAA7D259C1}"/>
@@ -6713,7 +6376,7 @@
         </p:nvSpPr>
         <p:spPr>
           <a:xfrm>
-            <a:off x="8439859" y="2718755"/>
+            <a:off x="7698212" y="1898452"/>
             <a:ext cx="741647" cy="741647"/>
           </a:xfrm>
           <a:prstGeom prst="ellipse">
@@ -6753,7 +6416,7 @@
                   <a:schemeClr val="tx1"/>
                 </a:solidFill>
               </a:rPr>
-              <a:t>C: 1</a:t>
+              <a:t>B: 1</a:t>
             </a:r>
             <a:endParaRPr lang="en-PH" sz="1600" dirty="0">
               <a:solidFill>
@@ -6765,10 +6428,10 @@
       </p:sp>
       <p:sp>
         <p:nvSpPr>
-          <p:cNvPr id="32" name="Oval 31">
-            <a:extLst>
-              <a:ext uri="{FF2B5EF4-FFF2-40B4-BE49-F238E27FC236}">
-                <a16:creationId xmlns:a16="http://schemas.microsoft.com/office/drawing/2014/main" id="{6790BD35-3A48-4FA4-A1DD-25EAA7D259C1}"/>
+          <p:cNvPr id="8" name="Oval 7">
+            <a:extLst>
+              <a:ext uri="{FF2B5EF4-FFF2-40B4-BE49-F238E27FC236}">
+                <a16:creationId xmlns:a16="http://schemas.microsoft.com/office/drawing/2014/main" id="{FF465D5F-EE40-4CF1-B973-7087C70611E4}"/>
               </a:ext>
             </a:extLst>
           </p:cNvPr>
@@ -6777,8 +6440,8 @@
         </p:nvSpPr>
         <p:spPr>
           <a:xfrm>
-            <a:off x="8548471" y="3877989"/>
-            <a:ext cx="741647" cy="741647"/>
+            <a:off x="6869587" y="2676377"/>
+            <a:ext cx="730518" cy="730518"/>
           </a:xfrm>
           <a:prstGeom prst="ellipse">
             <a:avLst/>
@@ -6817,7 +6480,7 @@
                   <a:schemeClr val="tx1"/>
                 </a:solidFill>
               </a:rPr>
-              <a:t>E: 1</a:t>
+              <a:t>A: 1</a:t>
             </a:r>
             <a:endParaRPr lang="en-PH" sz="1600" dirty="0">
               <a:solidFill>
@@ -6827,90 +6490,12 @@
           </a:p>
         </p:txBody>
       </p:sp>
-      <p:cxnSp>
-        <p:nvCxnSpPr>
-          <p:cNvPr id="33" name="Straight Connector 32">
-            <a:extLst>
-              <a:ext uri="{FF2B5EF4-FFF2-40B4-BE49-F238E27FC236}">
-                <a16:creationId xmlns:a16="http://schemas.microsoft.com/office/drawing/2014/main" id="{D5CBC4E2-B7D8-4BA4-91B1-1439F1E66A5D}"/>
-              </a:ext>
-            </a:extLst>
-          </p:cNvPr>
-          <p:cNvCxnSpPr>
-            <a:stCxn id="38" idx="5"/>
-            <a:endCxn id="31" idx="1"/>
-          </p:cNvCxnSpPr>
-          <p:nvPr/>
-        </p:nvCxnSpPr>
-        <p:spPr>
-          <a:xfrm>
-            <a:off x="8331247" y="2531487"/>
-            <a:ext cx="217224" cy="295880"/>
-          </a:xfrm>
-          <a:prstGeom prst="line">
-            <a:avLst/>
-          </a:prstGeom>
-        </p:spPr>
-        <p:style>
-          <a:lnRef idx="1">
-            <a:schemeClr val="dk1"/>
-          </a:lnRef>
-          <a:fillRef idx="0">
-            <a:schemeClr val="dk1"/>
-          </a:fillRef>
-          <a:effectRef idx="0">
-            <a:schemeClr val="dk1"/>
-          </a:effectRef>
-          <a:fontRef idx="minor">
-            <a:schemeClr val="tx1"/>
-          </a:fontRef>
-        </p:style>
-      </p:cxnSp>
-      <p:cxnSp>
-        <p:nvCxnSpPr>
-          <p:cNvPr id="34" name="Straight Connector 33">
-            <a:extLst>
-              <a:ext uri="{FF2B5EF4-FFF2-40B4-BE49-F238E27FC236}">
-                <a16:creationId xmlns:a16="http://schemas.microsoft.com/office/drawing/2014/main" id="{D5CBC4E2-B7D8-4BA4-91B1-1439F1E66A5D}"/>
-              </a:ext>
-            </a:extLst>
-          </p:cNvPr>
-          <p:cNvCxnSpPr>
-            <a:stCxn id="32" idx="0"/>
-            <a:endCxn id="31" idx="4"/>
-          </p:cNvCxnSpPr>
-          <p:nvPr/>
-        </p:nvCxnSpPr>
-        <p:spPr>
-          <a:xfrm flipH="1" flipV="1">
-            <a:off x="8810683" y="3460402"/>
-            <a:ext cx="108612" cy="417587"/>
-          </a:xfrm>
-          <a:prstGeom prst="line">
-            <a:avLst/>
-          </a:prstGeom>
-        </p:spPr>
-        <p:style>
-          <a:lnRef idx="1">
-            <a:schemeClr val="dk1"/>
-          </a:lnRef>
-          <a:fillRef idx="0">
-            <a:schemeClr val="dk1"/>
-          </a:fillRef>
-          <a:effectRef idx="0">
-            <a:schemeClr val="dk1"/>
-          </a:effectRef>
-          <a:fontRef idx="minor">
-            <a:schemeClr val="tx1"/>
-          </a:fontRef>
-        </p:style>
-      </p:cxnSp>
-      <p:sp>
-        <p:nvSpPr>
-          <p:cNvPr id="38" name="Oval 37">
-            <a:extLst>
-              <a:ext uri="{FF2B5EF4-FFF2-40B4-BE49-F238E27FC236}">
-                <a16:creationId xmlns:a16="http://schemas.microsoft.com/office/drawing/2014/main" id="{6790BD35-3A48-4FA4-A1DD-25EAA7D259C1}"/>
+      <p:sp>
+        <p:nvSpPr>
+          <p:cNvPr id="9" name="Oval 8">
+            <a:extLst>
+              <a:ext uri="{FF2B5EF4-FFF2-40B4-BE49-F238E27FC236}">
+                <a16:creationId xmlns:a16="http://schemas.microsoft.com/office/drawing/2014/main" id="{39C548D5-2D23-4238-82DF-921D2E3334F9}"/>
               </a:ext>
             </a:extLst>
           </p:cNvPr>
@@ -6919,8 +6504,8 @@
         </p:nvSpPr>
         <p:spPr>
           <a:xfrm>
-            <a:off x="7698212" y="1898452"/>
-            <a:ext cx="741647" cy="741647"/>
+            <a:off x="6269620" y="3680381"/>
+            <a:ext cx="741648" cy="741648"/>
           </a:xfrm>
           <a:prstGeom prst="ellipse">
             <a:avLst/>
@@ -6959,7 +6544,7 @@
                   <a:schemeClr val="tx1"/>
                 </a:solidFill>
               </a:rPr>
-              <a:t>B: 2</a:t>
+              <a:t>E: 1</a:t>
             </a:r>
             <a:endParaRPr lang="en-PH" sz="1600" dirty="0">
               <a:solidFill>
@@ -6971,10 +6556,10 @@
       </p:sp>
       <p:sp>
         <p:nvSpPr>
-          <p:cNvPr id="39" name="Oval 38">
-            <a:extLst>
-              <a:ext uri="{FF2B5EF4-FFF2-40B4-BE49-F238E27FC236}">
-                <a16:creationId xmlns:a16="http://schemas.microsoft.com/office/drawing/2014/main" id="{FF465D5F-EE40-4CF1-B973-7087C70611E4}"/>
+          <p:cNvPr id="10" name="Oval 9">
+            <a:extLst>
+              <a:ext uri="{FF2B5EF4-FFF2-40B4-BE49-F238E27FC236}">
+                <a16:creationId xmlns:a16="http://schemas.microsoft.com/office/drawing/2014/main" id="{D370CE05-94D0-4DB6-BE29-980F92475FAA}"/>
               </a:ext>
             </a:extLst>
           </p:cNvPr>
@@ -6983,8 +6568,8 @@
         </p:nvSpPr>
         <p:spPr>
           <a:xfrm>
-            <a:off x="6869587" y="2676377"/>
-            <a:ext cx="730518" cy="730518"/>
+            <a:off x="5573505" y="4538710"/>
+            <a:ext cx="741648" cy="741648"/>
           </a:xfrm>
           <a:prstGeom prst="ellipse">
             <a:avLst/>
@@ -6992,7 +6577,7 @@
           <a:noFill/>
           <a:ln>
             <a:solidFill>
-              <a:schemeClr val="tx1"/>
+              <a:srgbClr val="FF0000"/>
             </a:solidFill>
           </a:ln>
         </p:spPr>
@@ -7023,7 +6608,7 @@
                   <a:schemeClr val="tx1"/>
                 </a:solidFill>
               </a:rPr>
-              <a:t>A: 1</a:t>
+              <a:t>D: 1</a:t>
             </a:r>
             <a:endParaRPr lang="en-PH" sz="1600" dirty="0">
               <a:solidFill>
@@ -7033,137 +6618,9 @@
           </a:p>
         </p:txBody>
       </p:sp>
-      <p:sp>
-        <p:nvSpPr>
-          <p:cNvPr id="40" name="Oval 39">
-            <a:extLst>
-              <a:ext uri="{FF2B5EF4-FFF2-40B4-BE49-F238E27FC236}">
-                <a16:creationId xmlns:a16="http://schemas.microsoft.com/office/drawing/2014/main" id="{39C548D5-2D23-4238-82DF-921D2E3334F9}"/>
-              </a:ext>
-            </a:extLst>
-          </p:cNvPr>
-          <p:cNvSpPr/>
-          <p:nvPr/>
-        </p:nvSpPr>
-        <p:spPr>
-          <a:xfrm>
-            <a:off x="6269620" y="3680381"/>
-            <a:ext cx="741648" cy="741648"/>
-          </a:xfrm>
-          <a:prstGeom prst="ellipse">
-            <a:avLst/>
-          </a:prstGeom>
-          <a:noFill/>
-          <a:ln>
-            <a:solidFill>
-              <a:schemeClr val="tx1"/>
-            </a:solidFill>
-          </a:ln>
-        </p:spPr>
-        <p:style>
-          <a:lnRef idx="2">
-            <a:schemeClr val="accent1">
-              <a:shade val="50000"/>
-            </a:schemeClr>
-          </a:lnRef>
-          <a:fillRef idx="1">
-            <a:schemeClr val="accent1"/>
-          </a:fillRef>
-          <a:effectRef idx="0">
-            <a:schemeClr val="accent1"/>
-          </a:effectRef>
-          <a:fontRef idx="minor">
-            <a:schemeClr val="lt1"/>
-          </a:fontRef>
-        </p:style>
-        <p:txBody>
-          <a:bodyPr rtlCol="0" anchor="ctr"/>
-          <a:lstStyle/>
-          <a:p>
-            <a:pPr algn="ctr"/>
-            <a:r>
-              <a:rPr lang="en-US" sz="1600" dirty="0">
-                <a:solidFill>
-                  <a:schemeClr val="tx1"/>
-                </a:solidFill>
-              </a:rPr>
-              <a:t>E: 1</a:t>
-            </a:r>
-            <a:endParaRPr lang="en-PH" sz="1600" dirty="0">
-              <a:solidFill>
-                <a:schemeClr val="tx1"/>
-              </a:solidFill>
-            </a:endParaRPr>
-          </a:p>
-        </p:txBody>
-      </p:sp>
-      <p:sp>
-        <p:nvSpPr>
-          <p:cNvPr id="41" name="Oval 40">
-            <a:extLst>
-              <a:ext uri="{FF2B5EF4-FFF2-40B4-BE49-F238E27FC236}">
-                <a16:creationId xmlns:a16="http://schemas.microsoft.com/office/drawing/2014/main" id="{D370CE05-94D0-4DB6-BE29-980F92475FAA}"/>
-              </a:ext>
-            </a:extLst>
-          </p:cNvPr>
-          <p:cNvSpPr/>
-          <p:nvPr/>
-        </p:nvSpPr>
-        <p:spPr>
-          <a:xfrm>
-            <a:off x="5573505" y="4538710"/>
-            <a:ext cx="741648" cy="741648"/>
-          </a:xfrm>
-          <a:prstGeom prst="ellipse">
-            <a:avLst/>
-          </a:prstGeom>
-          <a:noFill/>
-          <a:ln>
-            <a:solidFill>
-              <a:schemeClr val="tx1"/>
-            </a:solidFill>
-          </a:ln>
-        </p:spPr>
-        <p:style>
-          <a:lnRef idx="2">
-            <a:schemeClr val="accent1">
-              <a:shade val="50000"/>
-            </a:schemeClr>
-          </a:lnRef>
-          <a:fillRef idx="1">
-            <a:schemeClr val="accent1"/>
-          </a:fillRef>
-          <a:effectRef idx="0">
-            <a:schemeClr val="accent1"/>
-          </a:effectRef>
-          <a:fontRef idx="minor">
-            <a:schemeClr val="lt1"/>
-          </a:fontRef>
-        </p:style>
-        <p:txBody>
-          <a:bodyPr rtlCol="0" anchor="ctr"/>
-          <a:lstStyle/>
-          <a:p>
-            <a:pPr algn="ctr"/>
-            <a:r>
-              <a:rPr lang="en-US" sz="1600" dirty="0">
-                <a:solidFill>
-                  <a:schemeClr val="tx1"/>
-                </a:solidFill>
-              </a:rPr>
-              <a:t>D: 1</a:t>
-            </a:r>
-            <a:endParaRPr lang="en-PH" sz="1600" dirty="0">
-              <a:solidFill>
-                <a:schemeClr val="tx1"/>
-              </a:solidFill>
-            </a:endParaRPr>
-          </a:p>
-        </p:txBody>
-      </p:sp>
       <p:cxnSp>
         <p:nvCxnSpPr>
-          <p:cNvPr id="42" name="Straight Connector 41">
+          <p:cNvPr id="7" name="Straight Connector 6">
             <a:extLst>
               <a:ext uri="{FF2B5EF4-FFF2-40B4-BE49-F238E27FC236}">
                 <a16:creationId xmlns:a16="http://schemas.microsoft.com/office/drawing/2014/main" id="{D5CBC4E2-B7D8-4BA4-91B1-1439F1E66A5D}"/>
@@ -7171,8 +6628,8 @@
             </a:extLst>
           </p:cNvPr>
           <p:cNvCxnSpPr>
-            <a:stCxn id="38" idx="3"/>
-            <a:endCxn id="39" idx="7"/>
+            <a:stCxn id="2" idx="3"/>
+            <a:endCxn id="8" idx="7"/>
           </p:cNvCxnSpPr>
           <p:nvPr/>
         </p:nvCxnSpPr>
@@ -7202,7 +6659,7 @@
       </p:cxnSp>
       <p:cxnSp>
         <p:nvCxnSpPr>
-          <p:cNvPr id="43" name="Straight Connector 42">
+          <p:cNvPr id="12" name="Straight Connector 11">
             <a:extLst>
               <a:ext uri="{FF2B5EF4-FFF2-40B4-BE49-F238E27FC236}">
                 <a16:creationId xmlns:a16="http://schemas.microsoft.com/office/drawing/2014/main" id="{3671F84C-43EB-4E83-B34F-C5EA539A58EC}"/>
@@ -7211,7 +6668,7 @@
           </p:cNvPr>
           <p:cNvCxnSpPr>
             <a:cxnSpLocks/>
-            <a:endCxn id="39" idx="3"/>
+            <a:endCxn id="8" idx="3"/>
           </p:cNvCxnSpPr>
           <p:nvPr/>
         </p:nvCxnSpPr>
@@ -7241,7 +6698,7 @@
       </p:cxnSp>
       <p:cxnSp>
         <p:nvCxnSpPr>
-          <p:cNvPr id="44" name="Straight Connector 43">
+          <p:cNvPr id="17" name="Straight Connector 16">
             <a:extLst>
               <a:ext uri="{FF2B5EF4-FFF2-40B4-BE49-F238E27FC236}">
                 <a16:creationId xmlns:a16="http://schemas.microsoft.com/office/drawing/2014/main" id="{61E9DF07-49B0-4931-B28A-3220297F1ADF}"/>
@@ -7250,8 +6707,8 @@
           </p:cNvPr>
           <p:cNvCxnSpPr>
             <a:cxnSpLocks/>
-            <a:stCxn id="41" idx="7"/>
-            <a:endCxn id="40" idx="3"/>
+            <a:stCxn id="10" idx="7"/>
+            <a:endCxn id="9" idx="3"/>
           </p:cNvCxnSpPr>
           <p:nvPr/>
         </p:nvCxnSpPr>
@@ -7282,7 +6739,7 @@
     </p:spTree>
     <p:extLst>
       <p:ext uri="{BB962C8B-B14F-4D97-AF65-F5344CB8AC3E}">
-        <p14:creationId xmlns:p14="http://schemas.microsoft.com/office/powerpoint/2010/main" val="2149237413"/>
+        <p14:creationId xmlns:p14="http://schemas.microsoft.com/office/powerpoint/2010/main" val="825562872"/>
       </p:ext>
     </p:extLst>
   </p:cSld>
@@ -7340,10 +6797,10 @@
       </p:sp>
       <p:sp>
         <p:nvSpPr>
-          <p:cNvPr id="11" name="TextBox 10">
-            <a:extLst>
-              <a:ext uri="{FF2B5EF4-FFF2-40B4-BE49-F238E27FC236}">
-                <a16:creationId xmlns:a16="http://schemas.microsoft.com/office/drawing/2014/main" id="{EF22747B-4BA2-49BB-8FCA-013B956D6605}"/>
+          <p:cNvPr id="27" name="TextBox 26">
+            <a:extLst>
+              <a:ext uri="{FF2B5EF4-FFF2-40B4-BE49-F238E27FC236}">
+                <a16:creationId xmlns:a16="http://schemas.microsoft.com/office/drawing/2014/main" id="{250E3094-EF97-4726-A444-FDFC8EAD4410}"/>
               </a:ext>
             </a:extLst>
           </p:cNvPr>
@@ -7352,8 +6809,8 @@
         </p:nvSpPr>
         <p:spPr>
           <a:xfrm>
-            <a:off x="821920" y="1752079"/>
-            <a:ext cx="5600651" cy="2339102"/>
+            <a:off x="683177" y="1601565"/>
+            <a:ext cx="6252756" cy="1723549"/>
           </a:xfrm>
           <a:prstGeom prst="rect">
             <a:avLst/>
@@ -7368,7 +6825,7 @@
           <a:p>
             <a:r>
               <a:rPr lang="en-US" sz="2400" dirty="0"/>
-              <a:t>Transaction T3</a:t>
+              <a:t>Transaction T2</a:t>
             </a:r>
             <a:r>
               <a:rPr lang="en-US" sz="2400" b="1" dirty="0"/>
@@ -7384,7 +6841,7 @@
                   <a:srgbClr val="FF0000"/>
                 </a:solidFill>
               </a:rPr>
-              <a:t>B, C, A, E</a:t>
+              <a:t>B, C, E</a:t>
             </a:r>
             <a:r>
               <a:rPr lang="en-US" sz="2400" dirty="0"/>
@@ -7397,64 +6854,21 @@
           <a:p>
             <a:r>
               <a:rPr lang="en-US" sz="2400" dirty="0"/>
-              <a:t>B &amp; C already exists in this branch, so increment </a:t>
-            </a:r>
-            <a:r>
-              <a:rPr lang="en-US" sz="2400" dirty="0">
-                <a:solidFill>
-                  <a:srgbClr val="002060"/>
-                </a:solidFill>
-              </a:rPr>
-              <a:t>B to 3 </a:t>
-            </a:r>
-            <a:r>
-              <a:rPr lang="en-US" sz="2400" dirty="0"/>
-              <a:t>and </a:t>
-            </a:r>
-            <a:r>
-              <a:rPr lang="en-US" sz="2400" dirty="0">
-                <a:solidFill>
-                  <a:srgbClr val="002060"/>
-                </a:solidFill>
-              </a:rPr>
-              <a:t>C to 2</a:t>
-            </a:r>
-          </a:p>
-          <a:p>
-            <a:endParaRPr lang="en-US" sz="1200" dirty="0">
-              <a:sym typeface="Wingdings" panose="05000000000000000000" pitchFamily="2" charset="2"/>
-            </a:endParaRPr>
-          </a:p>
-          <a:p>
-            <a:r>
-              <a:rPr lang="en-US" sz="2400" dirty="0">
-                <a:solidFill>
-                  <a:srgbClr val="FF0000"/>
-                </a:solidFill>
-                <a:sym typeface="Wingdings" panose="05000000000000000000" pitchFamily="2" charset="2"/>
-              </a:rPr>
-              <a:t>A</a:t>
+              <a:t>Insert path B </a:t>
             </a:r>
             <a:r>
               <a:rPr lang="en-US" sz="2400" dirty="0">
                 <a:sym typeface="Wingdings" panose="05000000000000000000" pitchFamily="2" charset="2"/>
               </a:rPr>
-              <a:t> and </a:t>
-            </a:r>
-            <a:r>
-              <a:rPr lang="en-US" sz="2400" dirty="0">
-                <a:solidFill>
-                  <a:srgbClr val="FF0000"/>
-                </a:solidFill>
-                <a:sym typeface="Wingdings" panose="05000000000000000000" pitchFamily="2" charset="2"/>
-              </a:rPr>
-              <a:t>E</a:t>
-            </a:r>
+              <a:t> C  E</a:t>
+            </a:r>
+          </a:p>
+          <a:p>
             <a:r>
               <a:rPr lang="en-US" sz="2400" dirty="0">
                 <a:sym typeface="Wingdings" panose="05000000000000000000" pitchFamily="2" charset="2"/>
               </a:rPr>
-              <a:t> are new in this branch, so add </a:t>
+              <a:t>B exists already, so increment </a:t>
             </a:r>
             <a:r>
               <a:rPr lang="en-US" sz="2400" dirty="0">
@@ -7463,7 +6877,18 @@
                 </a:solidFill>
                 <a:sym typeface="Wingdings" panose="05000000000000000000" pitchFamily="2" charset="2"/>
               </a:rPr>
-              <a:t>A: 1 </a:t>
+              <a:t>B to 2</a:t>
+            </a:r>
+          </a:p>
+          <a:p>
+            <a:r>
+              <a:rPr lang="en-US" sz="2400" dirty="0">
+                <a:solidFill>
+                  <a:srgbClr val="FF0000"/>
+                </a:solidFill>
+                <a:sym typeface="Wingdings" panose="05000000000000000000" pitchFamily="2" charset="2"/>
+              </a:rPr>
+              <a:t>C </a:t>
             </a:r>
             <a:r>
               <a:rPr lang="en-US" sz="2400" dirty="0">
@@ -7478,6 +6903,36 @@
                 </a:solidFill>
                 <a:sym typeface="Wingdings" panose="05000000000000000000" pitchFamily="2" charset="2"/>
               </a:rPr>
+              <a:t>E</a:t>
+            </a:r>
+            <a:r>
+              <a:rPr lang="en-US" sz="2400" dirty="0">
+                <a:sym typeface="Wingdings" panose="05000000000000000000" pitchFamily="2" charset="2"/>
+              </a:rPr>
+              <a:t> are new in this branch, add </a:t>
+            </a:r>
+            <a:r>
+              <a:rPr lang="en-US" sz="2400" dirty="0">
+                <a:solidFill>
+                  <a:srgbClr val="FF0000"/>
+                </a:solidFill>
+                <a:sym typeface="Wingdings" panose="05000000000000000000" pitchFamily="2" charset="2"/>
+              </a:rPr>
+              <a:t>C: 1 </a:t>
+            </a:r>
+            <a:r>
+              <a:rPr lang="en-US" sz="2400" dirty="0">
+                <a:sym typeface="Wingdings" panose="05000000000000000000" pitchFamily="2" charset="2"/>
+              </a:rPr>
+              <a:t>and </a:t>
+            </a:r>
+            <a:r>
+              <a:rPr lang="en-US" sz="2400" dirty="0">
+                <a:solidFill>
+                  <a:srgbClr val="FF0000"/>
+                </a:solidFill>
+                <a:sym typeface="Wingdings" panose="05000000000000000000" pitchFamily="2" charset="2"/>
+              </a:rPr>
               <a:t>E: 1</a:t>
             </a:r>
           </a:p>
@@ -7485,7 +6940,7 @@
       </p:sp>
       <p:sp>
         <p:nvSpPr>
-          <p:cNvPr id="47" name="Oval 46">
+          <p:cNvPr id="31" name="Oval 30">
             <a:extLst>
               <a:ext uri="{FF2B5EF4-FFF2-40B4-BE49-F238E27FC236}">
                 <a16:creationId xmlns:a16="http://schemas.microsoft.com/office/drawing/2014/main" id="{6790BD35-3A48-4FA4-A1DD-25EAA7D259C1}"/>
@@ -7537,7 +6992,7 @@
                   <a:schemeClr val="tx1"/>
                 </a:solidFill>
               </a:rPr>
-              <a:t>C: 2</a:t>
+              <a:t>C: 1</a:t>
             </a:r>
             <a:endParaRPr lang="en-PH" sz="1600" dirty="0">
               <a:solidFill>
@@ -7549,7 +7004,7 @@
       </p:sp>
       <p:sp>
         <p:nvSpPr>
-          <p:cNvPr id="48" name="Oval 47">
+          <p:cNvPr id="32" name="Oval 31">
             <a:extLst>
               <a:ext uri="{FF2B5EF4-FFF2-40B4-BE49-F238E27FC236}">
                 <a16:creationId xmlns:a16="http://schemas.microsoft.com/office/drawing/2014/main" id="{6790BD35-3A48-4FA4-A1DD-25EAA7D259C1}"/>
@@ -7563,6 +7018,212 @@
           <a:xfrm>
             <a:off x="8548471" y="3877989"/>
             <a:ext cx="741647" cy="741647"/>
+          </a:xfrm>
+          <a:prstGeom prst="ellipse">
+            <a:avLst/>
+          </a:prstGeom>
+          <a:noFill/>
+          <a:ln>
+            <a:solidFill>
+              <a:srgbClr val="FF0000"/>
+            </a:solidFill>
+          </a:ln>
+        </p:spPr>
+        <p:style>
+          <a:lnRef idx="2">
+            <a:schemeClr val="accent1">
+              <a:shade val="50000"/>
+            </a:schemeClr>
+          </a:lnRef>
+          <a:fillRef idx="1">
+            <a:schemeClr val="accent1"/>
+          </a:fillRef>
+          <a:effectRef idx="0">
+            <a:schemeClr val="accent1"/>
+          </a:effectRef>
+          <a:fontRef idx="minor">
+            <a:schemeClr val="lt1"/>
+          </a:fontRef>
+        </p:style>
+        <p:txBody>
+          <a:bodyPr rtlCol="0" anchor="ctr"/>
+          <a:lstStyle/>
+          <a:p>
+            <a:pPr algn="ctr"/>
+            <a:r>
+              <a:rPr lang="en-US" sz="1600" dirty="0">
+                <a:solidFill>
+                  <a:schemeClr val="tx1"/>
+                </a:solidFill>
+              </a:rPr>
+              <a:t>E: 1</a:t>
+            </a:r>
+            <a:endParaRPr lang="en-PH" sz="1600" dirty="0">
+              <a:solidFill>
+                <a:schemeClr val="tx1"/>
+              </a:solidFill>
+            </a:endParaRPr>
+          </a:p>
+        </p:txBody>
+      </p:sp>
+      <p:cxnSp>
+        <p:nvCxnSpPr>
+          <p:cNvPr id="33" name="Straight Connector 32">
+            <a:extLst>
+              <a:ext uri="{FF2B5EF4-FFF2-40B4-BE49-F238E27FC236}">
+                <a16:creationId xmlns:a16="http://schemas.microsoft.com/office/drawing/2014/main" id="{D5CBC4E2-B7D8-4BA4-91B1-1439F1E66A5D}"/>
+              </a:ext>
+            </a:extLst>
+          </p:cNvPr>
+          <p:cNvCxnSpPr>
+            <a:stCxn id="38" idx="5"/>
+            <a:endCxn id="31" idx="1"/>
+          </p:cNvCxnSpPr>
+          <p:nvPr/>
+        </p:nvCxnSpPr>
+        <p:spPr>
+          <a:xfrm>
+            <a:off x="8331247" y="2531487"/>
+            <a:ext cx="217224" cy="295880"/>
+          </a:xfrm>
+          <a:prstGeom prst="line">
+            <a:avLst/>
+          </a:prstGeom>
+        </p:spPr>
+        <p:style>
+          <a:lnRef idx="1">
+            <a:schemeClr val="dk1"/>
+          </a:lnRef>
+          <a:fillRef idx="0">
+            <a:schemeClr val="dk1"/>
+          </a:fillRef>
+          <a:effectRef idx="0">
+            <a:schemeClr val="dk1"/>
+          </a:effectRef>
+          <a:fontRef idx="minor">
+            <a:schemeClr val="tx1"/>
+          </a:fontRef>
+        </p:style>
+      </p:cxnSp>
+      <p:cxnSp>
+        <p:nvCxnSpPr>
+          <p:cNvPr id="34" name="Straight Connector 33">
+            <a:extLst>
+              <a:ext uri="{FF2B5EF4-FFF2-40B4-BE49-F238E27FC236}">
+                <a16:creationId xmlns:a16="http://schemas.microsoft.com/office/drawing/2014/main" id="{D5CBC4E2-B7D8-4BA4-91B1-1439F1E66A5D}"/>
+              </a:ext>
+            </a:extLst>
+          </p:cNvPr>
+          <p:cNvCxnSpPr>
+            <a:stCxn id="32" idx="0"/>
+            <a:endCxn id="31" idx="4"/>
+          </p:cNvCxnSpPr>
+          <p:nvPr/>
+        </p:nvCxnSpPr>
+        <p:spPr>
+          <a:xfrm flipH="1" flipV="1">
+            <a:off x="8810683" y="3460402"/>
+            <a:ext cx="108612" cy="417587"/>
+          </a:xfrm>
+          <a:prstGeom prst="line">
+            <a:avLst/>
+          </a:prstGeom>
+        </p:spPr>
+        <p:style>
+          <a:lnRef idx="1">
+            <a:schemeClr val="dk1"/>
+          </a:lnRef>
+          <a:fillRef idx="0">
+            <a:schemeClr val="dk1"/>
+          </a:fillRef>
+          <a:effectRef idx="0">
+            <a:schemeClr val="dk1"/>
+          </a:effectRef>
+          <a:fontRef idx="minor">
+            <a:schemeClr val="tx1"/>
+          </a:fontRef>
+        </p:style>
+      </p:cxnSp>
+      <p:sp>
+        <p:nvSpPr>
+          <p:cNvPr id="38" name="Oval 37">
+            <a:extLst>
+              <a:ext uri="{FF2B5EF4-FFF2-40B4-BE49-F238E27FC236}">
+                <a16:creationId xmlns:a16="http://schemas.microsoft.com/office/drawing/2014/main" id="{6790BD35-3A48-4FA4-A1DD-25EAA7D259C1}"/>
+              </a:ext>
+            </a:extLst>
+          </p:cNvPr>
+          <p:cNvSpPr/>
+          <p:nvPr/>
+        </p:nvSpPr>
+        <p:spPr>
+          <a:xfrm>
+            <a:off x="7698212" y="1898452"/>
+            <a:ext cx="741647" cy="741647"/>
+          </a:xfrm>
+          <a:prstGeom prst="ellipse">
+            <a:avLst/>
+          </a:prstGeom>
+          <a:noFill/>
+          <a:ln>
+            <a:solidFill>
+              <a:srgbClr val="FF0000"/>
+            </a:solidFill>
+          </a:ln>
+        </p:spPr>
+        <p:style>
+          <a:lnRef idx="2">
+            <a:schemeClr val="accent1">
+              <a:shade val="50000"/>
+            </a:schemeClr>
+          </a:lnRef>
+          <a:fillRef idx="1">
+            <a:schemeClr val="accent1"/>
+          </a:fillRef>
+          <a:effectRef idx="0">
+            <a:schemeClr val="accent1"/>
+          </a:effectRef>
+          <a:fontRef idx="minor">
+            <a:schemeClr val="lt1"/>
+          </a:fontRef>
+        </p:style>
+        <p:txBody>
+          <a:bodyPr rtlCol="0" anchor="ctr"/>
+          <a:lstStyle/>
+          <a:p>
+            <a:pPr algn="ctr"/>
+            <a:r>
+              <a:rPr lang="en-US" sz="1600" dirty="0">
+                <a:solidFill>
+                  <a:schemeClr val="tx1"/>
+                </a:solidFill>
+              </a:rPr>
+              <a:t>B: 2</a:t>
+            </a:r>
+            <a:endParaRPr lang="en-PH" sz="1600" dirty="0">
+              <a:solidFill>
+                <a:schemeClr val="tx1"/>
+              </a:solidFill>
+            </a:endParaRPr>
+          </a:p>
+        </p:txBody>
+      </p:sp>
+      <p:sp>
+        <p:nvSpPr>
+          <p:cNvPr id="39" name="Oval 38">
+            <a:extLst>
+              <a:ext uri="{FF2B5EF4-FFF2-40B4-BE49-F238E27FC236}">
+                <a16:creationId xmlns:a16="http://schemas.microsoft.com/office/drawing/2014/main" id="{FF465D5F-EE40-4CF1-B973-7087C70611E4}"/>
+              </a:ext>
+            </a:extLst>
+          </p:cNvPr>
+          <p:cNvSpPr/>
+          <p:nvPr/>
+        </p:nvSpPr>
+        <p:spPr>
+          <a:xfrm>
+            <a:off x="6869587" y="2676377"/>
+            <a:ext cx="730518" cy="730518"/>
           </a:xfrm>
           <a:prstGeom prst="ellipse">
             <a:avLst/>
@@ -7601,7 +7262,7 @@
                   <a:schemeClr val="tx1"/>
                 </a:solidFill>
               </a:rPr>
-              <a:t>E: 1</a:t>
+              <a:t>A: 1</a:t>
             </a:r>
             <a:endParaRPr lang="en-PH" sz="1600" dirty="0">
               <a:solidFill>
@@ -7611,89 +7272,12 @@
           </a:p>
         </p:txBody>
       </p:sp>
-      <p:cxnSp>
-        <p:nvCxnSpPr>
-          <p:cNvPr id="49" name="Straight Connector 48">
-            <a:extLst>
-              <a:ext uri="{FF2B5EF4-FFF2-40B4-BE49-F238E27FC236}">
-                <a16:creationId xmlns:a16="http://schemas.microsoft.com/office/drawing/2014/main" id="{D5CBC4E2-B7D8-4BA4-91B1-1439F1E66A5D}"/>
-              </a:ext>
-            </a:extLst>
-          </p:cNvPr>
-          <p:cNvCxnSpPr>
-            <a:endCxn id="47" idx="1"/>
-          </p:cNvCxnSpPr>
-          <p:nvPr/>
-        </p:nvCxnSpPr>
-        <p:spPr>
-          <a:xfrm>
-            <a:off x="8331247" y="2531487"/>
-            <a:ext cx="217224" cy="295880"/>
-          </a:xfrm>
-          <a:prstGeom prst="line">
-            <a:avLst/>
-          </a:prstGeom>
-        </p:spPr>
-        <p:style>
-          <a:lnRef idx="1">
-            <a:schemeClr val="dk1"/>
-          </a:lnRef>
-          <a:fillRef idx="0">
-            <a:schemeClr val="dk1"/>
-          </a:fillRef>
-          <a:effectRef idx="0">
-            <a:schemeClr val="dk1"/>
-          </a:effectRef>
-          <a:fontRef idx="minor">
-            <a:schemeClr val="tx1"/>
-          </a:fontRef>
-        </p:style>
-      </p:cxnSp>
-      <p:cxnSp>
-        <p:nvCxnSpPr>
-          <p:cNvPr id="50" name="Straight Connector 49">
-            <a:extLst>
-              <a:ext uri="{FF2B5EF4-FFF2-40B4-BE49-F238E27FC236}">
-                <a16:creationId xmlns:a16="http://schemas.microsoft.com/office/drawing/2014/main" id="{D5CBC4E2-B7D8-4BA4-91B1-1439F1E66A5D}"/>
-              </a:ext>
-            </a:extLst>
-          </p:cNvPr>
-          <p:cNvCxnSpPr>
-            <a:stCxn id="48" idx="0"/>
-            <a:endCxn id="47" idx="4"/>
-          </p:cNvCxnSpPr>
-          <p:nvPr/>
-        </p:nvCxnSpPr>
-        <p:spPr>
-          <a:xfrm flipH="1" flipV="1">
-            <a:off x="8810683" y="3460402"/>
-            <a:ext cx="108612" cy="417587"/>
-          </a:xfrm>
-          <a:prstGeom prst="line">
-            <a:avLst/>
-          </a:prstGeom>
-        </p:spPr>
-        <p:style>
-          <a:lnRef idx="1">
-            <a:schemeClr val="dk1"/>
-          </a:lnRef>
-          <a:fillRef idx="0">
-            <a:schemeClr val="dk1"/>
-          </a:fillRef>
-          <a:effectRef idx="0">
-            <a:schemeClr val="dk1"/>
-          </a:effectRef>
-          <a:fontRef idx="minor">
-            <a:schemeClr val="tx1"/>
-          </a:fontRef>
-        </p:style>
-      </p:cxnSp>
-      <p:sp>
-        <p:nvSpPr>
-          <p:cNvPr id="51" name="Oval 50">
-            <a:extLst>
-              <a:ext uri="{FF2B5EF4-FFF2-40B4-BE49-F238E27FC236}">
-                <a16:creationId xmlns:a16="http://schemas.microsoft.com/office/drawing/2014/main" id="{FF465D5F-EE40-4CF1-B973-7087C70611E4}"/>
+      <p:sp>
+        <p:nvSpPr>
+          <p:cNvPr id="40" name="Oval 39">
+            <a:extLst>
+              <a:ext uri="{FF2B5EF4-FFF2-40B4-BE49-F238E27FC236}">
+                <a16:creationId xmlns:a16="http://schemas.microsoft.com/office/drawing/2014/main" id="{39C548D5-2D23-4238-82DF-921D2E3334F9}"/>
               </a:ext>
             </a:extLst>
           </p:cNvPr>
@@ -7702,8 +7286,8 @@
         </p:nvSpPr>
         <p:spPr>
           <a:xfrm>
-            <a:off x="6869587" y="2676377"/>
-            <a:ext cx="730518" cy="730518"/>
+            <a:off x="6269620" y="3680381"/>
+            <a:ext cx="741648" cy="741648"/>
           </a:xfrm>
           <a:prstGeom prst="ellipse">
             <a:avLst/>
@@ -7742,7 +7326,7 @@
                   <a:schemeClr val="tx1"/>
                 </a:solidFill>
               </a:rPr>
-              <a:t>A: 1</a:t>
+              <a:t>E: 1</a:t>
             </a:r>
             <a:endParaRPr lang="en-PH" sz="1600" dirty="0">
               <a:solidFill>
@@ -7754,10 +7338,10 @@
       </p:sp>
       <p:sp>
         <p:nvSpPr>
-          <p:cNvPr id="52" name="Oval 51">
-            <a:extLst>
-              <a:ext uri="{FF2B5EF4-FFF2-40B4-BE49-F238E27FC236}">
-                <a16:creationId xmlns:a16="http://schemas.microsoft.com/office/drawing/2014/main" id="{39C548D5-2D23-4238-82DF-921D2E3334F9}"/>
+          <p:cNvPr id="41" name="Oval 40">
+            <a:extLst>
+              <a:ext uri="{FF2B5EF4-FFF2-40B4-BE49-F238E27FC236}">
+                <a16:creationId xmlns:a16="http://schemas.microsoft.com/office/drawing/2014/main" id="{D370CE05-94D0-4DB6-BE29-980F92475FAA}"/>
               </a:ext>
             </a:extLst>
           </p:cNvPr>
@@ -7766,7 +7350,7 @@
         </p:nvSpPr>
         <p:spPr>
           <a:xfrm>
-            <a:off x="6269620" y="3680381"/>
+            <a:off x="5573505" y="4538710"/>
             <a:ext cx="741648" cy="741648"/>
           </a:xfrm>
           <a:prstGeom prst="ellipse">
@@ -7806,7 +7390,7 @@
                   <a:schemeClr val="tx1"/>
                 </a:solidFill>
               </a:rPr>
-              <a:t>E: 1</a:t>
+              <a:t>D: 1</a:t>
             </a:r>
             <a:endParaRPr lang="en-PH" sz="1600" dirty="0">
               <a:solidFill>
@@ -7816,73 +7400,9 @@
           </a:p>
         </p:txBody>
       </p:sp>
-      <p:sp>
-        <p:nvSpPr>
-          <p:cNvPr id="53" name="Oval 52">
-            <a:extLst>
-              <a:ext uri="{FF2B5EF4-FFF2-40B4-BE49-F238E27FC236}">
-                <a16:creationId xmlns:a16="http://schemas.microsoft.com/office/drawing/2014/main" id="{D370CE05-94D0-4DB6-BE29-980F92475FAA}"/>
-              </a:ext>
-            </a:extLst>
-          </p:cNvPr>
-          <p:cNvSpPr/>
-          <p:nvPr/>
-        </p:nvSpPr>
-        <p:spPr>
-          <a:xfrm>
-            <a:off x="5573505" y="4538710"/>
-            <a:ext cx="741648" cy="741648"/>
-          </a:xfrm>
-          <a:prstGeom prst="ellipse">
-            <a:avLst/>
-          </a:prstGeom>
-          <a:noFill/>
-          <a:ln>
-            <a:solidFill>
-              <a:schemeClr val="tx1"/>
-            </a:solidFill>
-          </a:ln>
-        </p:spPr>
-        <p:style>
-          <a:lnRef idx="2">
-            <a:schemeClr val="accent1">
-              <a:shade val="50000"/>
-            </a:schemeClr>
-          </a:lnRef>
-          <a:fillRef idx="1">
-            <a:schemeClr val="accent1"/>
-          </a:fillRef>
-          <a:effectRef idx="0">
-            <a:schemeClr val="accent1"/>
-          </a:effectRef>
-          <a:fontRef idx="minor">
-            <a:schemeClr val="lt1"/>
-          </a:fontRef>
-        </p:style>
-        <p:txBody>
-          <a:bodyPr rtlCol="0" anchor="ctr"/>
-          <a:lstStyle/>
-          <a:p>
-            <a:pPr algn="ctr"/>
-            <a:r>
-              <a:rPr lang="en-US" sz="1600" dirty="0">
-                <a:solidFill>
-                  <a:schemeClr val="tx1"/>
-                </a:solidFill>
-              </a:rPr>
-              <a:t>D: 1</a:t>
-            </a:r>
-            <a:endParaRPr lang="en-PH" sz="1600" dirty="0">
-              <a:solidFill>
-                <a:schemeClr val="tx1"/>
-              </a:solidFill>
-            </a:endParaRPr>
-          </a:p>
-        </p:txBody>
-      </p:sp>
       <p:cxnSp>
         <p:nvCxnSpPr>
-          <p:cNvPr id="54" name="Straight Connector 53">
+          <p:cNvPr id="42" name="Straight Connector 41">
             <a:extLst>
               <a:ext uri="{FF2B5EF4-FFF2-40B4-BE49-F238E27FC236}">
                 <a16:creationId xmlns:a16="http://schemas.microsoft.com/office/drawing/2014/main" id="{D5CBC4E2-B7D8-4BA4-91B1-1439F1E66A5D}"/>
@@ -7890,7 +7410,8 @@
             </a:extLst>
           </p:cNvPr>
           <p:cNvCxnSpPr>
-            <a:endCxn id="51" idx="7"/>
+            <a:stCxn id="38" idx="3"/>
+            <a:endCxn id="39" idx="7"/>
           </p:cNvCxnSpPr>
           <p:nvPr/>
         </p:nvCxnSpPr>
@@ -7920,7 +7441,7 @@
       </p:cxnSp>
       <p:cxnSp>
         <p:nvCxnSpPr>
-          <p:cNvPr id="55" name="Straight Connector 54">
+          <p:cNvPr id="43" name="Straight Connector 42">
             <a:extLst>
               <a:ext uri="{FF2B5EF4-FFF2-40B4-BE49-F238E27FC236}">
                 <a16:creationId xmlns:a16="http://schemas.microsoft.com/office/drawing/2014/main" id="{3671F84C-43EB-4E83-B34F-C5EA539A58EC}"/>
@@ -7929,7 +7450,7 @@
           </p:cNvPr>
           <p:cNvCxnSpPr>
             <a:cxnSpLocks/>
-            <a:endCxn id="51" idx="3"/>
+            <a:endCxn id="39" idx="3"/>
           </p:cNvCxnSpPr>
           <p:nvPr/>
         </p:nvCxnSpPr>
@@ -7959,7 +7480,7 @@
       </p:cxnSp>
       <p:cxnSp>
         <p:nvCxnSpPr>
-          <p:cNvPr id="56" name="Straight Connector 55">
+          <p:cNvPr id="44" name="Straight Connector 43">
             <a:extLst>
               <a:ext uri="{FF2B5EF4-FFF2-40B4-BE49-F238E27FC236}">
                 <a16:creationId xmlns:a16="http://schemas.microsoft.com/office/drawing/2014/main" id="{61E9DF07-49B0-4931-B28A-3220297F1ADF}"/>
@@ -7968,8 +7489,8 @@
           </p:cNvPr>
           <p:cNvCxnSpPr>
             <a:cxnSpLocks/>
-            <a:stCxn id="53" idx="7"/>
-            <a:endCxn id="52" idx="3"/>
+            <a:stCxn id="41" idx="7"/>
+            <a:endCxn id="40" idx="3"/>
           </p:cNvCxnSpPr>
           <p:nvPr/>
         </p:nvCxnSpPr>
@@ -7977,276 +7498,6 @@
           <a:xfrm flipV="1">
             <a:off x="6206541" y="4313417"/>
             <a:ext cx="171691" cy="333905"/>
-          </a:xfrm>
-          <a:prstGeom prst="line">
-            <a:avLst/>
-          </a:prstGeom>
-        </p:spPr>
-        <p:style>
-          <a:lnRef idx="1">
-            <a:schemeClr val="dk1"/>
-          </a:lnRef>
-          <a:fillRef idx="0">
-            <a:schemeClr val="dk1"/>
-          </a:fillRef>
-          <a:effectRef idx="0">
-            <a:schemeClr val="dk1"/>
-          </a:effectRef>
-          <a:fontRef idx="minor">
-            <a:schemeClr val="tx1"/>
-          </a:fontRef>
-        </p:style>
-      </p:cxnSp>
-      <p:sp>
-        <p:nvSpPr>
-          <p:cNvPr id="57" name="Oval 56">
-            <a:extLst>
-              <a:ext uri="{FF2B5EF4-FFF2-40B4-BE49-F238E27FC236}">
-                <a16:creationId xmlns:a16="http://schemas.microsoft.com/office/drawing/2014/main" id="{6790BD35-3A48-4FA4-A1DD-25EAA7D259C1}"/>
-              </a:ext>
-            </a:extLst>
-          </p:cNvPr>
-          <p:cNvSpPr/>
-          <p:nvPr/>
-        </p:nvSpPr>
-        <p:spPr>
-          <a:xfrm>
-            <a:off x="7698212" y="1898452"/>
-            <a:ext cx="741647" cy="741647"/>
-          </a:xfrm>
-          <a:prstGeom prst="ellipse">
-            <a:avLst/>
-          </a:prstGeom>
-          <a:noFill/>
-          <a:ln>
-            <a:solidFill>
-              <a:srgbClr val="FF0000"/>
-            </a:solidFill>
-          </a:ln>
-        </p:spPr>
-        <p:style>
-          <a:lnRef idx="2">
-            <a:schemeClr val="accent1">
-              <a:shade val="50000"/>
-            </a:schemeClr>
-          </a:lnRef>
-          <a:fillRef idx="1">
-            <a:schemeClr val="accent1"/>
-          </a:fillRef>
-          <a:effectRef idx="0">
-            <a:schemeClr val="accent1"/>
-          </a:effectRef>
-          <a:fontRef idx="minor">
-            <a:schemeClr val="lt1"/>
-          </a:fontRef>
-        </p:style>
-        <p:txBody>
-          <a:bodyPr rtlCol="0" anchor="ctr"/>
-          <a:lstStyle/>
-          <a:p>
-            <a:pPr algn="ctr"/>
-            <a:r>
-              <a:rPr lang="en-US" sz="1600" dirty="0">
-                <a:solidFill>
-                  <a:schemeClr val="tx1"/>
-                </a:solidFill>
-              </a:rPr>
-              <a:t>B: 3</a:t>
-            </a:r>
-            <a:endParaRPr lang="en-PH" sz="1600" dirty="0">
-              <a:solidFill>
-                <a:schemeClr val="tx1"/>
-              </a:solidFill>
-            </a:endParaRPr>
-          </a:p>
-        </p:txBody>
-      </p:sp>
-      <p:sp>
-        <p:nvSpPr>
-          <p:cNvPr id="58" name="Oval 57">
-            <a:extLst>
-              <a:ext uri="{FF2B5EF4-FFF2-40B4-BE49-F238E27FC236}">
-                <a16:creationId xmlns:a16="http://schemas.microsoft.com/office/drawing/2014/main" id="{6790BD35-3A48-4FA4-A1DD-25EAA7D259C1}"/>
-              </a:ext>
-            </a:extLst>
-          </p:cNvPr>
-          <p:cNvSpPr/>
-          <p:nvPr/>
-        </p:nvSpPr>
-        <p:spPr>
-          <a:xfrm>
-            <a:off x="9366317" y="3251546"/>
-            <a:ext cx="741647" cy="741647"/>
-          </a:xfrm>
-          <a:prstGeom prst="ellipse">
-            <a:avLst/>
-          </a:prstGeom>
-          <a:noFill/>
-          <a:ln>
-            <a:solidFill>
-              <a:srgbClr val="FF0000"/>
-            </a:solidFill>
-          </a:ln>
-        </p:spPr>
-        <p:style>
-          <a:lnRef idx="2">
-            <a:schemeClr val="accent1">
-              <a:shade val="50000"/>
-            </a:schemeClr>
-          </a:lnRef>
-          <a:fillRef idx="1">
-            <a:schemeClr val="accent1"/>
-          </a:fillRef>
-          <a:effectRef idx="0">
-            <a:schemeClr val="accent1"/>
-          </a:effectRef>
-          <a:fontRef idx="minor">
-            <a:schemeClr val="lt1"/>
-          </a:fontRef>
-        </p:style>
-        <p:txBody>
-          <a:bodyPr rtlCol="0" anchor="ctr"/>
-          <a:lstStyle/>
-          <a:p>
-            <a:pPr algn="ctr"/>
-            <a:r>
-              <a:rPr lang="en-US" sz="1600" dirty="0">
-                <a:solidFill>
-                  <a:schemeClr val="tx1"/>
-                </a:solidFill>
-              </a:rPr>
-              <a:t>A: 1</a:t>
-            </a:r>
-            <a:endParaRPr lang="en-PH" sz="1600" dirty="0">
-              <a:solidFill>
-                <a:schemeClr val="tx1"/>
-              </a:solidFill>
-            </a:endParaRPr>
-          </a:p>
-        </p:txBody>
-      </p:sp>
-      <p:sp>
-        <p:nvSpPr>
-          <p:cNvPr id="59" name="Oval 58">
-            <a:extLst>
-              <a:ext uri="{FF2B5EF4-FFF2-40B4-BE49-F238E27FC236}">
-                <a16:creationId xmlns:a16="http://schemas.microsoft.com/office/drawing/2014/main" id="{6790BD35-3A48-4FA4-A1DD-25EAA7D259C1}"/>
-              </a:ext>
-            </a:extLst>
-          </p:cNvPr>
-          <p:cNvSpPr/>
-          <p:nvPr/>
-        </p:nvSpPr>
-        <p:spPr>
-          <a:xfrm>
-            <a:off x="9737140" y="4313417"/>
-            <a:ext cx="741647" cy="741647"/>
-          </a:xfrm>
-          <a:prstGeom prst="ellipse">
-            <a:avLst/>
-          </a:prstGeom>
-          <a:noFill/>
-          <a:ln>
-            <a:solidFill>
-              <a:srgbClr val="FF0000"/>
-            </a:solidFill>
-          </a:ln>
-        </p:spPr>
-        <p:style>
-          <a:lnRef idx="2">
-            <a:schemeClr val="accent1">
-              <a:shade val="50000"/>
-            </a:schemeClr>
-          </a:lnRef>
-          <a:fillRef idx="1">
-            <a:schemeClr val="accent1"/>
-          </a:fillRef>
-          <a:effectRef idx="0">
-            <a:schemeClr val="accent1"/>
-          </a:effectRef>
-          <a:fontRef idx="minor">
-            <a:schemeClr val="lt1"/>
-          </a:fontRef>
-        </p:style>
-        <p:txBody>
-          <a:bodyPr rtlCol="0" anchor="ctr"/>
-          <a:lstStyle/>
-          <a:p>
-            <a:pPr algn="ctr"/>
-            <a:r>
-              <a:rPr lang="en-US" sz="1600" dirty="0">
-                <a:solidFill>
-                  <a:schemeClr val="tx1"/>
-                </a:solidFill>
-              </a:rPr>
-              <a:t>E: 1</a:t>
-            </a:r>
-            <a:endParaRPr lang="en-PH" sz="1600" dirty="0">
-              <a:solidFill>
-                <a:schemeClr val="tx1"/>
-              </a:solidFill>
-            </a:endParaRPr>
-          </a:p>
-        </p:txBody>
-      </p:sp>
-      <p:cxnSp>
-        <p:nvCxnSpPr>
-          <p:cNvPr id="60" name="Straight Connector 59">
-            <a:extLst>
-              <a:ext uri="{FF2B5EF4-FFF2-40B4-BE49-F238E27FC236}">
-                <a16:creationId xmlns:a16="http://schemas.microsoft.com/office/drawing/2014/main" id="{D5CBC4E2-B7D8-4BA4-91B1-1439F1E66A5D}"/>
-              </a:ext>
-            </a:extLst>
-          </p:cNvPr>
-          <p:cNvCxnSpPr>
-            <a:stCxn id="58" idx="1"/>
-            <a:endCxn id="47" idx="6"/>
-          </p:cNvCxnSpPr>
-          <p:nvPr/>
-        </p:nvCxnSpPr>
-        <p:spPr>
-          <a:xfrm flipH="1" flipV="1">
-            <a:off x="9181506" y="3089579"/>
-            <a:ext cx="293423" cy="270579"/>
-          </a:xfrm>
-          <a:prstGeom prst="line">
-            <a:avLst/>
-          </a:prstGeom>
-        </p:spPr>
-        <p:style>
-          <a:lnRef idx="1">
-            <a:schemeClr val="dk1"/>
-          </a:lnRef>
-          <a:fillRef idx="0">
-            <a:schemeClr val="dk1"/>
-          </a:fillRef>
-          <a:effectRef idx="0">
-            <a:schemeClr val="dk1"/>
-          </a:effectRef>
-          <a:fontRef idx="minor">
-            <a:schemeClr val="tx1"/>
-          </a:fontRef>
-        </p:style>
-      </p:cxnSp>
-      <p:cxnSp>
-        <p:nvCxnSpPr>
-          <p:cNvPr id="66" name="Straight Connector 65">
-            <a:extLst>
-              <a:ext uri="{FF2B5EF4-FFF2-40B4-BE49-F238E27FC236}">
-                <a16:creationId xmlns:a16="http://schemas.microsoft.com/office/drawing/2014/main" id="{D5CBC4E2-B7D8-4BA4-91B1-1439F1E66A5D}"/>
-              </a:ext>
-            </a:extLst>
-          </p:cNvPr>
-          <p:cNvCxnSpPr>
-            <a:stCxn id="58" idx="5"/>
-            <a:endCxn id="59" idx="0"/>
-          </p:cNvCxnSpPr>
-          <p:nvPr/>
-        </p:nvCxnSpPr>
-        <p:spPr>
-          <a:xfrm>
-            <a:off x="9999352" y="3884581"/>
-            <a:ext cx="108612" cy="428836"/>
           </a:xfrm>
           <a:prstGeom prst="line">
             <a:avLst/>
@@ -8270,7 +7521,7 @@
     </p:spTree>
     <p:extLst>
       <p:ext uri="{BB962C8B-B14F-4D97-AF65-F5344CB8AC3E}">
-        <p14:creationId xmlns:p14="http://schemas.microsoft.com/office/powerpoint/2010/main" val="3088216555"/>
+        <p14:creationId xmlns:p14="http://schemas.microsoft.com/office/powerpoint/2010/main" val="2149237413"/>
       </p:ext>
     </p:extLst>
   </p:cSld>
@@ -8359,6 +7610,14 @@
             <a:r>
               <a:rPr lang="en-US" sz="2800" dirty="0" err="1"/>
               <a:t>itemsets</a:t>
+            </a:r>
+            <a:r>
+              <a:rPr lang="en-US" sz="2800" dirty="0"/>
+              <a:t> like </a:t>
+            </a:r>
+            <a:r>
+              <a:rPr lang="en-US" sz="2800" dirty="0" err="1"/>
+              <a:t>Apriori</a:t>
             </a:r>
             <a:r>
               <a:rPr lang="en-US" sz="2800" dirty="0"/>
@@ -8461,7 +7720,7 @@
         <p:spPr>
           <a:xfrm>
             <a:off x="821920" y="1752079"/>
-            <a:ext cx="5600651" cy="1723549"/>
+            <a:ext cx="5600651" cy="2339102"/>
           </a:xfrm>
           <a:prstGeom prst="rect">
             <a:avLst/>
@@ -8476,7 +7735,7 @@
           <a:p>
             <a:r>
               <a:rPr lang="en-US" sz="2400" dirty="0"/>
-              <a:t>Transaction T4</a:t>
+              <a:t>Transaction T3</a:t>
             </a:r>
             <a:r>
               <a:rPr lang="en-US" sz="2400" b="1" dirty="0"/>
@@ -8492,7 +7751,7 @@
                   <a:srgbClr val="FF0000"/>
                 </a:solidFill>
               </a:rPr>
-              <a:t>B, C</a:t>
+              <a:t>B, C, A, E</a:t>
             </a:r>
             <a:r>
               <a:rPr lang="en-US" sz="2400" dirty="0"/>
@@ -8505,61 +7764,95 @@
           <a:p>
             <a:r>
               <a:rPr lang="en-US" sz="2400" dirty="0"/>
-              <a:t>Insert path B </a:t>
+              <a:t>B &amp; C already exists in this branch, so increment </a:t>
+            </a:r>
+            <a:r>
+              <a:rPr lang="en-US" sz="2400" dirty="0">
+                <a:solidFill>
+                  <a:srgbClr val="002060"/>
+                </a:solidFill>
+              </a:rPr>
+              <a:t>B to 3 </a:t>
+            </a:r>
+            <a:r>
+              <a:rPr lang="en-US" sz="2400" dirty="0"/>
+              <a:t>and </a:t>
+            </a:r>
+            <a:r>
+              <a:rPr lang="en-US" sz="2400" dirty="0">
+                <a:solidFill>
+                  <a:srgbClr val="002060"/>
+                </a:solidFill>
+              </a:rPr>
+              <a:t>C to 2</a:t>
+            </a:r>
+          </a:p>
+          <a:p>
+            <a:endParaRPr lang="en-US" sz="1200" dirty="0">
+              <a:sym typeface="Wingdings" panose="05000000000000000000" pitchFamily="2" charset="2"/>
+            </a:endParaRPr>
+          </a:p>
+          <a:p>
+            <a:r>
+              <a:rPr lang="en-US" sz="2400" dirty="0">
+                <a:solidFill>
+                  <a:srgbClr val="FF0000"/>
+                </a:solidFill>
+                <a:sym typeface="Wingdings" panose="05000000000000000000" pitchFamily="2" charset="2"/>
+              </a:rPr>
+              <a:t>A</a:t>
             </a:r>
             <a:r>
               <a:rPr lang="en-US" sz="2400" dirty="0">
                 <a:sym typeface="Wingdings" panose="05000000000000000000" pitchFamily="2" charset="2"/>
               </a:rPr>
-              <a:t> C</a:t>
-            </a:r>
-          </a:p>
-          <a:p>
+              <a:t> and </a:t>
+            </a:r>
+            <a:r>
+              <a:rPr lang="en-US" sz="2400" dirty="0">
+                <a:solidFill>
+                  <a:srgbClr val="FF0000"/>
+                </a:solidFill>
+                <a:sym typeface="Wingdings" panose="05000000000000000000" pitchFamily="2" charset="2"/>
+              </a:rPr>
+              <a:t>E</a:t>
+            </a:r>
             <a:r>
               <a:rPr lang="en-US" sz="2400" dirty="0">
                 <a:sym typeface="Wingdings" panose="05000000000000000000" pitchFamily="2" charset="2"/>
               </a:rPr>
-              <a:t>B already exists, so increment </a:t>
-            </a:r>
-            <a:r>
-              <a:rPr lang="en-US" sz="2400" b="1" dirty="0">
+              <a:t> are new in this branch, so add </a:t>
+            </a:r>
+            <a:r>
+              <a:rPr lang="en-US" sz="2400" dirty="0">
                 <a:solidFill>
                   <a:srgbClr val="FF0000"/>
                 </a:solidFill>
                 <a:sym typeface="Wingdings" panose="05000000000000000000" pitchFamily="2" charset="2"/>
               </a:rPr>
-              <a:t>B to 4</a:t>
-            </a:r>
-            <a:r>
-              <a:rPr lang="en-US" sz="2400" dirty="0">
-                <a:solidFill>
-                  <a:srgbClr val="002060"/>
-                </a:solidFill>
-                <a:sym typeface="Wingdings" panose="05000000000000000000" pitchFamily="2" charset="2"/>
-              </a:rPr>
-              <a:t>, </a:t>
+              <a:t>A: 1 </a:t>
             </a:r>
             <a:r>
               <a:rPr lang="en-US" sz="2400" dirty="0">
                 <a:sym typeface="Wingdings" panose="05000000000000000000" pitchFamily="2" charset="2"/>
               </a:rPr>
-              <a:t>increment </a:t>
-            </a:r>
-            <a:r>
-              <a:rPr lang="en-US" sz="2400" b="1" dirty="0">
+              <a:t>and </a:t>
+            </a:r>
+            <a:r>
+              <a:rPr lang="en-US" sz="2400" dirty="0">
                 <a:solidFill>
                   <a:srgbClr val="FF0000"/>
                 </a:solidFill>
                 <a:sym typeface="Wingdings" panose="05000000000000000000" pitchFamily="2" charset="2"/>
               </a:rPr>
-              <a:t>C to 3</a:t>
-            </a:r>
-          </a:p>
-        </p:txBody>
-      </p:sp>
-      <p:sp>
-        <p:nvSpPr>
-          <p:cNvPr id="55" name="Oval 54">
+              <a:t>E: 1</a:t>
+            </a:r>
+          </a:p>
+        </p:txBody>
+      </p:sp>
+      <p:sp>
+        <p:nvSpPr>
+          <p:cNvPr id="47" name="Oval 46">
             <a:extLst>
               <a:ext uri="{FF2B5EF4-FFF2-40B4-BE49-F238E27FC236}">
                 <a16:creationId xmlns:a16="http://schemas.microsoft.com/office/drawing/2014/main" id="{6790BD35-3A48-4FA4-A1DD-25EAA7D259C1}"/>
@@ -8611,7 +7904,7 @@
                   <a:schemeClr val="tx1"/>
                 </a:solidFill>
               </a:rPr>
-              <a:t>C: 3</a:t>
+              <a:t>C: 2</a:t>
             </a:r>
             <a:endParaRPr lang="en-PH" sz="1600" dirty="0">
               <a:solidFill>
@@ -8623,7 +7916,7 @@
       </p:sp>
       <p:sp>
         <p:nvSpPr>
-          <p:cNvPr id="56" name="Oval 55">
+          <p:cNvPr id="48" name="Oval 47">
             <a:extLst>
               <a:ext uri="{FF2B5EF4-FFF2-40B4-BE49-F238E27FC236}">
                 <a16:creationId xmlns:a16="http://schemas.microsoft.com/office/drawing/2014/main" id="{6790BD35-3A48-4FA4-A1DD-25EAA7D259C1}"/>
@@ -8687,7 +7980,7 @@
       </p:sp>
       <p:cxnSp>
         <p:nvCxnSpPr>
-          <p:cNvPr id="57" name="Straight Connector 56">
+          <p:cNvPr id="49" name="Straight Connector 48">
             <a:extLst>
               <a:ext uri="{FF2B5EF4-FFF2-40B4-BE49-F238E27FC236}">
                 <a16:creationId xmlns:a16="http://schemas.microsoft.com/office/drawing/2014/main" id="{D5CBC4E2-B7D8-4BA4-91B1-1439F1E66A5D}"/>
@@ -8695,7 +7988,7 @@
             </a:extLst>
           </p:cNvPr>
           <p:cNvCxnSpPr>
-            <a:endCxn id="55" idx="1"/>
+            <a:endCxn id="47" idx="1"/>
           </p:cNvCxnSpPr>
           <p:nvPr/>
         </p:nvCxnSpPr>
@@ -8725,7 +8018,7 @@
       </p:cxnSp>
       <p:cxnSp>
         <p:nvCxnSpPr>
-          <p:cNvPr id="58" name="Straight Connector 57">
+          <p:cNvPr id="50" name="Straight Connector 49">
             <a:extLst>
               <a:ext uri="{FF2B5EF4-FFF2-40B4-BE49-F238E27FC236}">
                 <a16:creationId xmlns:a16="http://schemas.microsoft.com/office/drawing/2014/main" id="{D5CBC4E2-B7D8-4BA4-91B1-1439F1E66A5D}"/>
@@ -8733,8 +8026,8 @@
             </a:extLst>
           </p:cNvPr>
           <p:cNvCxnSpPr>
-            <a:stCxn id="56" idx="0"/>
-            <a:endCxn id="55" idx="4"/>
+            <a:stCxn id="48" idx="0"/>
+            <a:endCxn id="47" idx="4"/>
           </p:cNvCxnSpPr>
           <p:nvPr/>
         </p:nvCxnSpPr>
@@ -8764,7 +8057,7 @@
       </p:cxnSp>
       <p:sp>
         <p:nvSpPr>
-          <p:cNvPr id="59" name="Oval 58">
+          <p:cNvPr id="51" name="Oval 50">
             <a:extLst>
               <a:ext uri="{FF2B5EF4-FFF2-40B4-BE49-F238E27FC236}">
                 <a16:creationId xmlns:a16="http://schemas.microsoft.com/office/drawing/2014/main" id="{FF465D5F-EE40-4CF1-B973-7087C70611E4}"/>
@@ -8828,7 +8121,7 @@
       </p:sp>
       <p:sp>
         <p:nvSpPr>
-          <p:cNvPr id="60" name="Oval 59">
+          <p:cNvPr id="52" name="Oval 51">
             <a:extLst>
               <a:ext uri="{FF2B5EF4-FFF2-40B4-BE49-F238E27FC236}">
                 <a16:creationId xmlns:a16="http://schemas.microsoft.com/office/drawing/2014/main" id="{39C548D5-2D23-4238-82DF-921D2E3334F9}"/>
@@ -8892,7 +8185,7 @@
       </p:sp>
       <p:sp>
         <p:nvSpPr>
-          <p:cNvPr id="61" name="Oval 60">
+          <p:cNvPr id="53" name="Oval 52">
             <a:extLst>
               <a:ext uri="{FF2B5EF4-FFF2-40B4-BE49-F238E27FC236}">
                 <a16:creationId xmlns:a16="http://schemas.microsoft.com/office/drawing/2014/main" id="{D370CE05-94D0-4DB6-BE29-980F92475FAA}"/>
@@ -8956,7 +8249,7 @@
       </p:sp>
       <p:cxnSp>
         <p:nvCxnSpPr>
-          <p:cNvPr id="62" name="Straight Connector 61">
+          <p:cNvPr id="54" name="Straight Connector 53">
             <a:extLst>
               <a:ext uri="{FF2B5EF4-FFF2-40B4-BE49-F238E27FC236}">
                 <a16:creationId xmlns:a16="http://schemas.microsoft.com/office/drawing/2014/main" id="{D5CBC4E2-B7D8-4BA4-91B1-1439F1E66A5D}"/>
@@ -8964,7 +8257,7 @@
             </a:extLst>
           </p:cNvPr>
           <p:cNvCxnSpPr>
-            <a:endCxn id="59" idx="7"/>
+            <a:endCxn id="51" idx="7"/>
           </p:cNvCxnSpPr>
           <p:nvPr/>
         </p:nvCxnSpPr>
@@ -8994,7 +8287,7 @@
       </p:cxnSp>
       <p:cxnSp>
         <p:nvCxnSpPr>
-          <p:cNvPr id="63" name="Straight Connector 62">
+          <p:cNvPr id="55" name="Straight Connector 54">
             <a:extLst>
               <a:ext uri="{FF2B5EF4-FFF2-40B4-BE49-F238E27FC236}">
                 <a16:creationId xmlns:a16="http://schemas.microsoft.com/office/drawing/2014/main" id="{3671F84C-43EB-4E83-B34F-C5EA539A58EC}"/>
@@ -9003,7 +8296,7 @@
           </p:cNvPr>
           <p:cNvCxnSpPr>
             <a:cxnSpLocks/>
-            <a:endCxn id="59" idx="3"/>
+            <a:endCxn id="51" idx="3"/>
           </p:cNvCxnSpPr>
           <p:nvPr/>
         </p:nvCxnSpPr>
@@ -9033,7 +8326,7 @@
       </p:cxnSp>
       <p:cxnSp>
         <p:nvCxnSpPr>
-          <p:cNvPr id="64" name="Straight Connector 63">
+          <p:cNvPr id="56" name="Straight Connector 55">
             <a:extLst>
               <a:ext uri="{FF2B5EF4-FFF2-40B4-BE49-F238E27FC236}">
                 <a16:creationId xmlns:a16="http://schemas.microsoft.com/office/drawing/2014/main" id="{61E9DF07-49B0-4931-B28A-3220297F1ADF}"/>
@@ -9042,8 +8335,8 @@
           </p:cNvPr>
           <p:cNvCxnSpPr>
             <a:cxnSpLocks/>
-            <a:stCxn id="61" idx="7"/>
-            <a:endCxn id="60" idx="3"/>
+            <a:stCxn id="53" idx="7"/>
+            <a:endCxn id="52" idx="3"/>
           </p:cNvCxnSpPr>
           <p:nvPr/>
         </p:nvCxnSpPr>
@@ -9073,7 +8366,7 @@
       </p:cxnSp>
       <p:sp>
         <p:nvSpPr>
-          <p:cNvPr id="65" name="Oval 64">
+          <p:cNvPr id="57" name="Oval 56">
             <a:extLst>
               <a:ext uri="{FF2B5EF4-FFF2-40B4-BE49-F238E27FC236}">
                 <a16:creationId xmlns:a16="http://schemas.microsoft.com/office/drawing/2014/main" id="{6790BD35-3A48-4FA4-A1DD-25EAA7D259C1}"/>
@@ -9125,7 +8418,7 @@
                   <a:schemeClr val="tx1"/>
                 </a:solidFill>
               </a:rPr>
-              <a:t>B: 4</a:t>
+              <a:t>B: 3</a:t>
             </a:r>
             <a:endParaRPr lang="en-PH" sz="1600" dirty="0">
               <a:solidFill>
@@ -9137,7 +8430,7 @@
       </p:sp>
       <p:sp>
         <p:nvSpPr>
-          <p:cNvPr id="66" name="Oval 65">
+          <p:cNvPr id="58" name="Oval 57">
             <a:extLst>
               <a:ext uri="{FF2B5EF4-FFF2-40B4-BE49-F238E27FC236}">
                 <a16:creationId xmlns:a16="http://schemas.microsoft.com/office/drawing/2014/main" id="{6790BD35-3A48-4FA4-A1DD-25EAA7D259C1}"/>
@@ -9158,7 +8451,7 @@
           <a:noFill/>
           <a:ln>
             <a:solidFill>
-              <a:schemeClr val="tx1"/>
+              <a:srgbClr val="FF0000"/>
             </a:solidFill>
           </a:ln>
         </p:spPr>
@@ -9201,7 +8494,7 @@
       </p:sp>
       <p:sp>
         <p:nvSpPr>
-          <p:cNvPr id="67" name="Oval 66">
+          <p:cNvPr id="59" name="Oval 58">
             <a:extLst>
               <a:ext uri="{FF2B5EF4-FFF2-40B4-BE49-F238E27FC236}">
                 <a16:creationId xmlns:a16="http://schemas.microsoft.com/office/drawing/2014/main" id="{6790BD35-3A48-4FA4-A1DD-25EAA7D259C1}"/>
@@ -9222,7 +8515,7 @@
           <a:noFill/>
           <a:ln>
             <a:solidFill>
-              <a:schemeClr val="tx1"/>
+              <a:srgbClr val="FF0000"/>
             </a:solidFill>
           </a:ln>
         </p:spPr>
@@ -9265,7 +8558,7 @@
       </p:sp>
       <p:cxnSp>
         <p:nvCxnSpPr>
-          <p:cNvPr id="68" name="Straight Connector 67">
+          <p:cNvPr id="60" name="Straight Connector 59">
             <a:extLst>
               <a:ext uri="{FF2B5EF4-FFF2-40B4-BE49-F238E27FC236}">
                 <a16:creationId xmlns:a16="http://schemas.microsoft.com/office/drawing/2014/main" id="{D5CBC4E2-B7D8-4BA4-91B1-1439F1E66A5D}"/>
@@ -9273,8 +8566,8 @@
             </a:extLst>
           </p:cNvPr>
           <p:cNvCxnSpPr>
-            <a:stCxn id="66" idx="1"/>
-            <a:endCxn id="55" idx="6"/>
+            <a:stCxn id="58" idx="1"/>
+            <a:endCxn id="47" idx="6"/>
           </p:cNvCxnSpPr>
           <p:nvPr/>
         </p:nvCxnSpPr>
@@ -9304,7 +8597,7 @@
       </p:cxnSp>
       <p:cxnSp>
         <p:nvCxnSpPr>
-          <p:cNvPr id="69" name="Straight Connector 68">
+          <p:cNvPr id="66" name="Straight Connector 65">
             <a:extLst>
               <a:ext uri="{FF2B5EF4-FFF2-40B4-BE49-F238E27FC236}">
                 <a16:creationId xmlns:a16="http://schemas.microsoft.com/office/drawing/2014/main" id="{D5CBC4E2-B7D8-4BA4-91B1-1439F1E66A5D}"/>
@@ -9312,8 +8605,8 @@
             </a:extLst>
           </p:cNvPr>
           <p:cNvCxnSpPr>
-            <a:stCxn id="66" idx="5"/>
-            <a:endCxn id="67" idx="0"/>
+            <a:stCxn id="58" idx="5"/>
+            <a:endCxn id="59" idx="0"/>
           </p:cNvCxnSpPr>
           <p:nvPr/>
         </p:nvCxnSpPr>
@@ -9344,7 +8637,7 @@
     </p:spTree>
     <p:extLst>
       <p:ext uri="{BB962C8B-B14F-4D97-AF65-F5344CB8AC3E}">
-        <p14:creationId xmlns:p14="http://schemas.microsoft.com/office/powerpoint/2010/main" val="3971249236"/>
+        <p14:creationId xmlns:p14="http://schemas.microsoft.com/office/powerpoint/2010/main" val="3088216555"/>
       </p:ext>
     </p:extLst>
   </p:cSld>
@@ -9415,6 +8708,960 @@
         <p:spPr>
           <a:xfrm>
             <a:off x="821920" y="1752079"/>
+            <a:ext cx="5600651" cy="1723549"/>
+          </a:xfrm>
+          <a:prstGeom prst="rect">
+            <a:avLst/>
+          </a:prstGeom>
+          <a:noFill/>
+        </p:spPr>
+        <p:txBody>
+          <a:bodyPr wrap="square" rtlCol="0">
+            <a:spAutoFit/>
+          </a:bodyPr>
+          <a:lstStyle/>
+          <a:p>
+            <a:r>
+              <a:rPr lang="en-US" sz="2400" dirty="0"/>
+              <a:t>Transaction T4</a:t>
+            </a:r>
+            <a:r>
+              <a:rPr lang="en-US" sz="2400" b="1" dirty="0"/>
+              <a:t>: </a:t>
+            </a:r>
+            <a:r>
+              <a:rPr lang="en-US" sz="2400" dirty="0"/>
+              <a:t>({</a:t>
+            </a:r>
+            <a:r>
+              <a:rPr lang="en-US" sz="2400" dirty="0">
+                <a:solidFill>
+                  <a:srgbClr val="FF0000"/>
+                </a:solidFill>
+              </a:rPr>
+              <a:t>B, C</a:t>
+            </a:r>
+            <a:r>
+              <a:rPr lang="en-US" sz="2400" dirty="0"/>
+              <a:t>})</a:t>
+            </a:r>
+          </a:p>
+          <a:p>
+            <a:endParaRPr lang="en-US" sz="1000" dirty="0"/>
+          </a:p>
+          <a:p>
+            <a:r>
+              <a:rPr lang="en-US" sz="2400" dirty="0"/>
+              <a:t>Insert path B </a:t>
+            </a:r>
+            <a:r>
+              <a:rPr lang="en-US" sz="2400" dirty="0">
+                <a:sym typeface="Wingdings" panose="05000000000000000000" pitchFamily="2" charset="2"/>
+              </a:rPr>
+              <a:t> C</a:t>
+            </a:r>
+          </a:p>
+          <a:p>
+            <a:r>
+              <a:rPr lang="en-US" sz="2400" dirty="0">
+                <a:sym typeface="Wingdings" panose="05000000000000000000" pitchFamily="2" charset="2"/>
+              </a:rPr>
+              <a:t>B already exists, so increment </a:t>
+            </a:r>
+            <a:r>
+              <a:rPr lang="en-US" sz="2400" b="1" dirty="0">
+                <a:solidFill>
+                  <a:srgbClr val="FF0000"/>
+                </a:solidFill>
+                <a:sym typeface="Wingdings" panose="05000000000000000000" pitchFamily="2" charset="2"/>
+              </a:rPr>
+              <a:t>B to 4</a:t>
+            </a:r>
+            <a:r>
+              <a:rPr lang="en-US" sz="2400" dirty="0">
+                <a:solidFill>
+                  <a:srgbClr val="002060"/>
+                </a:solidFill>
+                <a:sym typeface="Wingdings" panose="05000000000000000000" pitchFamily="2" charset="2"/>
+              </a:rPr>
+              <a:t>, </a:t>
+            </a:r>
+            <a:r>
+              <a:rPr lang="en-US" sz="2400" dirty="0">
+                <a:sym typeface="Wingdings" panose="05000000000000000000" pitchFamily="2" charset="2"/>
+              </a:rPr>
+              <a:t>increment </a:t>
+            </a:r>
+            <a:r>
+              <a:rPr lang="en-US" sz="2400" b="1" dirty="0">
+                <a:solidFill>
+                  <a:srgbClr val="FF0000"/>
+                </a:solidFill>
+                <a:sym typeface="Wingdings" panose="05000000000000000000" pitchFamily="2" charset="2"/>
+              </a:rPr>
+              <a:t>C to 3</a:t>
+            </a:r>
+          </a:p>
+        </p:txBody>
+      </p:sp>
+      <p:sp>
+        <p:nvSpPr>
+          <p:cNvPr id="55" name="Oval 54">
+            <a:extLst>
+              <a:ext uri="{FF2B5EF4-FFF2-40B4-BE49-F238E27FC236}">
+                <a16:creationId xmlns:a16="http://schemas.microsoft.com/office/drawing/2014/main" id="{6790BD35-3A48-4FA4-A1DD-25EAA7D259C1}"/>
+              </a:ext>
+            </a:extLst>
+          </p:cNvPr>
+          <p:cNvSpPr/>
+          <p:nvPr/>
+        </p:nvSpPr>
+        <p:spPr>
+          <a:xfrm>
+            <a:off x="8439859" y="2718755"/>
+            <a:ext cx="741647" cy="741647"/>
+          </a:xfrm>
+          <a:prstGeom prst="ellipse">
+            <a:avLst/>
+          </a:prstGeom>
+          <a:noFill/>
+          <a:ln>
+            <a:solidFill>
+              <a:srgbClr val="FF0000"/>
+            </a:solidFill>
+          </a:ln>
+        </p:spPr>
+        <p:style>
+          <a:lnRef idx="2">
+            <a:schemeClr val="accent1">
+              <a:shade val="50000"/>
+            </a:schemeClr>
+          </a:lnRef>
+          <a:fillRef idx="1">
+            <a:schemeClr val="accent1"/>
+          </a:fillRef>
+          <a:effectRef idx="0">
+            <a:schemeClr val="accent1"/>
+          </a:effectRef>
+          <a:fontRef idx="minor">
+            <a:schemeClr val="lt1"/>
+          </a:fontRef>
+        </p:style>
+        <p:txBody>
+          <a:bodyPr rtlCol="0" anchor="ctr"/>
+          <a:lstStyle/>
+          <a:p>
+            <a:pPr algn="ctr"/>
+            <a:r>
+              <a:rPr lang="en-US" sz="1600" dirty="0">
+                <a:solidFill>
+                  <a:schemeClr val="tx1"/>
+                </a:solidFill>
+              </a:rPr>
+              <a:t>C: 3</a:t>
+            </a:r>
+            <a:endParaRPr lang="en-PH" sz="1600" dirty="0">
+              <a:solidFill>
+                <a:schemeClr val="tx1"/>
+              </a:solidFill>
+            </a:endParaRPr>
+          </a:p>
+        </p:txBody>
+      </p:sp>
+      <p:sp>
+        <p:nvSpPr>
+          <p:cNvPr id="56" name="Oval 55">
+            <a:extLst>
+              <a:ext uri="{FF2B5EF4-FFF2-40B4-BE49-F238E27FC236}">
+                <a16:creationId xmlns:a16="http://schemas.microsoft.com/office/drawing/2014/main" id="{6790BD35-3A48-4FA4-A1DD-25EAA7D259C1}"/>
+              </a:ext>
+            </a:extLst>
+          </p:cNvPr>
+          <p:cNvSpPr/>
+          <p:nvPr/>
+        </p:nvSpPr>
+        <p:spPr>
+          <a:xfrm>
+            <a:off x="8548471" y="3877989"/>
+            <a:ext cx="741647" cy="741647"/>
+          </a:xfrm>
+          <a:prstGeom prst="ellipse">
+            <a:avLst/>
+          </a:prstGeom>
+          <a:noFill/>
+          <a:ln>
+            <a:solidFill>
+              <a:schemeClr val="tx1"/>
+            </a:solidFill>
+          </a:ln>
+        </p:spPr>
+        <p:style>
+          <a:lnRef idx="2">
+            <a:schemeClr val="accent1">
+              <a:shade val="50000"/>
+            </a:schemeClr>
+          </a:lnRef>
+          <a:fillRef idx="1">
+            <a:schemeClr val="accent1"/>
+          </a:fillRef>
+          <a:effectRef idx="0">
+            <a:schemeClr val="accent1"/>
+          </a:effectRef>
+          <a:fontRef idx="minor">
+            <a:schemeClr val="lt1"/>
+          </a:fontRef>
+        </p:style>
+        <p:txBody>
+          <a:bodyPr rtlCol="0" anchor="ctr"/>
+          <a:lstStyle/>
+          <a:p>
+            <a:pPr algn="ctr"/>
+            <a:r>
+              <a:rPr lang="en-US" sz="1600" dirty="0">
+                <a:solidFill>
+                  <a:schemeClr val="tx1"/>
+                </a:solidFill>
+              </a:rPr>
+              <a:t>E: 1</a:t>
+            </a:r>
+            <a:endParaRPr lang="en-PH" sz="1600" dirty="0">
+              <a:solidFill>
+                <a:schemeClr val="tx1"/>
+              </a:solidFill>
+            </a:endParaRPr>
+          </a:p>
+        </p:txBody>
+      </p:sp>
+      <p:cxnSp>
+        <p:nvCxnSpPr>
+          <p:cNvPr id="57" name="Straight Connector 56">
+            <a:extLst>
+              <a:ext uri="{FF2B5EF4-FFF2-40B4-BE49-F238E27FC236}">
+                <a16:creationId xmlns:a16="http://schemas.microsoft.com/office/drawing/2014/main" id="{D5CBC4E2-B7D8-4BA4-91B1-1439F1E66A5D}"/>
+              </a:ext>
+            </a:extLst>
+          </p:cNvPr>
+          <p:cNvCxnSpPr>
+            <a:endCxn id="55" idx="1"/>
+          </p:cNvCxnSpPr>
+          <p:nvPr/>
+        </p:nvCxnSpPr>
+        <p:spPr>
+          <a:xfrm>
+            <a:off x="8331247" y="2531487"/>
+            <a:ext cx="217224" cy="295880"/>
+          </a:xfrm>
+          <a:prstGeom prst="line">
+            <a:avLst/>
+          </a:prstGeom>
+        </p:spPr>
+        <p:style>
+          <a:lnRef idx="1">
+            <a:schemeClr val="dk1"/>
+          </a:lnRef>
+          <a:fillRef idx="0">
+            <a:schemeClr val="dk1"/>
+          </a:fillRef>
+          <a:effectRef idx="0">
+            <a:schemeClr val="dk1"/>
+          </a:effectRef>
+          <a:fontRef idx="minor">
+            <a:schemeClr val="tx1"/>
+          </a:fontRef>
+        </p:style>
+      </p:cxnSp>
+      <p:cxnSp>
+        <p:nvCxnSpPr>
+          <p:cNvPr id="58" name="Straight Connector 57">
+            <a:extLst>
+              <a:ext uri="{FF2B5EF4-FFF2-40B4-BE49-F238E27FC236}">
+                <a16:creationId xmlns:a16="http://schemas.microsoft.com/office/drawing/2014/main" id="{D5CBC4E2-B7D8-4BA4-91B1-1439F1E66A5D}"/>
+              </a:ext>
+            </a:extLst>
+          </p:cNvPr>
+          <p:cNvCxnSpPr>
+            <a:stCxn id="56" idx="0"/>
+            <a:endCxn id="55" idx="4"/>
+          </p:cNvCxnSpPr>
+          <p:nvPr/>
+        </p:nvCxnSpPr>
+        <p:spPr>
+          <a:xfrm flipH="1" flipV="1">
+            <a:off x="8810683" y="3460402"/>
+            <a:ext cx="108612" cy="417587"/>
+          </a:xfrm>
+          <a:prstGeom prst="line">
+            <a:avLst/>
+          </a:prstGeom>
+        </p:spPr>
+        <p:style>
+          <a:lnRef idx="1">
+            <a:schemeClr val="dk1"/>
+          </a:lnRef>
+          <a:fillRef idx="0">
+            <a:schemeClr val="dk1"/>
+          </a:fillRef>
+          <a:effectRef idx="0">
+            <a:schemeClr val="dk1"/>
+          </a:effectRef>
+          <a:fontRef idx="minor">
+            <a:schemeClr val="tx1"/>
+          </a:fontRef>
+        </p:style>
+      </p:cxnSp>
+      <p:sp>
+        <p:nvSpPr>
+          <p:cNvPr id="59" name="Oval 58">
+            <a:extLst>
+              <a:ext uri="{FF2B5EF4-FFF2-40B4-BE49-F238E27FC236}">
+                <a16:creationId xmlns:a16="http://schemas.microsoft.com/office/drawing/2014/main" id="{FF465D5F-EE40-4CF1-B973-7087C70611E4}"/>
+              </a:ext>
+            </a:extLst>
+          </p:cNvPr>
+          <p:cNvSpPr/>
+          <p:nvPr/>
+        </p:nvSpPr>
+        <p:spPr>
+          <a:xfrm>
+            <a:off x="6869587" y="2676377"/>
+            <a:ext cx="730518" cy="730518"/>
+          </a:xfrm>
+          <a:prstGeom prst="ellipse">
+            <a:avLst/>
+          </a:prstGeom>
+          <a:noFill/>
+          <a:ln>
+            <a:solidFill>
+              <a:schemeClr val="tx1"/>
+            </a:solidFill>
+          </a:ln>
+        </p:spPr>
+        <p:style>
+          <a:lnRef idx="2">
+            <a:schemeClr val="accent1">
+              <a:shade val="50000"/>
+            </a:schemeClr>
+          </a:lnRef>
+          <a:fillRef idx="1">
+            <a:schemeClr val="accent1"/>
+          </a:fillRef>
+          <a:effectRef idx="0">
+            <a:schemeClr val="accent1"/>
+          </a:effectRef>
+          <a:fontRef idx="minor">
+            <a:schemeClr val="lt1"/>
+          </a:fontRef>
+        </p:style>
+        <p:txBody>
+          <a:bodyPr rtlCol="0" anchor="ctr"/>
+          <a:lstStyle/>
+          <a:p>
+            <a:pPr algn="ctr"/>
+            <a:r>
+              <a:rPr lang="en-US" sz="1600" dirty="0">
+                <a:solidFill>
+                  <a:schemeClr val="tx1"/>
+                </a:solidFill>
+              </a:rPr>
+              <a:t>A: 1</a:t>
+            </a:r>
+            <a:endParaRPr lang="en-PH" sz="1600" dirty="0">
+              <a:solidFill>
+                <a:schemeClr val="tx1"/>
+              </a:solidFill>
+            </a:endParaRPr>
+          </a:p>
+        </p:txBody>
+      </p:sp>
+      <p:sp>
+        <p:nvSpPr>
+          <p:cNvPr id="60" name="Oval 59">
+            <a:extLst>
+              <a:ext uri="{FF2B5EF4-FFF2-40B4-BE49-F238E27FC236}">
+                <a16:creationId xmlns:a16="http://schemas.microsoft.com/office/drawing/2014/main" id="{39C548D5-2D23-4238-82DF-921D2E3334F9}"/>
+              </a:ext>
+            </a:extLst>
+          </p:cNvPr>
+          <p:cNvSpPr/>
+          <p:nvPr/>
+        </p:nvSpPr>
+        <p:spPr>
+          <a:xfrm>
+            <a:off x="6269620" y="3680381"/>
+            <a:ext cx="741648" cy="741648"/>
+          </a:xfrm>
+          <a:prstGeom prst="ellipse">
+            <a:avLst/>
+          </a:prstGeom>
+          <a:noFill/>
+          <a:ln>
+            <a:solidFill>
+              <a:schemeClr val="tx1"/>
+            </a:solidFill>
+          </a:ln>
+        </p:spPr>
+        <p:style>
+          <a:lnRef idx="2">
+            <a:schemeClr val="accent1">
+              <a:shade val="50000"/>
+            </a:schemeClr>
+          </a:lnRef>
+          <a:fillRef idx="1">
+            <a:schemeClr val="accent1"/>
+          </a:fillRef>
+          <a:effectRef idx="0">
+            <a:schemeClr val="accent1"/>
+          </a:effectRef>
+          <a:fontRef idx="minor">
+            <a:schemeClr val="lt1"/>
+          </a:fontRef>
+        </p:style>
+        <p:txBody>
+          <a:bodyPr rtlCol="0" anchor="ctr"/>
+          <a:lstStyle/>
+          <a:p>
+            <a:pPr algn="ctr"/>
+            <a:r>
+              <a:rPr lang="en-US" sz="1600" dirty="0">
+                <a:solidFill>
+                  <a:schemeClr val="tx1"/>
+                </a:solidFill>
+              </a:rPr>
+              <a:t>E: 1</a:t>
+            </a:r>
+            <a:endParaRPr lang="en-PH" sz="1600" dirty="0">
+              <a:solidFill>
+                <a:schemeClr val="tx1"/>
+              </a:solidFill>
+            </a:endParaRPr>
+          </a:p>
+        </p:txBody>
+      </p:sp>
+      <p:sp>
+        <p:nvSpPr>
+          <p:cNvPr id="61" name="Oval 60">
+            <a:extLst>
+              <a:ext uri="{FF2B5EF4-FFF2-40B4-BE49-F238E27FC236}">
+                <a16:creationId xmlns:a16="http://schemas.microsoft.com/office/drawing/2014/main" id="{D370CE05-94D0-4DB6-BE29-980F92475FAA}"/>
+              </a:ext>
+            </a:extLst>
+          </p:cNvPr>
+          <p:cNvSpPr/>
+          <p:nvPr/>
+        </p:nvSpPr>
+        <p:spPr>
+          <a:xfrm>
+            <a:off x="5573505" y="4538710"/>
+            <a:ext cx="741648" cy="741648"/>
+          </a:xfrm>
+          <a:prstGeom prst="ellipse">
+            <a:avLst/>
+          </a:prstGeom>
+          <a:noFill/>
+          <a:ln>
+            <a:solidFill>
+              <a:schemeClr val="tx1"/>
+            </a:solidFill>
+          </a:ln>
+        </p:spPr>
+        <p:style>
+          <a:lnRef idx="2">
+            <a:schemeClr val="accent1">
+              <a:shade val="50000"/>
+            </a:schemeClr>
+          </a:lnRef>
+          <a:fillRef idx="1">
+            <a:schemeClr val="accent1"/>
+          </a:fillRef>
+          <a:effectRef idx="0">
+            <a:schemeClr val="accent1"/>
+          </a:effectRef>
+          <a:fontRef idx="minor">
+            <a:schemeClr val="lt1"/>
+          </a:fontRef>
+        </p:style>
+        <p:txBody>
+          <a:bodyPr rtlCol="0" anchor="ctr"/>
+          <a:lstStyle/>
+          <a:p>
+            <a:pPr algn="ctr"/>
+            <a:r>
+              <a:rPr lang="en-US" sz="1600" dirty="0">
+                <a:solidFill>
+                  <a:schemeClr val="tx1"/>
+                </a:solidFill>
+              </a:rPr>
+              <a:t>D: 1</a:t>
+            </a:r>
+            <a:endParaRPr lang="en-PH" sz="1600" dirty="0">
+              <a:solidFill>
+                <a:schemeClr val="tx1"/>
+              </a:solidFill>
+            </a:endParaRPr>
+          </a:p>
+        </p:txBody>
+      </p:sp>
+      <p:cxnSp>
+        <p:nvCxnSpPr>
+          <p:cNvPr id="62" name="Straight Connector 61">
+            <a:extLst>
+              <a:ext uri="{FF2B5EF4-FFF2-40B4-BE49-F238E27FC236}">
+                <a16:creationId xmlns:a16="http://schemas.microsoft.com/office/drawing/2014/main" id="{D5CBC4E2-B7D8-4BA4-91B1-1439F1E66A5D}"/>
+              </a:ext>
+            </a:extLst>
+          </p:cNvPr>
+          <p:cNvCxnSpPr>
+            <a:endCxn id="59" idx="7"/>
+          </p:cNvCxnSpPr>
+          <p:nvPr/>
+        </p:nvCxnSpPr>
+        <p:spPr>
+          <a:xfrm flipH="1">
+            <a:off x="7493123" y="2531487"/>
+            <a:ext cx="313701" cy="251872"/>
+          </a:xfrm>
+          <a:prstGeom prst="line">
+            <a:avLst/>
+          </a:prstGeom>
+        </p:spPr>
+        <p:style>
+          <a:lnRef idx="1">
+            <a:schemeClr val="dk1"/>
+          </a:lnRef>
+          <a:fillRef idx="0">
+            <a:schemeClr val="dk1"/>
+          </a:fillRef>
+          <a:effectRef idx="0">
+            <a:schemeClr val="dk1"/>
+          </a:effectRef>
+          <a:fontRef idx="minor">
+            <a:schemeClr val="tx1"/>
+          </a:fontRef>
+        </p:style>
+      </p:cxnSp>
+      <p:cxnSp>
+        <p:nvCxnSpPr>
+          <p:cNvPr id="63" name="Straight Connector 62">
+            <a:extLst>
+              <a:ext uri="{FF2B5EF4-FFF2-40B4-BE49-F238E27FC236}">
+                <a16:creationId xmlns:a16="http://schemas.microsoft.com/office/drawing/2014/main" id="{3671F84C-43EB-4E83-B34F-C5EA539A58EC}"/>
+              </a:ext>
+            </a:extLst>
+          </p:cNvPr>
+          <p:cNvCxnSpPr>
+            <a:cxnSpLocks/>
+            <a:endCxn id="59" idx="3"/>
+          </p:cNvCxnSpPr>
+          <p:nvPr/>
+        </p:nvCxnSpPr>
+        <p:spPr>
+          <a:xfrm flipV="1">
+            <a:off x="6763880" y="3299913"/>
+            <a:ext cx="212689" cy="380468"/>
+          </a:xfrm>
+          <a:prstGeom prst="line">
+            <a:avLst/>
+          </a:prstGeom>
+        </p:spPr>
+        <p:style>
+          <a:lnRef idx="1">
+            <a:schemeClr val="dk1"/>
+          </a:lnRef>
+          <a:fillRef idx="0">
+            <a:schemeClr val="dk1"/>
+          </a:fillRef>
+          <a:effectRef idx="0">
+            <a:schemeClr val="dk1"/>
+          </a:effectRef>
+          <a:fontRef idx="minor">
+            <a:schemeClr val="tx1"/>
+          </a:fontRef>
+        </p:style>
+      </p:cxnSp>
+      <p:cxnSp>
+        <p:nvCxnSpPr>
+          <p:cNvPr id="64" name="Straight Connector 63">
+            <a:extLst>
+              <a:ext uri="{FF2B5EF4-FFF2-40B4-BE49-F238E27FC236}">
+                <a16:creationId xmlns:a16="http://schemas.microsoft.com/office/drawing/2014/main" id="{61E9DF07-49B0-4931-B28A-3220297F1ADF}"/>
+              </a:ext>
+            </a:extLst>
+          </p:cNvPr>
+          <p:cNvCxnSpPr>
+            <a:cxnSpLocks/>
+            <a:stCxn id="61" idx="7"/>
+            <a:endCxn id="60" idx="3"/>
+          </p:cNvCxnSpPr>
+          <p:nvPr/>
+        </p:nvCxnSpPr>
+        <p:spPr>
+          <a:xfrm flipV="1">
+            <a:off x="6206541" y="4313417"/>
+            <a:ext cx="171691" cy="333905"/>
+          </a:xfrm>
+          <a:prstGeom prst="line">
+            <a:avLst/>
+          </a:prstGeom>
+        </p:spPr>
+        <p:style>
+          <a:lnRef idx="1">
+            <a:schemeClr val="dk1"/>
+          </a:lnRef>
+          <a:fillRef idx="0">
+            <a:schemeClr val="dk1"/>
+          </a:fillRef>
+          <a:effectRef idx="0">
+            <a:schemeClr val="dk1"/>
+          </a:effectRef>
+          <a:fontRef idx="minor">
+            <a:schemeClr val="tx1"/>
+          </a:fontRef>
+        </p:style>
+      </p:cxnSp>
+      <p:sp>
+        <p:nvSpPr>
+          <p:cNvPr id="65" name="Oval 64">
+            <a:extLst>
+              <a:ext uri="{FF2B5EF4-FFF2-40B4-BE49-F238E27FC236}">
+                <a16:creationId xmlns:a16="http://schemas.microsoft.com/office/drawing/2014/main" id="{6790BD35-3A48-4FA4-A1DD-25EAA7D259C1}"/>
+              </a:ext>
+            </a:extLst>
+          </p:cNvPr>
+          <p:cNvSpPr/>
+          <p:nvPr/>
+        </p:nvSpPr>
+        <p:spPr>
+          <a:xfrm>
+            <a:off x="7698212" y="1898452"/>
+            <a:ext cx="741647" cy="741647"/>
+          </a:xfrm>
+          <a:prstGeom prst="ellipse">
+            <a:avLst/>
+          </a:prstGeom>
+          <a:noFill/>
+          <a:ln>
+            <a:solidFill>
+              <a:srgbClr val="FF0000"/>
+            </a:solidFill>
+          </a:ln>
+        </p:spPr>
+        <p:style>
+          <a:lnRef idx="2">
+            <a:schemeClr val="accent1">
+              <a:shade val="50000"/>
+            </a:schemeClr>
+          </a:lnRef>
+          <a:fillRef idx="1">
+            <a:schemeClr val="accent1"/>
+          </a:fillRef>
+          <a:effectRef idx="0">
+            <a:schemeClr val="accent1"/>
+          </a:effectRef>
+          <a:fontRef idx="minor">
+            <a:schemeClr val="lt1"/>
+          </a:fontRef>
+        </p:style>
+        <p:txBody>
+          <a:bodyPr rtlCol="0" anchor="ctr"/>
+          <a:lstStyle/>
+          <a:p>
+            <a:pPr algn="ctr"/>
+            <a:r>
+              <a:rPr lang="en-US" sz="1600" dirty="0">
+                <a:solidFill>
+                  <a:schemeClr val="tx1"/>
+                </a:solidFill>
+              </a:rPr>
+              <a:t>B: 4</a:t>
+            </a:r>
+            <a:endParaRPr lang="en-PH" sz="1600" dirty="0">
+              <a:solidFill>
+                <a:schemeClr val="tx1"/>
+              </a:solidFill>
+            </a:endParaRPr>
+          </a:p>
+        </p:txBody>
+      </p:sp>
+      <p:sp>
+        <p:nvSpPr>
+          <p:cNvPr id="66" name="Oval 65">
+            <a:extLst>
+              <a:ext uri="{FF2B5EF4-FFF2-40B4-BE49-F238E27FC236}">
+                <a16:creationId xmlns:a16="http://schemas.microsoft.com/office/drawing/2014/main" id="{6790BD35-3A48-4FA4-A1DD-25EAA7D259C1}"/>
+              </a:ext>
+            </a:extLst>
+          </p:cNvPr>
+          <p:cNvSpPr/>
+          <p:nvPr/>
+        </p:nvSpPr>
+        <p:spPr>
+          <a:xfrm>
+            <a:off x="9366317" y="3251546"/>
+            <a:ext cx="741647" cy="741647"/>
+          </a:xfrm>
+          <a:prstGeom prst="ellipse">
+            <a:avLst/>
+          </a:prstGeom>
+          <a:noFill/>
+          <a:ln>
+            <a:solidFill>
+              <a:schemeClr val="tx1"/>
+            </a:solidFill>
+          </a:ln>
+        </p:spPr>
+        <p:style>
+          <a:lnRef idx="2">
+            <a:schemeClr val="accent1">
+              <a:shade val="50000"/>
+            </a:schemeClr>
+          </a:lnRef>
+          <a:fillRef idx="1">
+            <a:schemeClr val="accent1"/>
+          </a:fillRef>
+          <a:effectRef idx="0">
+            <a:schemeClr val="accent1"/>
+          </a:effectRef>
+          <a:fontRef idx="minor">
+            <a:schemeClr val="lt1"/>
+          </a:fontRef>
+        </p:style>
+        <p:txBody>
+          <a:bodyPr rtlCol="0" anchor="ctr"/>
+          <a:lstStyle/>
+          <a:p>
+            <a:pPr algn="ctr"/>
+            <a:r>
+              <a:rPr lang="en-US" sz="1600" dirty="0">
+                <a:solidFill>
+                  <a:schemeClr val="tx1"/>
+                </a:solidFill>
+              </a:rPr>
+              <a:t>A: 1</a:t>
+            </a:r>
+            <a:endParaRPr lang="en-PH" sz="1600" dirty="0">
+              <a:solidFill>
+                <a:schemeClr val="tx1"/>
+              </a:solidFill>
+            </a:endParaRPr>
+          </a:p>
+        </p:txBody>
+      </p:sp>
+      <p:sp>
+        <p:nvSpPr>
+          <p:cNvPr id="67" name="Oval 66">
+            <a:extLst>
+              <a:ext uri="{FF2B5EF4-FFF2-40B4-BE49-F238E27FC236}">
+                <a16:creationId xmlns:a16="http://schemas.microsoft.com/office/drawing/2014/main" id="{6790BD35-3A48-4FA4-A1DD-25EAA7D259C1}"/>
+              </a:ext>
+            </a:extLst>
+          </p:cNvPr>
+          <p:cNvSpPr/>
+          <p:nvPr/>
+        </p:nvSpPr>
+        <p:spPr>
+          <a:xfrm>
+            <a:off x="9737140" y="4313417"/>
+            <a:ext cx="741647" cy="741647"/>
+          </a:xfrm>
+          <a:prstGeom prst="ellipse">
+            <a:avLst/>
+          </a:prstGeom>
+          <a:noFill/>
+          <a:ln>
+            <a:solidFill>
+              <a:schemeClr val="tx1"/>
+            </a:solidFill>
+          </a:ln>
+        </p:spPr>
+        <p:style>
+          <a:lnRef idx="2">
+            <a:schemeClr val="accent1">
+              <a:shade val="50000"/>
+            </a:schemeClr>
+          </a:lnRef>
+          <a:fillRef idx="1">
+            <a:schemeClr val="accent1"/>
+          </a:fillRef>
+          <a:effectRef idx="0">
+            <a:schemeClr val="accent1"/>
+          </a:effectRef>
+          <a:fontRef idx="minor">
+            <a:schemeClr val="lt1"/>
+          </a:fontRef>
+        </p:style>
+        <p:txBody>
+          <a:bodyPr rtlCol="0" anchor="ctr"/>
+          <a:lstStyle/>
+          <a:p>
+            <a:pPr algn="ctr"/>
+            <a:r>
+              <a:rPr lang="en-US" sz="1600" dirty="0">
+                <a:solidFill>
+                  <a:schemeClr val="tx1"/>
+                </a:solidFill>
+              </a:rPr>
+              <a:t>E: 1</a:t>
+            </a:r>
+            <a:endParaRPr lang="en-PH" sz="1600" dirty="0">
+              <a:solidFill>
+                <a:schemeClr val="tx1"/>
+              </a:solidFill>
+            </a:endParaRPr>
+          </a:p>
+        </p:txBody>
+      </p:sp>
+      <p:cxnSp>
+        <p:nvCxnSpPr>
+          <p:cNvPr id="68" name="Straight Connector 67">
+            <a:extLst>
+              <a:ext uri="{FF2B5EF4-FFF2-40B4-BE49-F238E27FC236}">
+                <a16:creationId xmlns:a16="http://schemas.microsoft.com/office/drawing/2014/main" id="{D5CBC4E2-B7D8-4BA4-91B1-1439F1E66A5D}"/>
+              </a:ext>
+            </a:extLst>
+          </p:cNvPr>
+          <p:cNvCxnSpPr>
+            <a:stCxn id="66" idx="1"/>
+            <a:endCxn id="55" idx="6"/>
+          </p:cNvCxnSpPr>
+          <p:nvPr/>
+        </p:nvCxnSpPr>
+        <p:spPr>
+          <a:xfrm flipH="1" flipV="1">
+            <a:off x="9181506" y="3089579"/>
+            <a:ext cx="293423" cy="270579"/>
+          </a:xfrm>
+          <a:prstGeom prst="line">
+            <a:avLst/>
+          </a:prstGeom>
+        </p:spPr>
+        <p:style>
+          <a:lnRef idx="1">
+            <a:schemeClr val="dk1"/>
+          </a:lnRef>
+          <a:fillRef idx="0">
+            <a:schemeClr val="dk1"/>
+          </a:fillRef>
+          <a:effectRef idx="0">
+            <a:schemeClr val="dk1"/>
+          </a:effectRef>
+          <a:fontRef idx="minor">
+            <a:schemeClr val="tx1"/>
+          </a:fontRef>
+        </p:style>
+      </p:cxnSp>
+      <p:cxnSp>
+        <p:nvCxnSpPr>
+          <p:cNvPr id="69" name="Straight Connector 68">
+            <a:extLst>
+              <a:ext uri="{FF2B5EF4-FFF2-40B4-BE49-F238E27FC236}">
+                <a16:creationId xmlns:a16="http://schemas.microsoft.com/office/drawing/2014/main" id="{D5CBC4E2-B7D8-4BA4-91B1-1439F1E66A5D}"/>
+              </a:ext>
+            </a:extLst>
+          </p:cNvPr>
+          <p:cNvCxnSpPr>
+            <a:stCxn id="66" idx="5"/>
+            <a:endCxn id="67" idx="0"/>
+          </p:cNvCxnSpPr>
+          <p:nvPr/>
+        </p:nvCxnSpPr>
+        <p:spPr>
+          <a:xfrm>
+            <a:off x="9999352" y="3884581"/>
+            <a:ext cx="108612" cy="428836"/>
+          </a:xfrm>
+          <a:prstGeom prst="line">
+            <a:avLst/>
+          </a:prstGeom>
+        </p:spPr>
+        <p:style>
+          <a:lnRef idx="1">
+            <a:schemeClr val="dk1"/>
+          </a:lnRef>
+          <a:fillRef idx="0">
+            <a:schemeClr val="dk1"/>
+          </a:fillRef>
+          <a:effectRef idx="0">
+            <a:schemeClr val="dk1"/>
+          </a:effectRef>
+          <a:fontRef idx="minor">
+            <a:schemeClr val="tx1"/>
+          </a:fontRef>
+        </p:style>
+      </p:cxnSp>
+    </p:spTree>
+    <p:extLst>
+      <p:ext uri="{BB962C8B-B14F-4D97-AF65-F5344CB8AC3E}">
+        <p14:creationId xmlns:p14="http://schemas.microsoft.com/office/powerpoint/2010/main" val="3971249236"/>
+      </p:ext>
+    </p:extLst>
+  </p:cSld>
+  <p:clrMapOvr>
+    <a:masterClrMapping/>
+  </p:clrMapOvr>
+</p:sld>
+</file>
+
+<file path=ppt/slides/slide22.xml><?xml version="1.0" encoding="utf-8"?>
+<p:sld xmlns:a="http://schemas.openxmlformats.org/drawingml/2006/main" xmlns:r="http://schemas.openxmlformats.org/officeDocument/2006/relationships" xmlns:p="http://schemas.openxmlformats.org/presentationml/2006/main">
+  <p:cSld>
+    <p:spTree>
+      <p:nvGrpSpPr>
+        <p:cNvPr id="1" name=""/>
+        <p:cNvGrpSpPr/>
+        <p:nvPr/>
+      </p:nvGrpSpPr>
+      <p:grpSpPr>
+        <a:xfrm>
+          <a:off x="0" y="0"/>
+          <a:ext cx="0" cy="0"/>
+          <a:chOff x="0" y="0"/>
+          <a:chExt cx="0" cy="0"/>
+        </a:xfrm>
+      </p:grpSpPr>
+      <p:sp>
+        <p:nvSpPr>
+          <p:cNvPr id="4" name="TextBox 3"/>
+          <p:cNvSpPr txBox="1"/>
+          <p:nvPr/>
+        </p:nvSpPr>
+        <p:spPr>
+          <a:xfrm>
+            <a:off x="669520" y="838525"/>
+            <a:ext cx="10558668" cy="707886"/>
+          </a:xfrm>
+          <a:prstGeom prst="rect">
+            <a:avLst/>
+          </a:prstGeom>
+          <a:noFill/>
+        </p:spPr>
+        <p:txBody>
+          <a:bodyPr wrap="square" rtlCol="0">
+            <a:spAutoFit/>
+          </a:bodyPr>
+          <a:lstStyle/>
+          <a:p>
+            <a:r>
+              <a:rPr lang="en-US" sz="4000" b="1" dirty="0"/>
+              <a:t>3. Insert Transactions into the FP-Tree</a:t>
+            </a:r>
+          </a:p>
+        </p:txBody>
+      </p:sp>
+      <p:sp>
+        <p:nvSpPr>
+          <p:cNvPr id="11" name="TextBox 10">
+            <a:extLst>
+              <a:ext uri="{FF2B5EF4-FFF2-40B4-BE49-F238E27FC236}">
+                <a16:creationId xmlns:a16="http://schemas.microsoft.com/office/drawing/2014/main" id="{EF22747B-4BA2-49BB-8FCA-013B956D6605}"/>
+              </a:ext>
+            </a:extLst>
+          </p:cNvPr>
+          <p:cNvSpPr txBox="1"/>
+          <p:nvPr/>
+        </p:nvSpPr>
+        <p:spPr>
+          <a:xfrm>
+            <a:off x="821920" y="1752079"/>
             <a:ext cx="5600651" cy="1538883"/>
           </a:xfrm>
           <a:prstGeom prst="rect">
@@ -10549,7 +10796,7 @@
 </p:sld>
 </file>
 
-<file path=ppt/slides/slide22.xml><?xml version="1.0" encoding="utf-8"?>
+<file path=ppt/slides/slide23.xml><?xml version="1.0" encoding="utf-8"?>
 <p:sld xmlns:a="http://schemas.openxmlformats.org/drawingml/2006/main" xmlns:r="http://schemas.openxmlformats.org/officeDocument/2006/relationships" xmlns:p="http://schemas.openxmlformats.org/presentationml/2006/main">
   <p:cSld>
     <p:spTree>
@@ -12001,7 +12248,7 @@
 </p:sld>
 </file>
 
-<file path=ppt/slides/slide23.xml><?xml version="1.0" encoding="utf-8"?>
+<file path=ppt/slides/slide24.xml><?xml version="1.0" encoding="utf-8"?>
 <p:sld xmlns:a="http://schemas.openxmlformats.org/drawingml/2006/main" xmlns:r="http://schemas.openxmlformats.org/officeDocument/2006/relationships" xmlns:p="http://schemas.openxmlformats.org/presentationml/2006/main">
   <p:cSld>
     <p:spTree>
@@ -13370,7 +13617,7 @@
 </p:sld>
 </file>
 
-<file path=ppt/slides/slide24.xml><?xml version="1.0" encoding="utf-8"?>
+<file path=ppt/slides/slide25.xml><?xml version="1.0" encoding="utf-8"?>
 <p:sld xmlns:a="http://schemas.openxmlformats.org/drawingml/2006/main" xmlns:r="http://schemas.openxmlformats.org/officeDocument/2006/relationships" xmlns:p="http://schemas.openxmlformats.org/presentationml/2006/main">
   <p:cSld>
     <p:spTree>
@@ -14787,7 +15034,7 @@
 </p:sld>
 </file>
 
-<file path=ppt/slides/slide25.xml><?xml version="1.0" encoding="utf-8"?>
+<file path=ppt/slides/slide26.xml><?xml version="1.0" encoding="utf-8"?>
 <p:sld xmlns:a="http://schemas.openxmlformats.org/drawingml/2006/main" xmlns:r="http://schemas.openxmlformats.org/officeDocument/2006/relationships" xmlns:p="http://schemas.openxmlformats.org/presentationml/2006/main">
   <p:cSld>
     <p:spTree>
@@ -16247,7 +16494,7 @@
 </p:sld>
 </file>
 
-<file path=ppt/slides/slide26.xml><?xml version="1.0" encoding="utf-8"?>
+<file path=ppt/slides/slide27.xml><?xml version="1.0" encoding="utf-8"?>
 <p:sld xmlns:a="http://schemas.openxmlformats.org/drawingml/2006/main" xmlns:r="http://schemas.openxmlformats.org/officeDocument/2006/relationships" xmlns:p="http://schemas.openxmlformats.org/presentationml/2006/main">
   <p:cSld>
     <p:spTree>
@@ -17629,7 +17876,7 @@
 </p:sld>
 </file>
 
-<file path=ppt/slides/slide27.xml><?xml version="1.0" encoding="utf-8"?>
+<file path=ppt/slides/slide28.xml><?xml version="1.0" encoding="utf-8"?>
 <p:sld xmlns:a="http://schemas.openxmlformats.org/drawingml/2006/main" xmlns:r="http://schemas.openxmlformats.org/officeDocument/2006/relationships" xmlns:p="http://schemas.openxmlformats.org/presentationml/2006/main">
   <p:cSld>
     <p:spTree>
@@ -19045,7 +19292,7 @@
 </p:sld>
 </file>
 
-<file path=ppt/slides/slide28.xml><?xml version="1.0" encoding="utf-8"?>
+<file path=ppt/slides/slide29.xml><?xml version="1.0" encoding="utf-8"?>
 <p:sld xmlns:a="http://schemas.openxmlformats.org/drawingml/2006/main" xmlns:r="http://schemas.openxmlformats.org/officeDocument/2006/relationships" xmlns:p="http://schemas.openxmlformats.org/presentationml/2006/main">
   <p:cSld>
     <p:spTree>
@@ -20386,1330 +20633,6 @@
 </p:sld>
 </file>
 
-<file path=ppt/slides/slide29.xml><?xml version="1.0" encoding="utf-8"?>
-<p:sld xmlns:a="http://schemas.openxmlformats.org/drawingml/2006/main" xmlns:r="http://schemas.openxmlformats.org/officeDocument/2006/relationships" xmlns:p="http://schemas.openxmlformats.org/presentationml/2006/main">
-  <p:cSld>
-    <p:spTree>
-      <p:nvGrpSpPr>
-        <p:cNvPr id="1" name=""/>
-        <p:cNvGrpSpPr/>
-        <p:nvPr/>
-      </p:nvGrpSpPr>
-      <p:grpSpPr>
-        <a:xfrm>
-          <a:off x="0" y="0"/>
-          <a:ext cx="0" cy="0"/>
-          <a:chOff x="0" y="0"/>
-          <a:chExt cx="0" cy="0"/>
-        </a:xfrm>
-      </p:grpSpPr>
-      <p:sp>
-        <p:nvSpPr>
-          <p:cNvPr id="4" name="TextBox 3"/>
-          <p:cNvSpPr txBox="1"/>
-          <p:nvPr/>
-        </p:nvSpPr>
-        <p:spPr>
-          <a:xfrm>
-            <a:off x="669520" y="838525"/>
-            <a:ext cx="10558668" cy="707886"/>
-          </a:xfrm>
-          <a:prstGeom prst="rect">
-            <a:avLst/>
-          </a:prstGeom>
-          <a:noFill/>
-        </p:spPr>
-        <p:txBody>
-          <a:bodyPr wrap="square" rtlCol="0">
-            <a:spAutoFit/>
-          </a:bodyPr>
-          <a:lstStyle/>
-          <a:p>
-            <a:r>
-              <a:rPr lang="en-US" sz="4000" b="1" dirty="0"/>
-              <a:t>5.4 Mining the FP-Tree for Frequent Patterns</a:t>
-            </a:r>
-          </a:p>
-        </p:txBody>
-      </p:sp>
-      <p:sp>
-        <p:nvSpPr>
-          <p:cNvPr id="29" name="TextBox 28">
-            <a:extLst>
-              <a:ext uri="{FF2B5EF4-FFF2-40B4-BE49-F238E27FC236}">
-                <a16:creationId xmlns:a16="http://schemas.microsoft.com/office/drawing/2014/main" id="{DE6FFCD5-DA91-4170-905E-45E8EB9BEBE5}"/>
-              </a:ext>
-            </a:extLst>
-          </p:cNvPr>
-          <p:cNvSpPr txBox="1"/>
-          <p:nvPr/>
-        </p:nvSpPr>
-        <p:spPr>
-          <a:xfrm>
-            <a:off x="746727" y="1763740"/>
-            <a:ext cx="5600651" cy="3262432"/>
-          </a:xfrm>
-          <a:prstGeom prst="rect">
-            <a:avLst/>
-          </a:prstGeom>
-          <a:noFill/>
-        </p:spPr>
-        <p:txBody>
-          <a:bodyPr wrap="square" rtlCol="0">
-            <a:spAutoFit/>
-          </a:bodyPr>
-          <a:lstStyle/>
-          <a:p>
-            <a:r>
-              <a:rPr lang="en-US" sz="2000" b="1" dirty="0"/>
-              <a:t>Paths Leading to C Nodes:</a:t>
-            </a:r>
-          </a:p>
-          <a:p>
-            <a:endParaRPr lang="en-US" sz="900" b="1" dirty="0"/>
-          </a:p>
-          <a:p>
-            <a:pPr marL="457200" indent="-457200">
-              <a:buAutoNum type="arabicPeriod"/>
-            </a:pPr>
-            <a:r>
-              <a:rPr lang="en-US" sz="2000" dirty="0"/>
-              <a:t>Path 1 containing C:</a:t>
-            </a:r>
-          </a:p>
-          <a:p>
-            <a:r>
-              <a:rPr lang="en-US" sz="2000" dirty="0"/>
-              <a:t>      </a:t>
-            </a:r>
-            <a:r>
-              <a:rPr lang="en-US" dirty="0"/>
-              <a:t>- </a:t>
-            </a:r>
-            <a:r>
-              <a:rPr lang="en-US" b="1" dirty="0">
-                <a:solidFill>
-                  <a:srgbClr val="FF0000"/>
-                </a:solidFill>
-              </a:rPr>
-              <a:t>B </a:t>
-            </a:r>
-            <a:r>
-              <a:rPr lang="en-US" b="1" dirty="0">
-                <a:sym typeface="Wingdings" panose="05000000000000000000" pitchFamily="2" charset="2"/>
-              </a:rPr>
-              <a:t> </a:t>
-            </a:r>
-            <a:r>
-              <a:rPr lang="en-US" b="1" dirty="0">
-                <a:solidFill>
-                  <a:srgbClr val="7030A0"/>
-                </a:solidFill>
-                <a:sym typeface="Wingdings" panose="05000000000000000000" pitchFamily="2" charset="2"/>
-              </a:rPr>
-              <a:t>C </a:t>
-            </a:r>
-            <a:r>
-              <a:rPr lang="en-US" b="1" dirty="0">
-                <a:solidFill>
-                  <a:schemeClr val="bg1"/>
-                </a:solidFill>
-                <a:sym typeface="Wingdings" panose="05000000000000000000" pitchFamily="2" charset="2"/>
-              </a:rPr>
-              <a:t>(support count = 1)</a:t>
-            </a:r>
-          </a:p>
-          <a:p>
-            <a:endParaRPr lang="en-US" sz="800" b="1" dirty="0">
-              <a:sym typeface="Wingdings" panose="05000000000000000000" pitchFamily="2" charset="2"/>
-            </a:endParaRPr>
-          </a:p>
-          <a:p>
-            <a:r>
-              <a:rPr lang="en-US" sz="2000" dirty="0"/>
-              <a:t>2.   Path 2 containing C:</a:t>
-            </a:r>
-          </a:p>
-          <a:p>
-            <a:r>
-              <a:rPr lang="en-US" sz="2000" dirty="0"/>
-              <a:t>      </a:t>
-            </a:r>
-            <a:r>
-              <a:rPr lang="en-US" dirty="0"/>
-              <a:t>- </a:t>
-            </a:r>
-            <a:r>
-              <a:rPr lang="en-US" b="1" dirty="0">
-                <a:solidFill>
-                  <a:srgbClr val="FF0000"/>
-                </a:solidFill>
-              </a:rPr>
-              <a:t>Root</a:t>
-            </a:r>
-            <a:r>
-              <a:rPr lang="en-US" b="1" dirty="0">
-                <a:sym typeface="Wingdings" panose="05000000000000000000" pitchFamily="2" charset="2"/>
-              </a:rPr>
-              <a:t> </a:t>
-            </a:r>
-            <a:r>
-              <a:rPr lang="en-US" b="1" dirty="0">
-                <a:solidFill>
-                  <a:srgbClr val="FF0000"/>
-                </a:solidFill>
-                <a:sym typeface="Wingdings" panose="05000000000000000000" pitchFamily="2" charset="2"/>
-              </a:rPr>
-              <a:t>C</a:t>
-            </a:r>
-            <a:r>
-              <a:rPr lang="en-US" b="1" dirty="0">
-                <a:sym typeface="Wingdings" panose="05000000000000000000" pitchFamily="2" charset="2"/>
-              </a:rPr>
-              <a:t> </a:t>
-            </a:r>
-            <a:r>
-              <a:rPr lang="en-US" b="1" dirty="0">
-                <a:solidFill>
-                  <a:schemeClr val="bg1"/>
-                </a:solidFill>
-                <a:sym typeface="Wingdings" panose="05000000000000000000" pitchFamily="2" charset="2"/>
-              </a:rPr>
-              <a:t>(support count = 1)</a:t>
-            </a:r>
-          </a:p>
-          <a:p>
-            <a:endParaRPr lang="en-US" sz="800" b="1" dirty="0">
-              <a:sym typeface="Wingdings" panose="05000000000000000000" pitchFamily="2" charset="2"/>
-            </a:endParaRPr>
-          </a:p>
-          <a:p>
-            <a:endParaRPr lang="en-US" sz="1200" b="1" dirty="0">
-              <a:sym typeface="Wingdings" panose="05000000000000000000" pitchFamily="2" charset="2"/>
-            </a:endParaRPr>
-          </a:p>
-          <a:p>
-            <a:r>
-              <a:rPr lang="en-US" sz="2000" b="1" dirty="0"/>
-              <a:t>Sample Conditional Pattern Base on C:</a:t>
-            </a:r>
-          </a:p>
-          <a:p>
-            <a:endParaRPr lang="en-US" sz="900" b="1" dirty="0"/>
-          </a:p>
-          <a:p>
-            <a:r>
-              <a:rPr lang="en-US" sz="2000" dirty="0">
-                <a:solidFill>
-                  <a:srgbClr val="FF0000"/>
-                </a:solidFill>
-              </a:rPr>
-              <a:t>B </a:t>
-            </a:r>
-            <a:r>
-              <a:rPr lang="en-US" sz="2000" dirty="0"/>
-              <a:t>		</a:t>
-            </a:r>
-            <a:r>
-              <a:rPr lang="en-US" sz="2000" dirty="0">
-                <a:solidFill>
-                  <a:schemeClr val="bg1"/>
-                </a:solidFill>
-              </a:rPr>
-              <a:t>(3)</a:t>
-            </a:r>
-          </a:p>
-          <a:p>
-            <a:r>
-              <a:rPr lang="en-US" sz="2000" dirty="0">
-                <a:solidFill>
-                  <a:srgbClr val="FF0000"/>
-                </a:solidFill>
-              </a:rPr>
-              <a:t>C (root)</a:t>
-            </a:r>
-            <a:r>
-              <a:rPr lang="en-US" sz="2000" dirty="0"/>
-              <a:t>		</a:t>
-            </a:r>
-            <a:r>
-              <a:rPr lang="en-US" sz="2000" dirty="0">
-                <a:solidFill>
-                  <a:schemeClr val="bg1"/>
-                </a:solidFill>
-              </a:rPr>
-              <a:t>(1)</a:t>
-            </a:r>
-          </a:p>
-        </p:txBody>
-      </p:sp>
-      <p:sp>
-        <p:nvSpPr>
-          <p:cNvPr id="30" name="Oval 29">
-            <a:extLst>
-              <a:ext uri="{FF2B5EF4-FFF2-40B4-BE49-F238E27FC236}">
-                <a16:creationId xmlns:a16="http://schemas.microsoft.com/office/drawing/2014/main" id="{6790BD35-3A48-4FA4-A1DD-25EAA7D259C1}"/>
-              </a:ext>
-            </a:extLst>
-          </p:cNvPr>
-          <p:cNvSpPr/>
-          <p:nvPr/>
-        </p:nvSpPr>
-        <p:spPr>
-          <a:xfrm>
-            <a:off x="8439859" y="2718755"/>
-            <a:ext cx="741647" cy="741647"/>
-          </a:xfrm>
-          <a:prstGeom prst="ellipse">
-            <a:avLst/>
-          </a:prstGeom>
-          <a:noFill/>
-          <a:ln>
-            <a:solidFill>
-              <a:srgbClr val="7030A0"/>
-            </a:solidFill>
-          </a:ln>
-        </p:spPr>
-        <p:style>
-          <a:lnRef idx="2">
-            <a:schemeClr val="accent1">
-              <a:shade val="50000"/>
-            </a:schemeClr>
-          </a:lnRef>
-          <a:fillRef idx="1">
-            <a:schemeClr val="accent1"/>
-          </a:fillRef>
-          <a:effectRef idx="0">
-            <a:schemeClr val="accent1"/>
-          </a:effectRef>
-          <a:fontRef idx="minor">
-            <a:schemeClr val="lt1"/>
-          </a:fontRef>
-        </p:style>
-        <p:txBody>
-          <a:bodyPr rtlCol="0" anchor="ctr"/>
-          <a:lstStyle/>
-          <a:p>
-            <a:pPr algn="ctr"/>
-            <a:r>
-              <a:rPr lang="en-US" sz="1600" dirty="0">
-                <a:solidFill>
-                  <a:schemeClr val="tx1"/>
-                </a:solidFill>
-              </a:rPr>
-              <a:t>C: 3</a:t>
-            </a:r>
-            <a:endParaRPr lang="en-PH" sz="1600" dirty="0">
-              <a:solidFill>
-                <a:schemeClr val="tx1"/>
-              </a:solidFill>
-            </a:endParaRPr>
-          </a:p>
-        </p:txBody>
-      </p:sp>
-      <p:sp>
-        <p:nvSpPr>
-          <p:cNvPr id="31" name="Oval 30">
-            <a:extLst>
-              <a:ext uri="{FF2B5EF4-FFF2-40B4-BE49-F238E27FC236}">
-                <a16:creationId xmlns:a16="http://schemas.microsoft.com/office/drawing/2014/main" id="{6790BD35-3A48-4FA4-A1DD-25EAA7D259C1}"/>
-              </a:ext>
-            </a:extLst>
-          </p:cNvPr>
-          <p:cNvSpPr/>
-          <p:nvPr/>
-        </p:nvSpPr>
-        <p:spPr>
-          <a:xfrm>
-            <a:off x="8548471" y="3877989"/>
-            <a:ext cx="741647" cy="741647"/>
-          </a:xfrm>
-          <a:prstGeom prst="ellipse">
-            <a:avLst/>
-          </a:prstGeom>
-          <a:noFill/>
-          <a:ln>
-            <a:solidFill>
-              <a:schemeClr val="tx1"/>
-            </a:solidFill>
-          </a:ln>
-        </p:spPr>
-        <p:style>
-          <a:lnRef idx="2">
-            <a:schemeClr val="accent1">
-              <a:shade val="50000"/>
-            </a:schemeClr>
-          </a:lnRef>
-          <a:fillRef idx="1">
-            <a:schemeClr val="accent1"/>
-          </a:fillRef>
-          <a:effectRef idx="0">
-            <a:schemeClr val="accent1"/>
-          </a:effectRef>
-          <a:fontRef idx="minor">
-            <a:schemeClr val="lt1"/>
-          </a:fontRef>
-        </p:style>
-        <p:txBody>
-          <a:bodyPr rtlCol="0" anchor="ctr"/>
-          <a:lstStyle/>
-          <a:p>
-            <a:pPr algn="ctr"/>
-            <a:r>
-              <a:rPr lang="en-US" sz="1600" dirty="0">
-                <a:solidFill>
-                  <a:schemeClr val="tx1"/>
-                </a:solidFill>
-              </a:rPr>
-              <a:t>E: 1</a:t>
-            </a:r>
-            <a:endParaRPr lang="en-PH" sz="1600" dirty="0">
-              <a:solidFill>
-                <a:schemeClr val="tx1"/>
-              </a:solidFill>
-            </a:endParaRPr>
-          </a:p>
-        </p:txBody>
-      </p:sp>
-      <p:cxnSp>
-        <p:nvCxnSpPr>
-          <p:cNvPr id="32" name="Straight Connector 31">
-            <a:extLst>
-              <a:ext uri="{FF2B5EF4-FFF2-40B4-BE49-F238E27FC236}">
-                <a16:creationId xmlns:a16="http://schemas.microsoft.com/office/drawing/2014/main" id="{D5CBC4E2-B7D8-4BA4-91B1-1439F1E66A5D}"/>
-              </a:ext>
-            </a:extLst>
-          </p:cNvPr>
-          <p:cNvCxnSpPr>
-            <a:endCxn id="30" idx="1"/>
-          </p:cNvCxnSpPr>
-          <p:nvPr/>
-        </p:nvCxnSpPr>
-        <p:spPr>
-          <a:xfrm>
-            <a:off x="8331247" y="2531487"/>
-            <a:ext cx="217224" cy="295880"/>
-          </a:xfrm>
-          <a:prstGeom prst="line">
-            <a:avLst/>
-          </a:prstGeom>
-        </p:spPr>
-        <p:style>
-          <a:lnRef idx="1">
-            <a:schemeClr val="dk1"/>
-          </a:lnRef>
-          <a:fillRef idx="0">
-            <a:schemeClr val="dk1"/>
-          </a:fillRef>
-          <a:effectRef idx="0">
-            <a:schemeClr val="dk1"/>
-          </a:effectRef>
-          <a:fontRef idx="minor">
-            <a:schemeClr val="tx1"/>
-          </a:fontRef>
-        </p:style>
-      </p:cxnSp>
-      <p:cxnSp>
-        <p:nvCxnSpPr>
-          <p:cNvPr id="33" name="Straight Connector 32">
-            <a:extLst>
-              <a:ext uri="{FF2B5EF4-FFF2-40B4-BE49-F238E27FC236}">
-                <a16:creationId xmlns:a16="http://schemas.microsoft.com/office/drawing/2014/main" id="{D5CBC4E2-B7D8-4BA4-91B1-1439F1E66A5D}"/>
-              </a:ext>
-            </a:extLst>
-          </p:cNvPr>
-          <p:cNvCxnSpPr>
-            <a:stCxn id="31" idx="0"/>
-            <a:endCxn id="30" idx="4"/>
-          </p:cNvCxnSpPr>
-          <p:nvPr/>
-        </p:nvCxnSpPr>
-        <p:spPr>
-          <a:xfrm flipH="1" flipV="1">
-            <a:off x="8810683" y="3460402"/>
-            <a:ext cx="108612" cy="417587"/>
-          </a:xfrm>
-          <a:prstGeom prst="line">
-            <a:avLst/>
-          </a:prstGeom>
-        </p:spPr>
-        <p:style>
-          <a:lnRef idx="1">
-            <a:schemeClr val="dk1"/>
-          </a:lnRef>
-          <a:fillRef idx="0">
-            <a:schemeClr val="dk1"/>
-          </a:fillRef>
-          <a:effectRef idx="0">
-            <a:schemeClr val="dk1"/>
-          </a:effectRef>
-          <a:fontRef idx="minor">
-            <a:schemeClr val="tx1"/>
-          </a:fontRef>
-        </p:style>
-      </p:cxnSp>
-      <p:sp>
-        <p:nvSpPr>
-          <p:cNvPr id="34" name="Oval 33">
-            <a:extLst>
-              <a:ext uri="{FF2B5EF4-FFF2-40B4-BE49-F238E27FC236}">
-                <a16:creationId xmlns:a16="http://schemas.microsoft.com/office/drawing/2014/main" id="{FF465D5F-EE40-4CF1-B973-7087C70611E4}"/>
-              </a:ext>
-            </a:extLst>
-          </p:cNvPr>
-          <p:cNvSpPr/>
-          <p:nvPr/>
-        </p:nvSpPr>
-        <p:spPr>
-          <a:xfrm>
-            <a:off x="6869587" y="2676377"/>
-            <a:ext cx="730518" cy="730518"/>
-          </a:xfrm>
-          <a:prstGeom prst="ellipse">
-            <a:avLst/>
-          </a:prstGeom>
-          <a:noFill/>
-          <a:ln>
-            <a:solidFill>
-              <a:schemeClr val="tx1"/>
-            </a:solidFill>
-          </a:ln>
-        </p:spPr>
-        <p:style>
-          <a:lnRef idx="2">
-            <a:schemeClr val="accent1">
-              <a:shade val="50000"/>
-            </a:schemeClr>
-          </a:lnRef>
-          <a:fillRef idx="1">
-            <a:schemeClr val="accent1"/>
-          </a:fillRef>
-          <a:effectRef idx="0">
-            <a:schemeClr val="accent1"/>
-          </a:effectRef>
-          <a:fontRef idx="minor">
-            <a:schemeClr val="lt1"/>
-          </a:fontRef>
-        </p:style>
-        <p:txBody>
-          <a:bodyPr rtlCol="0" anchor="ctr"/>
-          <a:lstStyle/>
-          <a:p>
-            <a:pPr algn="ctr"/>
-            <a:r>
-              <a:rPr lang="en-US" sz="1600" dirty="0">
-                <a:solidFill>
-                  <a:schemeClr val="tx1"/>
-                </a:solidFill>
-              </a:rPr>
-              <a:t>A: 1</a:t>
-            </a:r>
-            <a:endParaRPr lang="en-PH" sz="1600" dirty="0">
-              <a:solidFill>
-                <a:schemeClr val="tx1"/>
-              </a:solidFill>
-            </a:endParaRPr>
-          </a:p>
-        </p:txBody>
-      </p:sp>
-      <p:sp>
-        <p:nvSpPr>
-          <p:cNvPr id="35" name="Oval 34">
-            <a:extLst>
-              <a:ext uri="{FF2B5EF4-FFF2-40B4-BE49-F238E27FC236}">
-                <a16:creationId xmlns:a16="http://schemas.microsoft.com/office/drawing/2014/main" id="{39C548D5-2D23-4238-82DF-921D2E3334F9}"/>
-              </a:ext>
-            </a:extLst>
-          </p:cNvPr>
-          <p:cNvSpPr/>
-          <p:nvPr/>
-        </p:nvSpPr>
-        <p:spPr>
-          <a:xfrm>
-            <a:off x="6269620" y="3680381"/>
-            <a:ext cx="741648" cy="741648"/>
-          </a:xfrm>
-          <a:prstGeom prst="ellipse">
-            <a:avLst/>
-          </a:prstGeom>
-          <a:noFill/>
-          <a:ln>
-            <a:solidFill>
-              <a:schemeClr val="tx1"/>
-            </a:solidFill>
-          </a:ln>
-        </p:spPr>
-        <p:style>
-          <a:lnRef idx="2">
-            <a:schemeClr val="accent1">
-              <a:shade val="50000"/>
-            </a:schemeClr>
-          </a:lnRef>
-          <a:fillRef idx="1">
-            <a:schemeClr val="accent1"/>
-          </a:fillRef>
-          <a:effectRef idx="0">
-            <a:schemeClr val="accent1"/>
-          </a:effectRef>
-          <a:fontRef idx="minor">
-            <a:schemeClr val="lt1"/>
-          </a:fontRef>
-        </p:style>
-        <p:txBody>
-          <a:bodyPr rtlCol="0" anchor="ctr"/>
-          <a:lstStyle/>
-          <a:p>
-            <a:pPr algn="ctr"/>
-            <a:r>
-              <a:rPr lang="en-US" sz="1600" dirty="0">
-                <a:solidFill>
-                  <a:schemeClr val="tx1"/>
-                </a:solidFill>
-              </a:rPr>
-              <a:t>E: 1</a:t>
-            </a:r>
-            <a:endParaRPr lang="en-PH" sz="1600" dirty="0">
-              <a:solidFill>
-                <a:schemeClr val="tx1"/>
-              </a:solidFill>
-            </a:endParaRPr>
-          </a:p>
-        </p:txBody>
-      </p:sp>
-      <p:sp>
-        <p:nvSpPr>
-          <p:cNvPr id="36" name="Oval 35">
-            <a:extLst>
-              <a:ext uri="{FF2B5EF4-FFF2-40B4-BE49-F238E27FC236}">
-                <a16:creationId xmlns:a16="http://schemas.microsoft.com/office/drawing/2014/main" id="{D370CE05-94D0-4DB6-BE29-980F92475FAA}"/>
-              </a:ext>
-            </a:extLst>
-          </p:cNvPr>
-          <p:cNvSpPr/>
-          <p:nvPr/>
-        </p:nvSpPr>
-        <p:spPr>
-          <a:xfrm>
-            <a:off x="5573505" y="4538710"/>
-            <a:ext cx="741648" cy="741648"/>
-          </a:xfrm>
-          <a:prstGeom prst="ellipse">
-            <a:avLst/>
-          </a:prstGeom>
-          <a:noFill/>
-          <a:ln>
-            <a:solidFill>
-              <a:schemeClr val="tx1"/>
-            </a:solidFill>
-          </a:ln>
-        </p:spPr>
-        <p:style>
-          <a:lnRef idx="2">
-            <a:schemeClr val="accent1">
-              <a:shade val="50000"/>
-            </a:schemeClr>
-          </a:lnRef>
-          <a:fillRef idx="1">
-            <a:schemeClr val="accent1"/>
-          </a:fillRef>
-          <a:effectRef idx="0">
-            <a:schemeClr val="accent1"/>
-          </a:effectRef>
-          <a:fontRef idx="minor">
-            <a:schemeClr val="lt1"/>
-          </a:fontRef>
-        </p:style>
-        <p:txBody>
-          <a:bodyPr rtlCol="0" anchor="ctr"/>
-          <a:lstStyle/>
-          <a:p>
-            <a:pPr algn="ctr"/>
-            <a:r>
-              <a:rPr lang="en-US" sz="1600" dirty="0">
-                <a:solidFill>
-                  <a:schemeClr val="tx1"/>
-                </a:solidFill>
-              </a:rPr>
-              <a:t>D: 1</a:t>
-            </a:r>
-            <a:endParaRPr lang="en-PH" sz="1600" dirty="0">
-              <a:solidFill>
-                <a:schemeClr val="tx1"/>
-              </a:solidFill>
-            </a:endParaRPr>
-          </a:p>
-        </p:txBody>
-      </p:sp>
-      <p:cxnSp>
-        <p:nvCxnSpPr>
-          <p:cNvPr id="37" name="Straight Connector 36">
-            <a:extLst>
-              <a:ext uri="{FF2B5EF4-FFF2-40B4-BE49-F238E27FC236}">
-                <a16:creationId xmlns:a16="http://schemas.microsoft.com/office/drawing/2014/main" id="{D5CBC4E2-B7D8-4BA4-91B1-1439F1E66A5D}"/>
-              </a:ext>
-            </a:extLst>
-          </p:cNvPr>
-          <p:cNvCxnSpPr>
-            <a:endCxn id="34" idx="7"/>
-          </p:cNvCxnSpPr>
-          <p:nvPr/>
-        </p:nvCxnSpPr>
-        <p:spPr>
-          <a:xfrm flipH="1">
-            <a:off x="7493123" y="2531487"/>
-            <a:ext cx="313701" cy="251872"/>
-          </a:xfrm>
-          <a:prstGeom prst="line">
-            <a:avLst/>
-          </a:prstGeom>
-        </p:spPr>
-        <p:style>
-          <a:lnRef idx="1">
-            <a:schemeClr val="dk1"/>
-          </a:lnRef>
-          <a:fillRef idx="0">
-            <a:schemeClr val="dk1"/>
-          </a:fillRef>
-          <a:effectRef idx="0">
-            <a:schemeClr val="dk1"/>
-          </a:effectRef>
-          <a:fontRef idx="minor">
-            <a:schemeClr val="tx1"/>
-          </a:fontRef>
-        </p:style>
-      </p:cxnSp>
-      <p:cxnSp>
-        <p:nvCxnSpPr>
-          <p:cNvPr id="38" name="Straight Connector 37">
-            <a:extLst>
-              <a:ext uri="{FF2B5EF4-FFF2-40B4-BE49-F238E27FC236}">
-                <a16:creationId xmlns:a16="http://schemas.microsoft.com/office/drawing/2014/main" id="{3671F84C-43EB-4E83-B34F-C5EA539A58EC}"/>
-              </a:ext>
-            </a:extLst>
-          </p:cNvPr>
-          <p:cNvCxnSpPr>
-            <a:cxnSpLocks/>
-            <a:endCxn id="34" idx="3"/>
-          </p:cNvCxnSpPr>
-          <p:nvPr/>
-        </p:nvCxnSpPr>
-        <p:spPr>
-          <a:xfrm flipV="1">
-            <a:off x="6763880" y="3299913"/>
-            <a:ext cx="212689" cy="380468"/>
-          </a:xfrm>
-          <a:prstGeom prst="line">
-            <a:avLst/>
-          </a:prstGeom>
-        </p:spPr>
-        <p:style>
-          <a:lnRef idx="1">
-            <a:schemeClr val="dk1"/>
-          </a:lnRef>
-          <a:fillRef idx="0">
-            <a:schemeClr val="dk1"/>
-          </a:fillRef>
-          <a:effectRef idx="0">
-            <a:schemeClr val="dk1"/>
-          </a:effectRef>
-          <a:fontRef idx="minor">
-            <a:schemeClr val="tx1"/>
-          </a:fontRef>
-        </p:style>
-      </p:cxnSp>
-      <p:cxnSp>
-        <p:nvCxnSpPr>
-          <p:cNvPr id="39" name="Straight Connector 38">
-            <a:extLst>
-              <a:ext uri="{FF2B5EF4-FFF2-40B4-BE49-F238E27FC236}">
-                <a16:creationId xmlns:a16="http://schemas.microsoft.com/office/drawing/2014/main" id="{61E9DF07-49B0-4931-B28A-3220297F1ADF}"/>
-              </a:ext>
-            </a:extLst>
-          </p:cNvPr>
-          <p:cNvCxnSpPr>
-            <a:cxnSpLocks/>
-            <a:stCxn id="36" idx="7"/>
-            <a:endCxn id="35" idx="3"/>
-          </p:cNvCxnSpPr>
-          <p:nvPr/>
-        </p:nvCxnSpPr>
-        <p:spPr>
-          <a:xfrm flipV="1">
-            <a:off x="6206541" y="4313417"/>
-            <a:ext cx="171691" cy="333905"/>
-          </a:xfrm>
-          <a:prstGeom prst="line">
-            <a:avLst/>
-          </a:prstGeom>
-        </p:spPr>
-        <p:style>
-          <a:lnRef idx="1">
-            <a:schemeClr val="dk1"/>
-          </a:lnRef>
-          <a:fillRef idx="0">
-            <a:schemeClr val="dk1"/>
-          </a:fillRef>
-          <a:effectRef idx="0">
-            <a:schemeClr val="dk1"/>
-          </a:effectRef>
-          <a:fontRef idx="minor">
-            <a:schemeClr val="tx1"/>
-          </a:fontRef>
-        </p:style>
-      </p:cxnSp>
-      <p:sp>
-        <p:nvSpPr>
-          <p:cNvPr id="40" name="Oval 39">
-            <a:extLst>
-              <a:ext uri="{FF2B5EF4-FFF2-40B4-BE49-F238E27FC236}">
-                <a16:creationId xmlns:a16="http://schemas.microsoft.com/office/drawing/2014/main" id="{6790BD35-3A48-4FA4-A1DD-25EAA7D259C1}"/>
-              </a:ext>
-            </a:extLst>
-          </p:cNvPr>
-          <p:cNvSpPr/>
-          <p:nvPr/>
-        </p:nvSpPr>
-        <p:spPr>
-          <a:xfrm>
-            <a:off x="7698212" y="1898452"/>
-            <a:ext cx="741647" cy="741647"/>
-          </a:xfrm>
-          <a:prstGeom prst="ellipse">
-            <a:avLst/>
-          </a:prstGeom>
-          <a:noFill/>
-          <a:ln>
-            <a:solidFill>
-              <a:srgbClr val="FF0000"/>
-            </a:solidFill>
-          </a:ln>
-        </p:spPr>
-        <p:style>
-          <a:lnRef idx="2">
-            <a:schemeClr val="accent1">
-              <a:shade val="50000"/>
-            </a:schemeClr>
-          </a:lnRef>
-          <a:fillRef idx="1">
-            <a:schemeClr val="accent1"/>
-          </a:fillRef>
-          <a:effectRef idx="0">
-            <a:schemeClr val="accent1"/>
-          </a:effectRef>
-          <a:fontRef idx="minor">
-            <a:schemeClr val="lt1"/>
-          </a:fontRef>
-        </p:style>
-        <p:txBody>
-          <a:bodyPr rtlCol="0" anchor="ctr"/>
-          <a:lstStyle/>
-          <a:p>
-            <a:pPr algn="ctr"/>
-            <a:r>
-              <a:rPr lang="en-US" sz="1600" dirty="0">
-                <a:solidFill>
-                  <a:schemeClr val="tx1"/>
-                </a:solidFill>
-              </a:rPr>
-              <a:t>B: 4</a:t>
-            </a:r>
-            <a:endParaRPr lang="en-PH" sz="1600" dirty="0">
-              <a:solidFill>
-                <a:schemeClr val="tx1"/>
-              </a:solidFill>
-            </a:endParaRPr>
-          </a:p>
-        </p:txBody>
-      </p:sp>
-      <p:sp>
-        <p:nvSpPr>
-          <p:cNvPr id="41" name="Oval 40">
-            <a:extLst>
-              <a:ext uri="{FF2B5EF4-FFF2-40B4-BE49-F238E27FC236}">
-                <a16:creationId xmlns:a16="http://schemas.microsoft.com/office/drawing/2014/main" id="{6790BD35-3A48-4FA4-A1DD-25EAA7D259C1}"/>
-              </a:ext>
-            </a:extLst>
-          </p:cNvPr>
-          <p:cNvSpPr/>
-          <p:nvPr/>
-        </p:nvSpPr>
-        <p:spPr>
-          <a:xfrm>
-            <a:off x="9366317" y="3251546"/>
-            <a:ext cx="741647" cy="741647"/>
-          </a:xfrm>
-          <a:prstGeom prst="ellipse">
-            <a:avLst/>
-          </a:prstGeom>
-          <a:noFill/>
-          <a:ln>
-            <a:solidFill>
-              <a:schemeClr val="tx1"/>
-            </a:solidFill>
-          </a:ln>
-        </p:spPr>
-        <p:style>
-          <a:lnRef idx="2">
-            <a:schemeClr val="accent1">
-              <a:shade val="50000"/>
-            </a:schemeClr>
-          </a:lnRef>
-          <a:fillRef idx="1">
-            <a:schemeClr val="accent1"/>
-          </a:fillRef>
-          <a:effectRef idx="0">
-            <a:schemeClr val="accent1"/>
-          </a:effectRef>
-          <a:fontRef idx="minor">
-            <a:schemeClr val="lt1"/>
-          </a:fontRef>
-        </p:style>
-        <p:txBody>
-          <a:bodyPr rtlCol="0" anchor="ctr"/>
-          <a:lstStyle/>
-          <a:p>
-            <a:pPr algn="ctr"/>
-            <a:r>
-              <a:rPr lang="en-US" sz="1600" dirty="0">
-                <a:solidFill>
-                  <a:schemeClr val="tx1"/>
-                </a:solidFill>
-              </a:rPr>
-              <a:t>A: 1</a:t>
-            </a:r>
-            <a:endParaRPr lang="en-PH" sz="1600" dirty="0">
-              <a:solidFill>
-                <a:schemeClr val="tx1"/>
-              </a:solidFill>
-            </a:endParaRPr>
-          </a:p>
-        </p:txBody>
-      </p:sp>
-      <p:sp>
-        <p:nvSpPr>
-          <p:cNvPr id="42" name="Oval 41">
-            <a:extLst>
-              <a:ext uri="{FF2B5EF4-FFF2-40B4-BE49-F238E27FC236}">
-                <a16:creationId xmlns:a16="http://schemas.microsoft.com/office/drawing/2014/main" id="{6790BD35-3A48-4FA4-A1DD-25EAA7D259C1}"/>
-              </a:ext>
-            </a:extLst>
-          </p:cNvPr>
-          <p:cNvSpPr/>
-          <p:nvPr/>
-        </p:nvSpPr>
-        <p:spPr>
-          <a:xfrm>
-            <a:off x="9737140" y="4313417"/>
-            <a:ext cx="741647" cy="741647"/>
-          </a:xfrm>
-          <a:prstGeom prst="ellipse">
-            <a:avLst/>
-          </a:prstGeom>
-          <a:noFill/>
-          <a:ln>
-            <a:solidFill>
-              <a:schemeClr val="tx1"/>
-            </a:solidFill>
-          </a:ln>
-        </p:spPr>
-        <p:style>
-          <a:lnRef idx="2">
-            <a:schemeClr val="accent1">
-              <a:shade val="50000"/>
-            </a:schemeClr>
-          </a:lnRef>
-          <a:fillRef idx="1">
-            <a:schemeClr val="accent1"/>
-          </a:fillRef>
-          <a:effectRef idx="0">
-            <a:schemeClr val="accent1"/>
-          </a:effectRef>
-          <a:fontRef idx="minor">
-            <a:schemeClr val="lt1"/>
-          </a:fontRef>
-        </p:style>
-        <p:txBody>
-          <a:bodyPr rtlCol="0" anchor="ctr"/>
-          <a:lstStyle/>
-          <a:p>
-            <a:pPr algn="ctr"/>
-            <a:r>
-              <a:rPr lang="en-US" sz="1600" dirty="0">
-                <a:solidFill>
-                  <a:schemeClr val="tx1"/>
-                </a:solidFill>
-              </a:rPr>
-              <a:t>E: 1</a:t>
-            </a:r>
-            <a:endParaRPr lang="en-PH" sz="1600" dirty="0">
-              <a:solidFill>
-                <a:schemeClr val="tx1"/>
-              </a:solidFill>
-            </a:endParaRPr>
-          </a:p>
-        </p:txBody>
-      </p:sp>
-      <p:cxnSp>
-        <p:nvCxnSpPr>
-          <p:cNvPr id="43" name="Straight Connector 42">
-            <a:extLst>
-              <a:ext uri="{FF2B5EF4-FFF2-40B4-BE49-F238E27FC236}">
-                <a16:creationId xmlns:a16="http://schemas.microsoft.com/office/drawing/2014/main" id="{D5CBC4E2-B7D8-4BA4-91B1-1439F1E66A5D}"/>
-              </a:ext>
-            </a:extLst>
-          </p:cNvPr>
-          <p:cNvCxnSpPr>
-            <a:stCxn id="41" idx="1"/>
-            <a:endCxn id="30" idx="6"/>
-          </p:cNvCxnSpPr>
-          <p:nvPr/>
-        </p:nvCxnSpPr>
-        <p:spPr>
-          <a:xfrm flipH="1" flipV="1">
-            <a:off x="9181506" y="3089579"/>
-            <a:ext cx="293423" cy="270579"/>
-          </a:xfrm>
-          <a:prstGeom prst="line">
-            <a:avLst/>
-          </a:prstGeom>
-        </p:spPr>
-        <p:style>
-          <a:lnRef idx="1">
-            <a:schemeClr val="dk1"/>
-          </a:lnRef>
-          <a:fillRef idx="0">
-            <a:schemeClr val="dk1"/>
-          </a:fillRef>
-          <a:effectRef idx="0">
-            <a:schemeClr val="dk1"/>
-          </a:effectRef>
-          <a:fontRef idx="minor">
-            <a:schemeClr val="tx1"/>
-          </a:fontRef>
-        </p:style>
-      </p:cxnSp>
-      <p:cxnSp>
-        <p:nvCxnSpPr>
-          <p:cNvPr id="44" name="Straight Connector 43">
-            <a:extLst>
-              <a:ext uri="{FF2B5EF4-FFF2-40B4-BE49-F238E27FC236}">
-                <a16:creationId xmlns:a16="http://schemas.microsoft.com/office/drawing/2014/main" id="{D5CBC4E2-B7D8-4BA4-91B1-1439F1E66A5D}"/>
-              </a:ext>
-            </a:extLst>
-          </p:cNvPr>
-          <p:cNvCxnSpPr>
-            <a:stCxn id="41" idx="5"/>
-            <a:endCxn id="42" idx="0"/>
-          </p:cNvCxnSpPr>
-          <p:nvPr/>
-        </p:nvCxnSpPr>
-        <p:spPr>
-          <a:xfrm>
-            <a:off x="9999352" y="3884581"/>
-            <a:ext cx="108612" cy="428836"/>
-          </a:xfrm>
-          <a:prstGeom prst="line">
-            <a:avLst/>
-          </a:prstGeom>
-        </p:spPr>
-        <p:style>
-          <a:lnRef idx="1">
-            <a:schemeClr val="dk1"/>
-          </a:lnRef>
-          <a:fillRef idx="0">
-            <a:schemeClr val="dk1"/>
-          </a:fillRef>
-          <a:effectRef idx="0">
-            <a:schemeClr val="dk1"/>
-          </a:effectRef>
-          <a:fontRef idx="minor">
-            <a:schemeClr val="tx1"/>
-          </a:fontRef>
-        </p:style>
-      </p:cxnSp>
-      <p:sp>
-        <p:nvSpPr>
-          <p:cNvPr id="45" name="Oval 44">
-            <a:extLst>
-              <a:ext uri="{FF2B5EF4-FFF2-40B4-BE49-F238E27FC236}">
-                <a16:creationId xmlns:a16="http://schemas.microsoft.com/office/drawing/2014/main" id="{6790BD35-3A48-4FA4-A1DD-25EAA7D259C1}"/>
-              </a:ext>
-            </a:extLst>
-          </p:cNvPr>
-          <p:cNvSpPr/>
-          <p:nvPr/>
-        </p:nvSpPr>
-        <p:spPr>
-          <a:xfrm>
-            <a:off x="10775494" y="1872852"/>
-            <a:ext cx="741647" cy="741647"/>
-          </a:xfrm>
-          <a:prstGeom prst="ellipse">
-            <a:avLst/>
-          </a:prstGeom>
-          <a:noFill/>
-          <a:ln>
-            <a:solidFill>
-              <a:srgbClr val="7030A0"/>
-            </a:solidFill>
-          </a:ln>
-        </p:spPr>
-        <p:style>
-          <a:lnRef idx="2">
-            <a:schemeClr val="accent1">
-              <a:shade val="50000"/>
-            </a:schemeClr>
-          </a:lnRef>
-          <a:fillRef idx="1">
-            <a:schemeClr val="accent1"/>
-          </a:fillRef>
-          <a:effectRef idx="0">
-            <a:schemeClr val="accent1"/>
-          </a:effectRef>
-          <a:fontRef idx="minor">
-            <a:schemeClr val="lt1"/>
-          </a:fontRef>
-        </p:style>
-        <p:txBody>
-          <a:bodyPr rtlCol="0" anchor="ctr"/>
-          <a:lstStyle/>
-          <a:p>
-            <a:pPr algn="ctr"/>
-            <a:r>
-              <a:rPr lang="en-US" sz="1600" dirty="0">
-                <a:solidFill>
-                  <a:schemeClr val="tx1"/>
-                </a:solidFill>
-              </a:rPr>
-              <a:t>C: 1</a:t>
-            </a:r>
-            <a:endParaRPr lang="en-PH" sz="1600" dirty="0">
-              <a:solidFill>
-                <a:schemeClr val="tx1"/>
-              </a:solidFill>
-            </a:endParaRPr>
-          </a:p>
-        </p:txBody>
-      </p:sp>
-      <p:sp>
-        <p:nvSpPr>
-          <p:cNvPr id="46" name="Oval 45">
-            <a:extLst>
-              <a:ext uri="{FF2B5EF4-FFF2-40B4-BE49-F238E27FC236}">
-                <a16:creationId xmlns:a16="http://schemas.microsoft.com/office/drawing/2014/main" id="{6790BD35-3A48-4FA4-A1DD-25EAA7D259C1}"/>
-              </a:ext>
-            </a:extLst>
-          </p:cNvPr>
-          <p:cNvSpPr/>
-          <p:nvPr/>
-        </p:nvSpPr>
-        <p:spPr>
-          <a:xfrm>
-            <a:off x="10775494" y="2941057"/>
-            <a:ext cx="741647" cy="741647"/>
-          </a:xfrm>
-          <a:prstGeom prst="ellipse">
-            <a:avLst/>
-          </a:prstGeom>
-          <a:noFill/>
-          <a:ln>
-            <a:solidFill>
-              <a:schemeClr val="tx1"/>
-            </a:solidFill>
-          </a:ln>
-        </p:spPr>
-        <p:style>
-          <a:lnRef idx="2">
-            <a:schemeClr val="accent1">
-              <a:shade val="50000"/>
-            </a:schemeClr>
-          </a:lnRef>
-          <a:fillRef idx="1">
-            <a:schemeClr val="accent1"/>
-          </a:fillRef>
-          <a:effectRef idx="0">
-            <a:schemeClr val="accent1"/>
-          </a:effectRef>
-          <a:fontRef idx="minor">
-            <a:schemeClr val="lt1"/>
-          </a:fontRef>
-        </p:style>
-        <p:txBody>
-          <a:bodyPr rtlCol="0" anchor="ctr"/>
-          <a:lstStyle/>
-          <a:p>
-            <a:pPr algn="ctr"/>
-            <a:r>
-              <a:rPr lang="en-US" sz="1600" dirty="0">
-                <a:solidFill>
-                  <a:schemeClr val="tx1"/>
-                </a:solidFill>
-              </a:rPr>
-              <a:t>A: 1</a:t>
-            </a:r>
-            <a:endParaRPr lang="en-PH" sz="1600" dirty="0">
-              <a:solidFill>
-                <a:schemeClr val="tx1"/>
-              </a:solidFill>
-            </a:endParaRPr>
-          </a:p>
-        </p:txBody>
-      </p:sp>
-      <p:sp>
-        <p:nvSpPr>
-          <p:cNvPr id="47" name="Oval 46">
-            <a:extLst>
-              <a:ext uri="{FF2B5EF4-FFF2-40B4-BE49-F238E27FC236}">
-                <a16:creationId xmlns:a16="http://schemas.microsoft.com/office/drawing/2014/main" id="{6790BD35-3A48-4FA4-A1DD-25EAA7D259C1}"/>
-              </a:ext>
-            </a:extLst>
-          </p:cNvPr>
-          <p:cNvSpPr/>
-          <p:nvPr/>
-        </p:nvSpPr>
-        <p:spPr>
-          <a:xfrm>
-            <a:off x="10775494" y="3993193"/>
-            <a:ext cx="741647" cy="741647"/>
-          </a:xfrm>
-          <a:prstGeom prst="ellipse">
-            <a:avLst/>
-          </a:prstGeom>
-          <a:noFill/>
-          <a:ln>
-            <a:solidFill>
-              <a:schemeClr val="tx1"/>
-            </a:solidFill>
-          </a:ln>
-        </p:spPr>
-        <p:style>
-          <a:lnRef idx="2">
-            <a:schemeClr val="accent1">
-              <a:shade val="50000"/>
-            </a:schemeClr>
-          </a:lnRef>
-          <a:fillRef idx="1">
-            <a:schemeClr val="accent1"/>
-          </a:fillRef>
-          <a:effectRef idx="0">
-            <a:schemeClr val="accent1"/>
-          </a:effectRef>
-          <a:fontRef idx="minor">
-            <a:schemeClr val="lt1"/>
-          </a:fontRef>
-        </p:style>
-        <p:txBody>
-          <a:bodyPr rtlCol="0" anchor="ctr"/>
-          <a:lstStyle/>
-          <a:p>
-            <a:pPr algn="ctr"/>
-            <a:r>
-              <a:rPr lang="en-US" sz="1600" dirty="0">
-                <a:solidFill>
-                  <a:schemeClr val="tx1"/>
-                </a:solidFill>
-              </a:rPr>
-              <a:t>D: 1</a:t>
-            </a:r>
-            <a:endParaRPr lang="en-PH" sz="1600" dirty="0">
-              <a:solidFill>
-                <a:schemeClr val="tx1"/>
-              </a:solidFill>
-            </a:endParaRPr>
-          </a:p>
-        </p:txBody>
-      </p:sp>
-      <p:cxnSp>
-        <p:nvCxnSpPr>
-          <p:cNvPr id="48" name="Straight Connector 47">
-            <a:extLst>
-              <a:ext uri="{FF2B5EF4-FFF2-40B4-BE49-F238E27FC236}">
-                <a16:creationId xmlns:a16="http://schemas.microsoft.com/office/drawing/2014/main" id="{D5CBC4E2-B7D8-4BA4-91B1-1439F1E66A5D}"/>
-              </a:ext>
-            </a:extLst>
-          </p:cNvPr>
-          <p:cNvCxnSpPr>
-            <a:stCxn id="46" idx="0"/>
-            <a:endCxn id="45" idx="4"/>
-          </p:cNvCxnSpPr>
-          <p:nvPr/>
-        </p:nvCxnSpPr>
-        <p:spPr>
-          <a:xfrm flipV="1">
-            <a:off x="11146318" y="2614499"/>
-            <a:ext cx="0" cy="326558"/>
-          </a:xfrm>
-          <a:prstGeom prst="line">
-            <a:avLst/>
-          </a:prstGeom>
-        </p:spPr>
-        <p:style>
-          <a:lnRef idx="1">
-            <a:schemeClr val="dk1"/>
-          </a:lnRef>
-          <a:fillRef idx="0">
-            <a:schemeClr val="dk1"/>
-          </a:fillRef>
-          <a:effectRef idx="0">
-            <a:schemeClr val="dk1"/>
-          </a:effectRef>
-          <a:fontRef idx="minor">
-            <a:schemeClr val="tx1"/>
-          </a:fontRef>
-        </p:style>
-      </p:cxnSp>
-      <p:cxnSp>
-        <p:nvCxnSpPr>
-          <p:cNvPr id="49" name="Straight Connector 48">
-            <a:extLst>
-              <a:ext uri="{FF2B5EF4-FFF2-40B4-BE49-F238E27FC236}">
-                <a16:creationId xmlns:a16="http://schemas.microsoft.com/office/drawing/2014/main" id="{D5CBC4E2-B7D8-4BA4-91B1-1439F1E66A5D}"/>
-              </a:ext>
-            </a:extLst>
-          </p:cNvPr>
-          <p:cNvCxnSpPr>
-            <a:stCxn id="47" idx="0"/>
-            <a:endCxn id="46" idx="4"/>
-          </p:cNvCxnSpPr>
-          <p:nvPr/>
-        </p:nvCxnSpPr>
-        <p:spPr>
-          <a:xfrm flipV="1">
-            <a:off x="11146318" y="3682704"/>
-            <a:ext cx="0" cy="310489"/>
-          </a:xfrm>
-          <a:prstGeom prst="line">
-            <a:avLst/>
-          </a:prstGeom>
-        </p:spPr>
-        <p:style>
-          <a:lnRef idx="1">
-            <a:schemeClr val="dk1"/>
-          </a:lnRef>
-          <a:fillRef idx="0">
-            <a:schemeClr val="dk1"/>
-          </a:fillRef>
-          <a:effectRef idx="0">
-            <a:schemeClr val="dk1"/>
-          </a:effectRef>
-          <a:fontRef idx="minor">
-            <a:schemeClr val="tx1"/>
-          </a:fontRef>
-        </p:style>
-      </p:cxnSp>
-    </p:spTree>
-    <p:extLst>
-      <p:ext uri="{BB962C8B-B14F-4D97-AF65-F5344CB8AC3E}">
-        <p14:creationId xmlns:p14="http://schemas.microsoft.com/office/powerpoint/2010/main" val="1498300316"/>
-      </p:ext>
-    </p:extLst>
-  </p:cSld>
-  <p:clrMapOvr>
-    <a:masterClrMapping/>
-  </p:clrMapOvr>
-</p:sld>
-</file>
-
 <file path=ppt/slides/slide3.xml><?xml version="1.0" encoding="utf-8"?>
 <p:sld xmlns:a="http://schemas.openxmlformats.org/drawingml/2006/main" xmlns:r="http://schemas.openxmlformats.org/officeDocument/2006/relationships" xmlns:p="http://schemas.openxmlformats.org/presentationml/2006/main">
   <p:cSld>
@@ -21812,6 +20735,1330 @@
 </file>
 
 <file path=ppt/slides/slide30.xml><?xml version="1.0" encoding="utf-8"?>
+<p:sld xmlns:a="http://schemas.openxmlformats.org/drawingml/2006/main" xmlns:r="http://schemas.openxmlformats.org/officeDocument/2006/relationships" xmlns:p="http://schemas.openxmlformats.org/presentationml/2006/main">
+  <p:cSld>
+    <p:spTree>
+      <p:nvGrpSpPr>
+        <p:cNvPr id="1" name=""/>
+        <p:cNvGrpSpPr/>
+        <p:nvPr/>
+      </p:nvGrpSpPr>
+      <p:grpSpPr>
+        <a:xfrm>
+          <a:off x="0" y="0"/>
+          <a:ext cx="0" cy="0"/>
+          <a:chOff x="0" y="0"/>
+          <a:chExt cx="0" cy="0"/>
+        </a:xfrm>
+      </p:grpSpPr>
+      <p:sp>
+        <p:nvSpPr>
+          <p:cNvPr id="4" name="TextBox 3"/>
+          <p:cNvSpPr txBox="1"/>
+          <p:nvPr/>
+        </p:nvSpPr>
+        <p:spPr>
+          <a:xfrm>
+            <a:off x="669520" y="838525"/>
+            <a:ext cx="10558668" cy="707886"/>
+          </a:xfrm>
+          <a:prstGeom prst="rect">
+            <a:avLst/>
+          </a:prstGeom>
+          <a:noFill/>
+        </p:spPr>
+        <p:txBody>
+          <a:bodyPr wrap="square" rtlCol="0">
+            <a:spAutoFit/>
+          </a:bodyPr>
+          <a:lstStyle/>
+          <a:p>
+            <a:r>
+              <a:rPr lang="en-US" sz="4000" b="1" dirty="0"/>
+              <a:t>5.4 Mining the FP-Tree for Frequent Patterns</a:t>
+            </a:r>
+          </a:p>
+        </p:txBody>
+      </p:sp>
+      <p:sp>
+        <p:nvSpPr>
+          <p:cNvPr id="29" name="TextBox 28">
+            <a:extLst>
+              <a:ext uri="{FF2B5EF4-FFF2-40B4-BE49-F238E27FC236}">
+                <a16:creationId xmlns:a16="http://schemas.microsoft.com/office/drawing/2014/main" id="{DE6FFCD5-DA91-4170-905E-45E8EB9BEBE5}"/>
+              </a:ext>
+            </a:extLst>
+          </p:cNvPr>
+          <p:cNvSpPr txBox="1"/>
+          <p:nvPr/>
+        </p:nvSpPr>
+        <p:spPr>
+          <a:xfrm>
+            <a:off x="746727" y="1763740"/>
+            <a:ext cx="5600651" cy="3262432"/>
+          </a:xfrm>
+          <a:prstGeom prst="rect">
+            <a:avLst/>
+          </a:prstGeom>
+          <a:noFill/>
+        </p:spPr>
+        <p:txBody>
+          <a:bodyPr wrap="square" rtlCol="0">
+            <a:spAutoFit/>
+          </a:bodyPr>
+          <a:lstStyle/>
+          <a:p>
+            <a:r>
+              <a:rPr lang="en-US" sz="2000" b="1" dirty="0"/>
+              <a:t>Paths Leading to C Nodes:</a:t>
+            </a:r>
+          </a:p>
+          <a:p>
+            <a:endParaRPr lang="en-US" sz="900" b="1" dirty="0"/>
+          </a:p>
+          <a:p>
+            <a:pPr marL="457200" indent="-457200">
+              <a:buAutoNum type="arabicPeriod"/>
+            </a:pPr>
+            <a:r>
+              <a:rPr lang="en-US" sz="2000" dirty="0"/>
+              <a:t>Path 1 containing C:</a:t>
+            </a:r>
+          </a:p>
+          <a:p>
+            <a:r>
+              <a:rPr lang="en-US" sz="2000" dirty="0"/>
+              <a:t>      </a:t>
+            </a:r>
+            <a:r>
+              <a:rPr lang="en-US" dirty="0"/>
+              <a:t>- </a:t>
+            </a:r>
+            <a:r>
+              <a:rPr lang="en-US" b="1" dirty="0">
+                <a:solidFill>
+                  <a:srgbClr val="FF0000"/>
+                </a:solidFill>
+              </a:rPr>
+              <a:t>B </a:t>
+            </a:r>
+            <a:r>
+              <a:rPr lang="en-US" b="1" dirty="0">
+                <a:sym typeface="Wingdings" panose="05000000000000000000" pitchFamily="2" charset="2"/>
+              </a:rPr>
+              <a:t> </a:t>
+            </a:r>
+            <a:r>
+              <a:rPr lang="en-US" b="1" dirty="0">
+                <a:solidFill>
+                  <a:srgbClr val="7030A0"/>
+                </a:solidFill>
+                <a:sym typeface="Wingdings" panose="05000000000000000000" pitchFamily="2" charset="2"/>
+              </a:rPr>
+              <a:t>C </a:t>
+            </a:r>
+            <a:r>
+              <a:rPr lang="en-US" b="1" dirty="0">
+                <a:solidFill>
+                  <a:schemeClr val="bg1"/>
+                </a:solidFill>
+                <a:sym typeface="Wingdings" panose="05000000000000000000" pitchFamily="2" charset="2"/>
+              </a:rPr>
+              <a:t>(support count = 1)</a:t>
+            </a:r>
+          </a:p>
+          <a:p>
+            <a:endParaRPr lang="en-US" sz="800" b="1" dirty="0">
+              <a:sym typeface="Wingdings" panose="05000000000000000000" pitchFamily="2" charset="2"/>
+            </a:endParaRPr>
+          </a:p>
+          <a:p>
+            <a:r>
+              <a:rPr lang="en-US" sz="2000" dirty="0"/>
+              <a:t>2.   Path 2 containing C:</a:t>
+            </a:r>
+          </a:p>
+          <a:p>
+            <a:r>
+              <a:rPr lang="en-US" sz="2000" dirty="0"/>
+              <a:t>      </a:t>
+            </a:r>
+            <a:r>
+              <a:rPr lang="en-US" dirty="0"/>
+              <a:t>- </a:t>
+            </a:r>
+            <a:r>
+              <a:rPr lang="en-US" b="1" dirty="0">
+                <a:solidFill>
+                  <a:srgbClr val="FF0000"/>
+                </a:solidFill>
+              </a:rPr>
+              <a:t>Root</a:t>
+            </a:r>
+            <a:r>
+              <a:rPr lang="en-US" b="1" dirty="0">
+                <a:sym typeface="Wingdings" panose="05000000000000000000" pitchFamily="2" charset="2"/>
+              </a:rPr>
+              <a:t> </a:t>
+            </a:r>
+            <a:r>
+              <a:rPr lang="en-US" b="1" dirty="0">
+                <a:solidFill>
+                  <a:srgbClr val="FF0000"/>
+                </a:solidFill>
+                <a:sym typeface="Wingdings" panose="05000000000000000000" pitchFamily="2" charset="2"/>
+              </a:rPr>
+              <a:t>C</a:t>
+            </a:r>
+            <a:r>
+              <a:rPr lang="en-US" b="1" dirty="0">
+                <a:sym typeface="Wingdings" panose="05000000000000000000" pitchFamily="2" charset="2"/>
+              </a:rPr>
+              <a:t> </a:t>
+            </a:r>
+            <a:r>
+              <a:rPr lang="en-US" b="1" dirty="0">
+                <a:solidFill>
+                  <a:schemeClr val="bg1"/>
+                </a:solidFill>
+                <a:sym typeface="Wingdings" panose="05000000000000000000" pitchFamily="2" charset="2"/>
+              </a:rPr>
+              <a:t>(support count = 1)</a:t>
+            </a:r>
+          </a:p>
+          <a:p>
+            <a:endParaRPr lang="en-US" sz="800" b="1" dirty="0">
+              <a:sym typeface="Wingdings" panose="05000000000000000000" pitchFamily="2" charset="2"/>
+            </a:endParaRPr>
+          </a:p>
+          <a:p>
+            <a:endParaRPr lang="en-US" sz="1200" b="1" dirty="0">
+              <a:sym typeface="Wingdings" panose="05000000000000000000" pitchFamily="2" charset="2"/>
+            </a:endParaRPr>
+          </a:p>
+          <a:p>
+            <a:r>
+              <a:rPr lang="en-US" sz="2000" b="1" dirty="0"/>
+              <a:t>Sample Conditional Pattern Base on C:</a:t>
+            </a:r>
+          </a:p>
+          <a:p>
+            <a:endParaRPr lang="en-US" sz="900" b="1" dirty="0"/>
+          </a:p>
+          <a:p>
+            <a:r>
+              <a:rPr lang="en-US" sz="2000" dirty="0">
+                <a:solidFill>
+                  <a:srgbClr val="FF0000"/>
+                </a:solidFill>
+              </a:rPr>
+              <a:t>B </a:t>
+            </a:r>
+            <a:r>
+              <a:rPr lang="en-US" sz="2000" dirty="0"/>
+              <a:t>		</a:t>
+            </a:r>
+            <a:r>
+              <a:rPr lang="en-US" sz="2000" dirty="0">
+                <a:solidFill>
+                  <a:schemeClr val="bg1"/>
+                </a:solidFill>
+              </a:rPr>
+              <a:t>(3)</a:t>
+            </a:r>
+          </a:p>
+          <a:p>
+            <a:r>
+              <a:rPr lang="en-US" sz="2000" dirty="0">
+                <a:solidFill>
+                  <a:srgbClr val="FF0000"/>
+                </a:solidFill>
+              </a:rPr>
+              <a:t>C (root)</a:t>
+            </a:r>
+            <a:r>
+              <a:rPr lang="en-US" sz="2000" dirty="0"/>
+              <a:t>		</a:t>
+            </a:r>
+            <a:r>
+              <a:rPr lang="en-US" sz="2000" dirty="0">
+                <a:solidFill>
+                  <a:schemeClr val="bg1"/>
+                </a:solidFill>
+              </a:rPr>
+              <a:t>(1)</a:t>
+            </a:r>
+          </a:p>
+        </p:txBody>
+      </p:sp>
+      <p:sp>
+        <p:nvSpPr>
+          <p:cNvPr id="30" name="Oval 29">
+            <a:extLst>
+              <a:ext uri="{FF2B5EF4-FFF2-40B4-BE49-F238E27FC236}">
+                <a16:creationId xmlns:a16="http://schemas.microsoft.com/office/drawing/2014/main" id="{6790BD35-3A48-4FA4-A1DD-25EAA7D259C1}"/>
+              </a:ext>
+            </a:extLst>
+          </p:cNvPr>
+          <p:cNvSpPr/>
+          <p:nvPr/>
+        </p:nvSpPr>
+        <p:spPr>
+          <a:xfrm>
+            <a:off x="8439859" y="2718755"/>
+            <a:ext cx="741647" cy="741647"/>
+          </a:xfrm>
+          <a:prstGeom prst="ellipse">
+            <a:avLst/>
+          </a:prstGeom>
+          <a:noFill/>
+          <a:ln>
+            <a:solidFill>
+              <a:srgbClr val="7030A0"/>
+            </a:solidFill>
+          </a:ln>
+        </p:spPr>
+        <p:style>
+          <a:lnRef idx="2">
+            <a:schemeClr val="accent1">
+              <a:shade val="50000"/>
+            </a:schemeClr>
+          </a:lnRef>
+          <a:fillRef idx="1">
+            <a:schemeClr val="accent1"/>
+          </a:fillRef>
+          <a:effectRef idx="0">
+            <a:schemeClr val="accent1"/>
+          </a:effectRef>
+          <a:fontRef idx="minor">
+            <a:schemeClr val="lt1"/>
+          </a:fontRef>
+        </p:style>
+        <p:txBody>
+          <a:bodyPr rtlCol="0" anchor="ctr"/>
+          <a:lstStyle/>
+          <a:p>
+            <a:pPr algn="ctr"/>
+            <a:r>
+              <a:rPr lang="en-US" sz="1600" dirty="0">
+                <a:solidFill>
+                  <a:schemeClr val="tx1"/>
+                </a:solidFill>
+              </a:rPr>
+              <a:t>C: 3</a:t>
+            </a:r>
+            <a:endParaRPr lang="en-PH" sz="1600" dirty="0">
+              <a:solidFill>
+                <a:schemeClr val="tx1"/>
+              </a:solidFill>
+            </a:endParaRPr>
+          </a:p>
+        </p:txBody>
+      </p:sp>
+      <p:sp>
+        <p:nvSpPr>
+          <p:cNvPr id="31" name="Oval 30">
+            <a:extLst>
+              <a:ext uri="{FF2B5EF4-FFF2-40B4-BE49-F238E27FC236}">
+                <a16:creationId xmlns:a16="http://schemas.microsoft.com/office/drawing/2014/main" id="{6790BD35-3A48-4FA4-A1DD-25EAA7D259C1}"/>
+              </a:ext>
+            </a:extLst>
+          </p:cNvPr>
+          <p:cNvSpPr/>
+          <p:nvPr/>
+        </p:nvSpPr>
+        <p:spPr>
+          <a:xfrm>
+            <a:off x="8548471" y="3877989"/>
+            <a:ext cx="741647" cy="741647"/>
+          </a:xfrm>
+          <a:prstGeom prst="ellipse">
+            <a:avLst/>
+          </a:prstGeom>
+          <a:noFill/>
+          <a:ln>
+            <a:solidFill>
+              <a:schemeClr val="tx1"/>
+            </a:solidFill>
+          </a:ln>
+        </p:spPr>
+        <p:style>
+          <a:lnRef idx="2">
+            <a:schemeClr val="accent1">
+              <a:shade val="50000"/>
+            </a:schemeClr>
+          </a:lnRef>
+          <a:fillRef idx="1">
+            <a:schemeClr val="accent1"/>
+          </a:fillRef>
+          <a:effectRef idx="0">
+            <a:schemeClr val="accent1"/>
+          </a:effectRef>
+          <a:fontRef idx="minor">
+            <a:schemeClr val="lt1"/>
+          </a:fontRef>
+        </p:style>
+        <p:txBody>
+          <a:bodyPr rtlCol="0" anchor="ctr"/>
+          <a:lstStyle/>
+          <a:p>
+            <a:pPr algn="ctr"/>
+            <a:r>
+              <a:rPr lang="en-US" sz="1600" dirty="0">
+                <a:solidFill>
+                  <a:schemeClr val="tx1"/>
+                </a:solidFill>
+              </a:rPr>
+              <a:t>E: 1</a:t>
+            </a:r>
+            <a:endParaRPr lang="en-PH" sz="1600" dirty="0">
+              <a:solidFill>
+                <a:schemeClr val="tx1"/>
+              </a:solidFill>
+            </a:endParaRPr>
+          </a:p>
+        </p:txBody>
+      </p:sp>
+      <p:cxnSp>
+        <p:nvCxnSpPr>
+          <p:cNvPr id="32" name="Straight Connector 31">
+            <a:extLst>
+              <a:ext uri="{FF2B5EF4-FFF2-40B4-BE49-F238E27FC236}">
+                <a16:creationId xmlns:a16="http://schemas.microsoft.com/office/drawing/2014/main" id="{D5CBC4E2-B7D8-4BA4-91B1-1439F1E66A5D}"/>
+              </a:ext>
+            </a:extLst>
+          </p:cNvPr>
+          <p:cNvCxnSpPr>
+            <a:endCxn id="30" idx="1"/>
+          </p:cNvCxnSpPr>
+          <p:nvPr/>
+        </p:nvCxnSpPr>
+        <p:spPr>
+          <a:xfrm>
+            <a:off x="8331247" y="2531487"/>
+            <a:ext cx="217224" cy="295880"/>
+          </a:xfrm>
+          <a:prstGeom prst="line">
+            <a:avLst/>
+          </a:prstGeom>
+        </p:spPr>
+        <p:style>
+          <a:lnRef idx="1">
+            <a:schemeClr val="dk1"/>
+          </a:lnRef>
+          <a:fillRef idx="0">
+            <a:schemeClr val="dk1"/>
+          </a:fillRef>
+          <a:effectRef idx="0">
+            <a:schemeClr val="dk1"/>
+          </a:effectRef>
+          <a:fontRef idx="minor">
+            <a:schemeClr val="tx1"/>
+          </a:fontRef>
+        </p:style>
+      </p:cxnSp>
+      <p:cxnSp>
+        <p:nvCxnSpPr>
+          <p:cNvPr id="33" name="Straight Connector 32">
+            <a:extLst>
+              <a:ext uri="{FF2B5EF4-FFF2-40B4-BE49-F238E27FC236}">
+                <a16:creationId xmlns:a16="http://schemas.microsoft.com/office/drawing/2014/main" id="{D5CBC4E2-B7D8-4BA4-91B1-1439F1E66A5D}"/>
+              </a:ext>
+            </a:extLst>
+          </p:cNvPr>
+          <p:cNvCxnSpPr>
+            <a:stCxn id="31" idx="0"/>
+            <a:endCxn id="30" idx="4"/>
+          </p:cNvCxnSpPr>
+          <p:nvPr/>
+        </p:nvCxnSpPr>
+        <p:spPr>
+          <a:xfrm flipH="1" flipV="1">
+            <a:off x="8810683" y="3460402"/>
+            <a:ext cx="108612" cy="417587"/>
+          </a:xfrm>
+          <a:prstGeom prst="line">
+            <a:avLst/>
+          </a:prstGeom>
+        </p:spPr>
+        <p:style>
+          <a:lnRef idx="1">
+            <a:schemeClr val="dk1"/>
+          </a:lnRef>
+          <a:fillRef idx="0">
+            <a:schemeClr val="dk1"/>
+          </a:fillRef>
+          <a:effectRef idx="0">
+            <a:schemeClr val="dk1"/>
+          </a:effectRef>
+          <a:fontRef idx="minor">
+            <a:schemeClr val="tx1"/>
+          </a:fontRef>
+        </p:style>
+      </p:cxnSp>
+      <p:sp>
+        <p:nvSpPr>
+          <p:cNvPr id="34" name="Oval 33">
+            <a:extLst>
+              <a:ext uri="{FF2B5EF4-FFF2-40B4-BE49-F238E27FC236}">
+                <a16:creationId xmlns:a16="http://schemas.microsoft.com/office/drawing/2014/main" id="{FF465D5F-EE40-4CF1-B973-7087C70611E4}"/>
+              </a:ext>
+            </a:extLst>
+          </p:cNvPr>
+          <p:cNvSpPr/>
+          <p:nvPr/>
+        </p:nvSpPr>
+        <p:spPr>
+          <a:xfrm>
+            <a:off x="6869587" y="2676377"/>
+            <a:ext cx="730518" cy="730518"/>
+          </a:xfrm>
+          <a:prstGeom prst="ellipse">
+            <a:avLst/>
+          </a:prstGeom>
+          <a:noFill/>
+          <a:ln>
+            <a:solidFill>
+              <a:schemeClr val="tx1"/>
+            </a:solidFill>
+          </a:ln>
+        </p:spPr>
+        <p:style>
+          <a:lnRef idx="2">
+            <a:schemeClr val="accent1">
+              <a:shade val="50000"/>
+            </a:schemeClr>
+          </a:lnRef>
+          <a:fillRef idx="1">
+            <a:schemeClr val="accent1"/>
+          </a:fillRef>
+          <a:effectRef idx="0">
+            <a:schemeClr val="accent1"/>
+          </a:effectRef>
+          <a:fontRef idx="minor">
+            <a:schemeClr val="lt1"/>
+          </a:fontRef>
+        </p:style>
+        <p:txBody>
+          <a:bodyPr rtlCol="0" anchor="ctr"/>
+          <a:lstStyle/>
+          <a:p>
+            <a:pPr algn="ctr"/>
+            <a:r>
+              <a:rPr lang="en-US" sz="1600" dirty="0">
+                <a:solidFill>
+                  <a:schemeClr val="tx1"/>
+                </a:solidFill>
+              </a:rPr>
+              <a:t>A: 1</a:t>
+            </a:r>
+            <a:endParaRPr lang="en-PH" sz="1600" dirty="0">
+              <a:solidFill>
+                <a:schemeClr val="tx1"/>
+              </a:solidFill>
+            </a:endParaRPr>
+          </a:p>
+        </p:txBody>
+      </p:sp>
+      <p:sp>
+        <p:nvSpPr>
+          <p:cNvPr id="35" name="Oval 34">
+            <a:extLst>
+              <a:ext uri="{FF2B5EF4-FFF2-40B4-BE49-F238E27FC236}">
+                <a16:creationId xmlns:a16="http://schemas.microsoft.com/office/drawing/2014/main" id="{39C548D5-2D23-4238-82DF-921D2E3334F9}"/>
+              </a:ext>
+            </a:extLst>
+          </p:cNvPr>
+          <p:cNvSpPr/>
+          <p:nvPr/>
+        </p:nvSpPr>
+        <p:spPr>
+          <a:xfrm>
+            <a:off x="6269620" y="3680381"/>
+            <a:ext cx="741648" cy="741648"/>
+          </a:xfrm>
+          <a:prstGeom prst="ellipse">
+            <a:avLst/>
+          </a:prstGeom>
+          <a:noFill/>
+          <a:ln>
+            <a:solidFill>
+              <a:schemeClr val="tx1"/>
+            </a:solidFill>
+          </a:ln>
+        </p:spPr>
+        <p:style>
+          <a:lnRef idx="2">
+            <a:schemeClr val="accent1">
+              <a:shade val="50000"/>
+            </a:schemeClr>
+          </a:lnRef>
+          <a:fillRef idx="1">
+            <a:schemeClr val="accent1"/>
+          </a:fillRef>
+          <a:effectRef idx="0">
+            <a:schemeClr val="accent1"/>
+          </a:effectRef>
+          <a:fontRef idx="minor">
+            <a:schemeClr val="lt1"/>
+          </a:fontRef>
+        </p:style>
+        <p:txBody>
+          <a:bodyPr rtlCol="0" anchor="ctr"/>
+          <a:lstStyle/>
+          <a:p>
+            <a:pPr algn="ctr"/>
+            <a:r>
+              <a:rPr lang="en-US" sz="1600" dirty="0">
+                <a:solidFill>
+                  <a:schemeClr val="tx1"/>
+                </a:solidFill>
+              </a:rPr>
+              <a:t>E: 1</a:t>
+            </a:r>
+            <a:endParaRPr lang="en-PH" sz="1600" dirty="0">
+              <a:solidFill>
+                <a:schemeClr val="tx1"/>
+              </a:solidFill>
+            </a:endParaRPr>
+          </a:p>
+        </p:txBody>
+      </p:sp>
+      <p:sp>
+        <p:nvSpPr>
+          <p:cNvPr id="36" name="Oval 35">
+            <a:extLst>
+              <a:ext uri="{FF2B5EF4-FFF2-40B4-BE49-F238E27FC236}">
+                <a16:creationId xmlns:a16="http://schemas.microsoft.com/office/drawing/2014/main" id="{D370CE05-94D0-4DB6-BE29-980F92475FAA}"/>
+              </a:ext>
+            </a:extLst>
+          </p:cNvPr>
+          <p:cNvSpPr/>
+          <p:nvPr/>
+        </p:nvSpPr>
+        <p:spPr>
+          <a:xfrm>
+            <a:off x="5573505" y="4538710"/>
+            <a:ext cx="741648" cy="741648"/>
+          </a:xfrm>
+          <a:prstGeom prst="ellipse">
+            <a:avLst/>
+          </a:prstGeom>
+          <a:noFill/>
+          <a:ln>
+            <a:solidFill>
+              <a:schemeClr val="tx1"/>
+            </a:solidFill>
+          </a:ln>
+        </p:spPr>
+        <p:style>
+          <a:lnRef idx="2">
+            <a:schemeClr val="accent1">
+              <a:shade val="50000"/>
+            </a:schemeClr>
+          </a:lnRef>
+          <a:fillRef idx="1">
+            <a:schemeClr val="accent1"/>
+          </a:fillRef>
+          <a:effectRef idx="0">
+            <a:schemeClr val="accent1"/>
+          </a:effectRef>
+          <a:fontRef idx="minor">
+            <a:schemeClr val="lt1"/>
+          </a:fontRef>
+        </p:style>
+        <p:txBody>
+          <a:bodyPr rtlCol="0" anchor="ctr"/>
+          <a:lstStyle/>
+          <a:p>
+            <a:pPr algn="ctr"/>
+            <a:r>
+              <a:rPr lang="en-US" sz="1600" dirty="0">
+                <a:solidFill>
+                  <a:schemeClr val="tx1"/>
+                </a:solidFill>
+              </a:rPr>
+              <a:t>D: 1</a:t>
+            </a:r>
+            <a:endParaRPr lang="en-PH" sz="1600" dirty="0">
+              <a:solidFill>
+                <a:schemeClr val="tx1"/>
+              </a:solidFill>
+            </a:endParaRPr>
+          </a:p>
+        </p:txBody>
+      </p:sp>
+      <p:cxnSp>
+        <p:nvCxnSpPr>
+          <p:cNvPr id="37" name="Straight Connector 36">
+            <a:extLst>
+              <a:ext uri="{FF2B5EF4-FFF2-40B4-BE49-F238E27FC236}">
+                <a16:creationId xmlns:a16="http://schemas.microsoft.com/office/drawing/2014/main" id="{D5CBC4E2-B7D8-4BA4-91B1-1439F1E66A5D}"/>
+              </a:ext>
+            </a:extLst>
+          </p:cNvPr>
+          <p:cNvCxnSpPr>
+            <a:endCxn id="34" idx="7"/>
+          </p:cNvCxnSpPr>
+          <p:nvPr/>
+        </p:nvCxnSpPr>
+        <p:spPr>
+          <a:xfrm flipH="1">
+            <a:off x="7493123" y="2531487"/>
+            <a:ext cx="313701" cy="251872"/>
+          </a:xfrm>
+          <a:prstGeom prst="line">
+            <a:avLst/>
+          </a:prstGeom>
+        </p:spPr>
+        <p:style>
+          <a:lnRef idx="1">
+            <a:schemeClr val="dk1"/>
+          </a:lnRef>
+          <a:fillRef idx="0">
+            <a:schemeClr val="dk1"/>
+          </a:fillRef>
+          <a:effectRef idx="0">
+            <a:schemeClr val="dk1"/>
+          </a:effectRef>
+          <a:fontRef idx="minor">
+            <a:schemeClr val="tx1"/>
+          </a:fontRef>
+        </p:style>
+      </p:cxnSp>
+      <p:cxnSp>
+        <p:nvCxnSpPr>
+          <p:cNvPr id="38" name="Straight Connector 37">
+            <a:extLst>
+              <a:ext uri="{FF2B5EF4-FFF2-40B4-BE49-F238E27FC236}">
+                <a16:creationId xmlns:a16="http://schemas.microsoft.com/office/drawing/2014/main" id="{3671F84C-43EB-4E83-B34F-C5EA539A58EC}"/>
+              </a:ext>
+            </a:extLst>
+          </p:cNvPr>
+          <p:cNvCxnSpPr>
+            <a:cxnSpLocks/>
+            <a:endCxn id="34" idx="3"/>
+          </p:cNvCxnSpPr>
+          <p:nvPr/>
+        </p:nvCxnSpPr>
+        <p:spPr>
+          <a:xfrm flipV="1">
+            <a:off x="6763880" y="3299913"/>
+            <a:ext cx="212689" cy="380468"/>
+          </a:xfrm>
+          <a:prstGeom prst="line">
+            <a:avLst/>
+          </a:prstGeom>
+        </p:spPr>
+        <p:style>
+          <a:lnRef idx="1">
+            <a:schemeClr val="dk1"/>
+          </a:lnRef>
+          <a:fillRef idx="0">
+            <a:schemeClr val="dk1"/>
+          </a:fillRef>
+          <a:effectRef idx="0">
+            <a:schemeClr val="dk1"/>
+          </a:effectRef>
+          <a:fontRef idx="minor">
+            <a:schemeClr val="tx1"/>
+          </a:fontRef>
+        </p:style>
+      </p:cxnSp>
+      <p:cxnSp>
+        <p:nvCxnSpPr>
+          <p:cNvPr id="39" name="Straight Connector 38">
+            <a:extLst>
+              <a:ext uri="{FF2B5EF4-FFF2-40B4-BE49-F238E27FC236}">
+                <a16:creationId xmlns:a16="http://schemas.microsoft.com/office/drawing/2014/main" id="{61E9DF07-49B0-4931-B28A-3220297F1ADF}"/>
+              </a:ext>
+            </a:extLst>
+          </p:cNvPr>
+          <p:cNvCxnSpPr>
+            <a:cxnSpLocks/>
+            <a:stCxn id="36" idx="7"/>
+            <a:endCxn id="35" idx="3"/>
+          </p:cNvCxnSpPr>
+          <p:nvPr/>
+        </p:nvCxnSpPr>
+        <p:spPr>
+          <a:xfrm flipV="1">
+            <a:off x="6206541" y="4313417"/>
+            <a:ext cx="171691" cy="333905"/>
+          </a:xfrm>
+          <a:prstGeom prst="line">
+            <a:avLst/>
+          </a:prstGeom>
+        </p:spPr>
+        <p:style>
+          <a:lnRef idx="1">
+            <a:schemeClr val="dk1"/>
+          </a:lnRef>
+          <a:fillRef idx="0">
+            <a:schemeClr val="dk1"/>
+          </a:fillRef>
+          <a:effectRef idx="0">
+            <a:schemeClr val="dk1"/>
+          </a:effectRef>
+          <a:fontRef idx="minor">
+            <a:schemeClr val="tx1"/>
+          </a:fontRef>
+        </p:style>
+      </p:cxnSp>
+      <p:sp>
+        <p:nvSpPr>
+          <p:cNvPr id="40" name="Oval 39">
+            <a:extLst>
+              <a:ext uri="{FF2B5EF4-FFF2-40B4-BE49-F238E27FC236}">
+                <a16:creationId xmlns:a16="http://schemas.microsoft.com/office/drawing/2014/main" id="{6790BD35-3A48-4FA4-A1DD-25EAA7D259C1}"/>
+              </a:ext>
+            </a:extLst>
+          </p:cNvPr>
+          <p:cNvSpPr/>
+          <p:nvPr/>
+        </p:nvSpPr>
+        <p:spPr>
+          <a:xfrm>
+            <a:off x="7698212" y="1898452"/>
+            <a:ext cx="741647" cy="741647"/>
+          </a:xfrm>
+          <a:prstGeom prst="ellipse">
+            <a:avLst/>
+          </a:prstGeom>
+          <a:noFill/>
+          <a:ln>
+            <a:solidFill>
+              <a:srgbClr val="FF0000"/>
+            </a:solidFill>
+          </a:ln>
+        </p:spPr>
+        <p:style>
+          <a:lnRef idx="2">
+            <a:schemeClr val="accent1">
+              <a:shade val="50000"/>
+            </a:schemeClr>
+          </a:lnRef>
+          <a:fillRef idx="1">
+            <a:schemeClr val="accent1"/>
+          </a:fillRef>
+          <a:effectRef idx="0">
+            <a:schemeClr val="accent1"/>
+          </a:effectRef>
+          <a:fontRef idx="minor">
+            <a:schemeClr val="lt1"/>
+          </a:fontRef>
+        </p:style>
+        <p:txBody>
+          <a:bodyPr rtlCol="0" anchor="ctr"/>
+          <a:lstStyle/>
+          <a:p>
+            <a:pPr algn="ctr"/>
+            <a:r>
+              <a:rPr lang="en-US" sz="1600" dirty="0">
+                <a:solidFill>
+                  <a:schemeClr val="tx1"/>
+                </a:solidFill>
+              </a:rPr>
+              <a:t>B: 4</a:t>
+            </a:r>
+            <a:endParaRPr lang="en-PH" sz="1600" dirty="0">
+              <a:solidFill>
+                <a:schemeClr val="tx1"/>
+              </a:solidFill>
+            </a:endParaRPr>
+          </a:p>
+        </p:txBody>
+      </p:sp>
+      <p:sp>
+        <p:nvSpPr>
+          <p:cNvPr id="41" name="Oval 40">
+            <a:extLst>
+              <a:ext uri="{FF2B5EF4-FFF2-40B4-BE49-F238E27FC236}">
+                <a16:creationId xmlns:a16="http://schemas.microsoft.com/office/drawing/2014/main" id="{6790BD35-3A48-4FA4-A1DD-25EAA7D259C1}"/>
+              </a:ext>
+            </a:extLst>
+          </p:cNvPr>
+          <p:cNvSpPr/>
+          <p:nvPr/>
+        </p:nvSpPr>
+        <p:spPr>
+          <a:xfrm>
+            <a:off x="9366317" y="3251546"/>
+            <a:ext cx="741647" cy="741647"/>
+          </a:xfrm>
+          <a:prstGeom prst="ellipse">
+            <a:avLst/>
+          </a:prstGeom>
+          <a:noFill/>
+          <a:ln>
+            <a:solidFill>
+              <a:schemeClr val="tx1"/>
+            </a:solidFill>
+          </a:ln>
+        </p:spPr>
+        <p:style>
+          <a:lnRef idx="2">
+            <a:schemeClr val="accent1">
+              <a:shade val="50000"/>
+            </a:schemeClr>
+          </a:lnRef>
+          <a:fillRef idx="1">
+            <a:schemeClr val="accent1"/>
+          </a:fillRef>
+          <a:effectRef idx="0">
+            <a:schemeClr val="accent1"/>
+          </a:effectRef>
+          <a:fontRef idx="minor">
+            <a:schemeClr val="lt1"/>
+          </a:fontRef>
+        </p:style>
+        <p:txBody>
+          <a:bodyPr rtlCol="0" anchor="ctr"/>
+          <a:lstStyle/>
+          <a:p>
+            <a:pPr algn="ctr"/>
+            <a:r>
+              <a:rPr lang="en-US" sz="1600" dirty="0">
+                <a:solidFill>
+                  <a:schemeClr val="tx1"/>
+                </a:solidFill>
+              </a:rPr>
+              <a:t>A: 1</a:t>
+            </a:r>
+            <a:endParaRPr lang="en-PH" sz="1600" dirty="0">
+              <a:solidFill>
+                <a:schemeClr val="tx1"/>
+              </a:solidFill>
+            </a:endParaRPr>
+          </a:p>
+        </p:txBody>
+      </p:sp>
+      <p:sp>
+        <p:nvSpPr>
+          <p:cNvPr id="42" name="Oval 41">
+            <a:extLst>
+              <a:ext uri="{FF2B5EF4-FFF2-40B4-BE49-F238E27FC236}">
+                <a16:creationId xmlns:a16="http://schemas.microsoft.com/office/drawing/2014/main" id="{6790BD35-3A48-4FA4-A1DD-25EAA7D259C1}"/>
+              </a:ext>
+            </a:extLst>
+          </p:cNvPr>
+          <p:cNvSpPr/>
+          <p:nvPr/>
+        </p:nvSpPr>
+        <p:spPr>
+          <a:xfrm>
+            <a:off x="9737140" y="4313417"/>
+            <a:ext cx="741647" cy="741647"/>
+          </a:xfrm>
+          <a:prstGeom prst="ellipse">
+            <a:avLst/>
+          </a:prstGeom>
+          <a:noFill/>
+          <a:ln>
+            <a:solidFill>
+              <a:schemeClr val="tx1"/>
+            </a:solidFill>
+          </a:ln>
+        </p:spPr>
+        <p:style>
+          <a:lnRef idx="2">
+            <a:schemeClr val="accent1">
+              <a:shade val="50000"/>
+            </a:schemeClr>
+          </a:lnRef>
+          <a:fillRef idx="1">
+            <a:schemeClr val="accent1"/>
+          </a:fillRef>
+          <a:effectRef idx="0">
+            <a:schemeClr val="accent1"/>
+          </a:effectRef>
+          <a:fontRef idx="minor">
+            <a:schemeClr val="lt1"/>
+          </a:fontRef>
+        </p:style>
+        <p:txBody>
+          <a:bodyPr rtlCol="0" anchor="ctr"/>
+          <a:lstStyle/>
+          <a:p>
+            <a:pPr algn="ctr"/>
+            <a:r>
+              <a:rPr lang="en-US" sz="1600" dirty="0">
+                <a:solidFill>
+                  <a:schemeClr val="tx1"/>
+                </a:solidFill>
+              </a:rPr>
+              <a:t>E: 1</a:t>
+            </a:r>
+            <a:endParaRPr lang="en-PH" sz="1600" dirty="0">
+              <a:solidFill>
+                <a:schemeClr val="tx1"/>
+              </a:solidFill>
+            </a:endParaRPr>
+          </a:p>
+        </p:txBody>
+      </p:sp>
+      <p:cxnSp>
+        <p:nvCxnSpPr>
+          <p:cNvPr id="43" name="Straight Connector 42">
+            <a:extLst>
+              <a:ext uri="{FF2B5EF4-FFF2-40B4-BE49-F238E27FC236}">
+                <a16:creationId xmlns:a16="http://schemas.microsoft.com/office/drawing/2014/main" id="{D5CBC4E2-B7D8-4BA4-91B1-1439F1E66A5D}"/>
+              </a:ext>
+            </a:extLst>
+          </p:cNvPr>
+          <p:cNvCxnSpPr>
+            <a:stCxn id="41" idx="1"/>
+            <a:endCxn id="30" idx="6"/>
+          </p:cNvCxnSpPr>
+          <p:nvPr/>
+        </p:nvCxnSpPr>
+        <p:spPr>
+          <a:xfrm flipH="1" flipV="1">
+            <a:off x="9181506" y="3089579"/>
+            <a:ext cx="293423" cy="270579"/>
+          </a:xfrm>
+          <a:prstGeom prst="line">
+            <a:avLst/>
+          </a:prstGeom>
+        </p:spPr>
+        <p:style>
+          <a:lnRef idx="1">
+            <a:schemeClr val="dk1"/>
+          </a:lnRef>
+          <a:fillRef idx="0">
+            <a:schemeClr val="dk1"/>
+          </a:fillRef>
+          <a:effectRef idx="0">
+            <a:schemeClr val="dk1"/>
+          </a:effectRef>
+          <a:fontRef idx="minor">
+            <a:schemeClr val="tx1"/>
+          </a:fontRef>
+        </p:style>
+      </p:cxnSp>
+      <p:cxnSp>
+        <p:nvCxnSpPr>
+          <p:cNvPr id="44" name="Straight Connector 43">
+            <a:extLst>
+              <a:ext uri="{FF2B5EF4-FFF2-40B4-BE49-F238E27FC236}">
+                <a16:creationId xmlns:a16="http://schemas.microsoft.com/office/drawing/2014/main" id="{D5CBC4E2-B7D8-4BA4-91B1-1439F1E66A5D}"/>
+              </a:ext>
+            </a:extLst>
+          </p:cNvPr>
+          <p:cNvCxnSpPr>
+            <a:stCxn id="41" idx="5"/>
+            <a:endCxn id="42" idx="0"/>
+          </p:cNvCxnSpPr>
+          <p:nvPr/>
+        </p:nvCxnSpPr>
+        <p:spPr>
+          <a:xfrm>
+            <a:off x="9999352" y="3884581"/>
+            <a:ext cx="108612" cy="428836"/>
+          </a:xfrm>
+          <a:prstGeom prst="line">
+            <a:avLst/>
+          </a:prstGeom>
+        </p:spPr>
+        <p:style>
+          <a:lnRef idx="1">
+            <a:schemeClr val="dk1"/>
+          </a:lnRef>
+          <a:fillRef idx="0">
+            <a:schemeClr val="dk1"/>
+          </a:fillRef>
+          <a:effectRef idx="0">
+            <a:schemeClr val="dk1"/>
+          </a:effectRef>
+          <a:fontRef idx="minor">
+            <a:schemeClr val="tx1"/>
+          </a:fontRef>
+        </p:style>
+      </p:cxnSp>
+      <p:sp>
+        <p:nvSpPr>
+          <p:cNvPr id="45" name="Oval 44">
+            <a:extLst>
+              <a:ext uri="{FF2B5EF4-FFF2-40B4-BE49-F238E27FC236}">
+                <a16:creationId xmlns:a16="http://schemas.microsoft.com/office/drawing/2014/main" id="{6790BD35-3A48-4FA4-A1DD-25EAA7D259C1}"/>
+              </a:ext>
+            </a:extLst>
+          </p:cNvPr>
+          <p:cNvSpPr/>
+          <p:nvPr/>
+        </p:nvSpPr>
+        <p:spPr>
+          <a:xfrm>
+            <a:off x="10775494" y="1872852"/>
+            <a:ext cx="741647" cy="741647"/>
+          </a:xfrm>
+          <a:prstGeom prst="ellipse">
+            <a:avLst/>
+          </a:prstGeom>
+          <a:noFill/>
+          <a:ln>
+            <a:solidFill>
+              <a:srgbClr val="7030A0"/>
+            </a:solidFill>
+          </a:ln>
+        </p:spPr>
+        <p:style>
+          <a:lnRef idx="2">
+            <a:schemeClr val="accent1">
+              <a:shade val="50000"/>
+            </a:schemeClr>
+          </a:lnRef>
+          <a:fillRef idx="1">
+            <a:schemeClr val="accent1"/>
+          </a:fillRef>
+          <a:effectRef idx="0">
+            <a:schemeClr val="accent1"/>
+          </a:effectRef>
+          <a:fontRef idx="minor">
+            <a:schemeClr val="lt1"/>
+          </a:fontRef>
+        </p:style>
+        <p:txBody>
+          <a:bodyPr rtlCol="0" anchor="ctr"/>
+          <a:lstStyle/>
+          <a:p>
+            <a:pPr algn="ctr"/>
+            <a:r>
+              <a:rPr lang="en-US" sz="1600" dirty="0">
+                <a:solidFill>
+                  <a:schemeClr val="tx1"/>
+                </a:solidFill>
+              </a:rPr>
+              <a:t>C: 1</a:t>
+            </a:r>
+            <a:endParaRPr lang="en-PH" sz="1600" dirty="0">
+              <a:solidFill>
+                <a:schemeClr val="tx1"/>
+              </a:solidFill>
+            </a:endParaRPr>
+          </a:p>
+        </p:txBody>
+      </p:sp>
+      <p:sp>
+        <p:nvSpPr>
+          <p:cNvPr id="46" name="Oval 45">
+            <a:extLst>
+              <a:ext uri="{FF2B5EF4-FFF2-40B4-BE49-F238E27FC236}">
+                <a16:creationId xmlns:a16="http://schemas.microsoft.com/office/drawing/2014/main" id="{6790BD35-3A48-4FA4-A1DD-25EAA7D259C1}"/>
+              </a:ext>
+            </a:extLst>
+          </p:cNvPr>
+          <p:cNvSpPr/>
+          <p:nvPr/>
+        </p:nvSpPr>
+        <p:spPr>
+          <a:xfrm>
+            <a:off x="10775494" y="2941057"/>
+            <a:ext cx="741647" cy="741647"/>
+          </a:xfrm>
+          <a:prstGeom prst="ellipse">
+            <a:avLst/>
+          </a:prstGeom>
+          <a:noFill/>
+          <a:ln>
+            <a:solidFill>
+              <a:schemeClr val="tx1"/>
+            </a:solidFill>
+          </a:ln>
+        </p:spPr>
+        <p:style>
+          <a:lnRef idx="2">
+            <a:schemeClr val="accent1">
+              <a:shade val="50000"/>
+            </a:schemeClr>
+          </a:lnRef>
+          <a:fillRef idx="1">
+            <a:schemeClr val="accent1"/>
+          </a:fillRef>
+          <a:effectRef idx="0">
+            <a:schemeClr val="accent1"/>
+          </a:effectRef>
+          <a:fontRef idx="minor">
+            <a:schemeClr val="lt1"/>
+          </a:fontRef>
+        </p:style>
+        <p:txBody>
+          <a:bodyPr rtlCol="0" anchor="ctr"/>
+          <a:lstStyle/>
+          <a:p>
+            <a:pPr algn="ctr"/>
+            <a:r>
+              <a:rPr lang="en-US" sz="1600" dirty="0">
+                <a:solidFill>
+                  <a:schemeClr val="tx1"/>
+                </a:solidFill>
+              </a:rPr>
+              <a:t>A: 1</a:t>
+            </a:r>
+            <a:endParaRPr lang="en-PH" sz="1600" dirty="0">
+              <a:solidFill>
+                <a:schemeClr val="tx1"/>
+              </a:solidFill>
+            </a:endParaRPr>
+          </a:p>
+        </p:txBody>
+      </p:sp>
+      <p:sp>
+        <p:nvSpPr>
+          <p:cNvPr id="47" name="Oval 46">
+            <a:extLst>
+              <a:ext uri="{FF2B5EF4-FFF2-40B4-BE49-F238E27FC236}">
+                <a16:creationId xmlns:a16="http://schemas.microsoft.com/office/drawing/2014/main" id="{6790BD35-3A48-4FA4-A1DD-25EAA7D259C1}"/>
+              </a:ext>
+            </a:extLst>
+          </p:cNvPr>
+          <p:cNvSpPr/>
+          <p:nvPr/>
+        </p:nvSpPr>
+        <p:spPr>
+          <a:xfrm>
+            <a:off x="10775494" y="3993193"/>
+            <a:ext cx="741647" cy="741647"/>
+          </a:xfrm>
+          <a:prstGeom prst="ellipse">
+            <a:avLst/>
+          </a:prstGeom>
+          <a:noFill/>
+          <a:ln>
+            <a:solidFill>
+              <a:schemeClr val="tx1"/>
+            </a:solidFill>
+          </a:ln>
+        </p:spPr>
+        <p:style>
+          <a:lnRef idx="2">
+            <a:schemeClr val="accent1">
+              <a:shade val="50000"/>
+            </a:schemeClr>
+          </a:lnRef>
+          <a:fillRef idx="1">
+            <a:schemeClr val="accent1"/>
+          </a:fillRef>
+          <a:effectRef idx="0">
+            <a:schemeClr val="accent1"/>
+          </a:effectRef>
+          <a:fontRef idx="minor">
+            <a:schemeClr val="lt1"/>
+          </a:fontRef>
+        </p:style>
+        <p:txBody>
+          <a:bodyPr rtlCol="0" anchor="ctr"/>
+          <a:lstStyle/>
+          <a:p>
+            <a:pPr algn="ctr"/>
+            <a:r>
+              <a:rPr lang="en-US" sz="1600" dirty="0">
+                <a:solidFill>
+                  <a:schemeClr val="tx1"/>
+                </a:solidFill>
+              </a:rPr>
+              <a:t>D: 1</a:t>
+            </a:r>
+            <a:endParaRPr lang="en-PH" sz="1600" dirty="0">
+              <a:solidFill>
+                <a:schemeClr val="tx1"/>
+              </a:solidFill>
+            </a:endParaRPr>
+          </a:p>
+        </p:txBody>
+      </p:sp>
+      <p:cxnSp>
+        <p:nvCxnSpPr>
+          <p:cNvPr id="48" name="Straight Connector 47">
+            <a:extLst>
+              <a:ext uri="{FF2B5EF4-FFF2-40B4-BE49-F238E27FC236}">
+                <a16:creationId xmlns:a16="http://schemas.microsoft.com/office/drawing/2014/main" id="{D5CBC4E2-B7D8-4BA4-91B1-1439F1E66A5D}"/>
+              </a:ext>
+            </a:extLst>
+          </p:cNvPr>
+          <p:cNvCxnSpPr>
+            <a:stCxn id="46" idx="0"/>
+            <a:endCxn id="45" idx="4"/>
+          </p:cNvCxnSpPr>
+          <p:nvPr/>
+        </p:nvCxnSpPr>
+        <p:spPr>
+          <a:xfrm flipV="1">
+            <a:off x="11146318" y="2614499"/>
+            <a:ext cx="0" cy="326558"/>
+          </a:xfrm>
+          <a:prstGeom prst="line">
+            <a:avLst/>
+          </a:prstGeom>
+        </p:spPr>
+        <p:style>
+          <a:lnRef idx="1">
+            <a:schemeClr val="dk1"/>
+          </a:lnRef>
+          <a:fillRef idx="0">
+            <a:schemeClr val="dk1"/>
+          </a:fillRef>
+          <a:effectRef idx="0">
+            <a:schemeClr val="dk1"/>
+          </a:effectRef>
+          <a:fontRef idx="minor">
+            <a:schemeClr val="tx1"/>
+          </a:fontRef>
+        </p:style>
+      </p:cxnSp>
+      <p:cxnSp>
+        <p:nvCxnSpPr>
+          <p:cNvPr id="49" name="Straight Connector 48">
+            <a:extLst>
+              <a:ext uri="{FF2B5EF4-FFF2-40B4-BE49-F238E27FC236}">
+                <a16:creationId xmlns:a16="http://schemas.microsoft.com/office/drawing/2014/main" id="{D5CBC4E2-B7D8-4BA4-91B1-1439F1E66A5D}"/>
+              </a:ext>
+            </a:extLst>
+          </p:cNvPr>
+          <p:cNvCxnSpPr>
+            <a:stCxn id="47" idx="0"/>
+            <a:endCxn id="46" idx="4"/>
+          </p:cNvCxnSpPr>
+          <p:nvPr/>
+        </p:nvCxnSpPr>
+        <p:spPr>
+          <a:xfrm flipV="1">
+            <a:off x="11146318" y="3682704"/>
+            <a:ext cx="0" cy="310489"/>
+          </a:xfrm>
+          <a:prstGeom prst="line">
+            <a:avLst/>
+          </a:prstGeom>
+        </p:spPr>
+        <p:style>
+          <a:lnRef idx="1">
+            <a:schemeClr val="dk1"/>
+          </a:lnRef>
+          <a:fillRef idx="0">
+            <a:schemeClr val="dk1"/>
+          </a:fillRef>
+          <a:effectRef idx="0">
+            <a:schemeClr val="dk1"/>
+          </a:effectRef>
+          <a:fontRef idx="minor">
+            <a:schemeClr val="tx1"/>
+          </a:fontRef>
+        </p:style>
+      </p:cxnSp>
+    </p:spTree>
+    <p:extLst>
+      <p:ext uri="{BB962C8B-B14F-4D97-AF65-F5344CB8AC3E}">
+        <p14:creationId xmlns:p14="http://schemas.microsoft.com/office/powerpoint/2010/main" val="1498300316"/>
+      </p:ext>
+    </p:extLst>
+  </p:cSld>
+  <p:clrMapOvr>
+    <a:masterClrMapping/>
+  </p:clrMapOvr>
+</p:sld>
+</file>
+
+<file path=ppt/slides/slide31.xml><?xml version="1.0" encoding="utf-8"?>
 <p:sld xmlns:a="http://schemas.openxmlformats.org/drawingml/2006/main" xmlns:r="http://schemas.openxmlformats.org/officeDocument/2006/relationships" xmlns:p="http://schemas.openxmlformats.org/presentationml/2006/main">
   <p:cSld>
     <p:spTree>
@@ -23079,7 +23326,7 @@
 </p:sld>
 </file>
 
-<file path=ppt/slides/slide31.xml><?xml version="1.0" encoding="utf-8"?>
+<file path=ppt/slides/slide32.xml><?xml version="1.0" encoding="utf-8"?>
 <p:sld xmlns:a="http://schemas.openxmlformats.org/drawingml/2006/main" xmlns:r="http://schemas.openxmlformats.org/officeDocument/2006/relationships" xmlns:p="http://schemas.openxmlformats.org/presentationml/2006/main">
   <p:cSld>
     <p:spTree>
@@ -24400,7 +24647,7 @@
 </p:sld>
 </file>
 
-<file path=ppt/slides/slide32.xml><?xml version="1.0" encoding="utf-8"?>
+<file path=ppt/slides/slide33.xml><?xml version="1.0" encoding="utf-8"?>
 <p:sld xmlns:a="http://schemas.openxmlformats.org/drawingml/2006/main" xmlns:r="http://schemas.openxmlformats.org/officeDocument/2006/relationships" xmlns:p="http://schemas.openxmlformats.org/presentationml/2006/main">
   <p:cSld>
     <p:spTree>
@@ -25879,7 +26126,7 @@
 </p:sld>
 </file>
 
-<file path=ppt/slides/slide33.xml><?xml version="1.0" encoding="utf-8"?>
+<file path=ppt/slides/slide34.xml><?xml version="1.0" encoding="utf-8"?>
 <p:sld xmlns:a="http://schemas.openxmlformats.org/drawingml/2006/main" xmlns:r="http://schemas.openxmlformats.org/officeDocument/2006/relationships" xmlns:p="http://schemas.openxmlformats.org/presentationml/2006/main">
   <p:cSld>
     <p:spTree>
@@ -26074,7 +26321,7 @@
         <p:spPr>
           <a:xfrm>
             <a:off x="669520" y="1007202"/>
-            <a:ext cx="10558668" cy="2277547"/>
+            <a:ext cx="10558668" cy="2708434"/>
           </a:xfrm>
           <a:prstGeom prst="rect">
             <a:avLst/>
@@ -26100,6 +26347,9 @@
               <a:rPr lang="en-US" sz="2800" b="1" i="1" dirty="0"/>
               <a:t>Compact Representation:</a:t>
             </a:r>
+          </a:p>
+          <a:p>
+            <a:endParaRPr lang="en-US" sz="2800" b="1" i="1" dirty="0"/>
           </a:p>
           <a:p>
             <a:pPr marL="457200" indent="-457200">
@@ -26164,7 +26414,7 @@
         <p:spPr>
           <a:xfrm>
             <a:off x="669520" y="1007202"/>
-            <a:ext cx="10558668" cy="2708434"/>
+            <a:ext cx="10558668" cy="3139321"/>
           </a:xfrm>
           <a:prstGeom prst="rect">
             <a:avLst/>
@@ -26190,6 +26440,9 @@
               <a:rPr lang="en-US" sz="2800" b="1" i="1" dirty="0"/>
               <a:t>Hierarchical Structure:</a:t>
             </a:r>
+          </a:p>
+          <a:p>
+            <a:endParaRPr lang="en-US" sz="2800" b="1" i="1" dirty="0"/>
           </a:p>
           <a:p>
             <a:pPr marL="457200" indent="-457200">
@@ -26242,7 +26495,7 @@
         <p:spPr>
           <a:xfrm>
             <a:off x="669520" y="1007202"/>
-            <a:ext cx="10558668" cy="2708434"/>
+            <a:ext cx="10558668" cy="3139321"/>
           </a:xfrm>
           <a:prstGeom prst="rect">
             <a:avLst/>
@@ -26268,6 +26521,9 @@
               <a:rPr lang="en-US" sz="2800" b="1" i="1" dirty="0"/>
               <a:t>Node Paths:</a:t>
             </a:r>
+          </a:p>
+          <a:p>
+            <a:endParaRPr lang="en-US" sz="2800" b="1" i="1" dirty="0"/>
           </a:p>
           <a:p>
             <a:pPr marL="457200" indent="-457200">
